--- a/Ting_Ramaswamy_cs229Poster.pptx
+++ b/Ting_Ramaswamy_cs229Poster.pptx
@@ -288,7 +288,7 @@
           <a:p>
             <a:fld id="{9E3F4D72-DA31-1945-A80B-752F747DFB35}" type="datetimeFigureOut">
               <a:rPr lang="en-US" smtClean="0"/>
-              <a:t>11/28/14</a:t>
+              <a:t>12/1/14</a:t>
             </a:fld>
             <a:endParaRPr lang="en-US"/>
           </a:p>
@@ -458,7 +458,7 @@
           <a:p>
             <a:fld id="{9E3F4D72-DA31-1945-A80B-752F747DFB35}" type="datetimeFigureOut">
               <a:rPr lang="en-US" smtClean="0"/>
-              <a:t>11/28/14</a:t>
+              <a:t>12/1/14</a:t>
             </a:fld>
             <a:endParaRPr lang="en-US"/>
           </a:p>
@@ -638,7 +638,7 @@
           <a:p>
             <a:fld id="{9E3F4D72-DA31-1945-A80B-752F747DFB35}" type="datetimeFigureOut">
               <a:rPr lang="en-US" smtClean="0"/>
-              <a:t>11/28/14</a:t>
+              <a:t>12/1/14</a:t>
             </a:fld>
             <a:endParaRPr lang="en-US"/>
           </a:p>
@@ -808,7 +808,7 @@
           <a:p>
             <a:fld id="{9E3F4D72-DA31-1945-A80B-752F747DFB35}" type="datetimeFigureOut">
               <a:rPr lang="en-US" smtClean="0"/>
-              <a:t>11/28/14</a:t>
+              <a:t>12/1/14</a:t>
             </a:fld>
             <a:endParaRPr lang="en-US"/>
           </a:p>
@@ -1054,7 +1054,7 @@
           <a:p>
             <a:fld id="{9E3F4D72-DA31-1945-A80B-752F747DFB35}" type="datetimeFigureOut">
               <a:rPr lang="en-US" smtClean="0"/>
-              <a:t>11/28/14</a:t>
+              <a:t>12/1/14</a:t>
             </a:fld>
             <a:endParaRPr lang="en-US"/>
           </a:p>
@@ -1342,7 +1342,7 @@
           <a:p>
             <a:fld id="{9E3F4D72-DA31-1945-A80B-752F747DFB35}" type="datetimeFigureOut">
               <a:rPr lang="en-US" smtClean="0"/>
-              <a:t>11/28/14</a:t>
+              <a:t>12/1/14</a:t>
             </a:fld>
             <a:endParaRPr lang="en-US"/>
           </a:p>
@@ -1769,7 +1769,7 @@
           <a:p>
             <a:fld id="{9E3F4D72-DA31-1945-A80B-752F747DFB35}" type="datetimeFigureOut">
               <a:rPr lang="en-US" smtClean="0"/>
-              <a:t>11/28/14</a:t>
+              <a:t>12/1/14</a:t>
             </a:fld>
             <a:endParaRPr lang="en-US"/>
           </a:p>
@@ -1887,7 +1887,7 @@
           <a:p>
             <a:fld id="{9E3F4D72-DA31-1945-A80B-752F747DFB35}" type="datetimeFigureOut">
               <a:rPr lang="en-US" smtClean="0"/>
-              <a:t>11/28/14</a:t>
+              <a:t>12/1/14</a:t>
             </a:fld>
             <a:endParaRPr lang="en-US"/>
           </a:p>
@@ -1982,7 +1982,7 @@
           <a:p>
             <a:fld id="{9E3F4D72-DA31-1945-A80B-752F747DFB35}" type="datetimeFigureOut">
               <a:rPr lang="en-US" smtClean="0"/>
-              <a:t>11/28/14</a:t>
+              <a:t>12/1/14</a:t>
             </a:fld>
             <a:endParaRPr lang="en-US"/>
           </a:p>
@@ -2259,7 +2259,7 @@
           <a:p>
             <a:fld id="{9E3F4D72-DA31-1945-A80B-752F747DFB35}" type="datetimeFigureOut">
               <a:rPr lang="en-US" smtClean="0"/>
-              <a:t>11/28/14</a:t>
+              <a:t>12/1/14</a:t>
             </a:fld>
             <a:endParaRPr lang="en-US"/>
           </a:p>
@@ -2512,7 +2512,7 @@
           <a:p>
             <a:fld id="{9E3F4D72-DA31-1945-A80B-752F747DFB35}" type="datetimeFigureOut">
               <a:rPr lang="en-US" smtClean="0"/>
-              <a:t>11/28/14</a:t>
+              <a:t>12/1/14</a:t>
             </a:fld>
             <a:endParaRPr lang="en-US"/>
           </a:p>
@@ -2725,7 +2725,7 @@
           <a:p>
             <a:fld id="{9E3F4D72-DA31-1945-A80B-752F747DFB35}" type="datetimeFigureOut">
               <a:rPr lang="en-US" smtClean="0"/>
-              <a:t>11/28/14</a:t>
+              <a:t>12/1/14</a:t>
             </a:fld>
             <a:endParaRPr lang="en-US"/>
           </a:p>
@@ -3122,7 +3122,7 @@
           <a:graphicData uri="http://schemas.openxmlformats.org/presentationml/2006/ole">
             <mc:AlternateContent xmlns:mc="http://schemas.openxmlformats.org/markup-compatibility/2006">
               <mc:Choice xmlns:v="urn:schemas-microsoft-com:vml" Requires="v">
-                <p:oleObj spid="_x0000_s1050" name="Document" r:id="rId3" imgW="5486400" imgH="546100" progId="Word.Document.12">
+                <p:oleObj spid="_x0000_s1061" name="Document" r:id="rId3" imgW="5486400" imgH="546100" progId="Word.Document.12">
                   <p:embed/>
                 </p:oleObj>
               </mc:Choice>
@@ -3179,7 +3179,7 @@
           <a:graphicData uri="http://schemas.openxmlformats.org/presentationml/2006/ole">
             <mc:AlternateContent xmlns:mc="http://schemas.openxmlformats.org/markup-compatibility/2006">
               <mc:Choice xmlns:v="urn:schemas-microsoft-com:vml" Requires="v">
-                <p:oleObj spid="_x0000_s1051" name="Document" r:id="rId5" imgW="5486400" imgH="533400" progId="Word.Document.12">
+                <p:oleObj spid="_x0000_s1062" name="Document" r:id="rId5" imgW="5486400" imgH="533400" progId="Word.Document.12">
                   <p:embed/>
                 </p:oleObj>
               </mc:Choice>
@@ -3236,7 +3236,7 @@
           <a:graphicData uri="http://schemas.openxmlformats.org/presentationml/2006/ole">
             <mc:AlternateContent xmlns:mc="http://schemas.openxmlformats.org/markup-compatibility/2006">
               <mc:Choice xmlns:v="urn:schemas-microsoft-com:vml" Requires="v">
-                <p:oleObj spid="_x0000_s1052" name="Document" r:id="rId7" imgW="5486400" imgH="254000" progId="Word.Document.12">
+                <p:oleObj spid="_x0000_s1063" name="Document" r:id="rId7" imgW="5486400" imgH="254000" progId="Word.Document.12">
                   <p:embed/>
                 </p:oleObj>
               </mc:Choice>
@@ -3293,7 +3293,7 @@
           <a:graphicData uri="http://schemas.openxmlformats.org/presentationml/2006/ole">
             <mc:AlternateContent xmlns:mc="http://schemas.openxmlformats.org/markup-compatibility/2006">
               <mc:Choice xmlns:v="urn:schemas-microsoft-com:vml" Requires="v">
-                <p:oleObj spid="_x0000_s1053" name="Document" r:id="rId9" imgW="5486400" imgH="419100" progId="Word.Document.12">
+                <p:oleObj spid="_x0000_s1064" name="Document" r:id="rId9" imgW="5486400" imgH="419100" progId="Word.Document.12">
                   <p:embed/>
                 </p:oleObj>
               </mc:Choice>
@@ -3350,7 +3350,7 @@
           <a:graphicData uri="http://schemas.openxmlformats.org/presentationml/2006/ole">
             <mc:AlternateContent xmlns:mc="http://schemas.openxmlformats.org/markup-compatibility/2006">
               <mc:Choice xmlns:v="urn:schemas-microsoft-com:vml" Requires="v">
-                <p:oleObj spid="_x0000_s1054" name="Document" r:id="rId11" imgW="5486400" imgH="241300" progId="Word.Document.12">
+                <p:oleObj spid="_x0000_s1065" name="Document" r:id="rId11" imgW="5486400" imgH="241300" progId="Word.Document.12">
                   <p:embed/>
                 </p:oleObj>
               </mc:Choice>
@@ -3918,8 +3918,8 @@
         </p:nvSpPr>
         <p:spPr>
           <a:xfrm>
-            <a:off x="18628232" y="16750534"/>
-            <a:ext cx="8229600" cy="1200328"/>
+            <a:off x="18628232" y="16884206"/>
+            <a:ext cx="8229600" cy="1107996"/>
           </a:xfrm>
           <a:prstGeom prst="rect">
             <a:avLst/>
@@ -3933,14 +3933,14 @@
           <a:p>
             <a:pPr algn="ctr"/>
             <a:r>
-              <a:rPr lang="en-US" sz="2400" b="1" dirty="0" smtClean="0">
+              <a:rPr lang="en-US" sz="2200" b="1" dirty="0" smtClean="0">
                 <a:latin typeface="Arial"/>
                 <a:cs typeface="Arial"/>
               </a:rPr>
               <a:t>Jason Ting: </a:t>
             </a:r>
             <a:r>
-              <a:rPr lang="en-US" sz="2400" dirty="0" smtClean="0">
+              <a:rPr lang="en-US" sz="2200" dirty="0" smtClean="0">
                 <a:latin typeface="Arial"/>
                 <a:cs typeface="Arial"/>
               </a:rPr>
@@ -3950,7 +3950,7 @@
           <a:p>
             <a:pPr algn="ctr"/>
             <a:r>
-              <a:rPr lang="en-US" sz="2400" b="1" dirty="0" err="1" smtClean="0">
+              <a:rPr lang="en-US" sz="2200" b="1" dirty="0" err="1" smtClean="0">
                 <a:solidFill>
                   <a:schemeClr val="tx1"/>
                 </a:solidFill>
@@ -3960,7 +3960,7 @@
               <a:t>Swaroop</a:t>
             </a:r>
             <a:r>
-              <a:rPr lang="en-US" sz="2400" b="1" dirty="0" smtClean="0">
+              <a:rPr lang="en-US" sz="2200" b="1" dirty="0" smtClean="0">
                 <a:solidFill>
                   <a:schemeClr val="tx1"/>
                 </a:solidFill>
@@ -3970,7 +3970,7 @@
               <a:t> </a:t>
             </a:r>
             <a:r>
-              <a:rPr lang="en-US" sz="2400" b="1" dirty="0" err="1" smtClean="0">
+              <a:rPr lang="en-US" sz="2200" b="1" dirty="0" err="1" smtClean="0">
                 <a:solidFill>
                   <a:schemeClr val="tx1"/>
                 </a:solidFill>
@@ -3980,7 +3980,7 @@
               <a:t>Indra</a:t>
             </a:r>
             <a:r>
-              <a:rPr lang="en-US" sz="2400" b="1" dirty="0" smtClean="0">
+              <a:rPr lang="en-US" sz="2200" b="1" dirty="0" smtClean="0">
                 <a:solidFill>
                   <a:schemeClr val="tx1"/>
                 </a:solidFill>
@@ -3990,7 +3990,7 @@
               <a:t> </a:t>
             </a:r>
             <a:r>
-              <a:rPr lang="en-US" sz="2400" b="1" dirty="0" err="1" smtClean="0">
+              <a:rPr lang="en-US" sz="2200" b="1" dirty="0" err="1" smtClean="0">
                 <a:solidFill>
                   <a:schemeClr val="tx1"/>
                 </a:solidFill>
@@ -4000,7 +4000,7 @@
               <a:t>Ramaswamy</a:t>
             </a:r>
             <a:r>
-              <a:rPr lang="en-US" sz="2400" dirty="0" smtClean="0">
+              <a:rPr lang="en-US" sz="2200" dirty="0" smtClean="0">
                 <a:solidFill>
                   <a:schemeClr val="tx1"/>
                 </a:solidFill>
@@ -4010,7 +4010,7 @@
               <a:t>: </a:t>
             </a:r>
             <a:r>
-              <a:rPr lang="en-US" sz="2400" dirty="0" err="1" smtClean="0">
+              <a:rPr lang="en-US" sz="2200" dirty="0" err="1" smtClean="0">
                 <a:solidFill>
                   <a:schemeClr val="tx1"/>
                 </a:solidFill>
@@ -4020,7 +4020,7 @@
               <a:t>swaroopr@stanford.edu</a:t>
             </a:r>
             <a:r>
-              <a:rPr lang="en-US" sz="2400" dirty="0" smtClean="0">
+              <a:rPr lang="en-US" sz="2200" dirty="0" smtClean="0">
                 <a:solidFill>
                   <a:schemeClr val="tx1"/>
                 </a:solidFill>
@@ -4029,14 +4029,14 @@
               </a:rPr>
               <a:t>  </a:t>
             </a:r>
-            <a:endParaRPr lang="en-US" sz="2400" dirty="0" smtClean="0">
+            <a:endParaRPr lang="en-US" sz="2200" dirty="0" smtClean="0">
               <a:latin typeface="Arial"/>
               <a:cs typeface="Arial"/>
             </a:endParaRPr>
           </a:p>
           <a:p>
             <a:pPr algn="ctr"/>
-            <a:endParaRPr lang="en-US" sz="2400" dirty="0">
+            <a:endParaRPr lang="en-US" sz="2200" dirty="0">
               <a:latin typeface="Arial"/>
               <a:cs typeface="Arial"/>
             </a:endParaRPr>
@@ -4321,14 +4321,14 @@
       </p:pic>
       <p:sp>
         <p:nvSpPr>
-          <p:cNvPr id="36" name="TextBox 35"/>
+          <p:cNvPr id="37" name="TextBox 36"/>
           <p:cNvSpPr txBox="1"/>
           <p:nvPr/>
         </p:nvSpPr>
         <p:spPr>
           <a:xfrm>
-            <a:off x="18392585" y="15419257"/>
-            <a:ext cx="8198084" cy="630936"/>
+            <a:off x="9607401" y="7348964"/>
+            <a:ext cx="8229600" cy="10802955"/>
           </a:xfrm>
           <a:prstGeom prst="rect">
             <a:avLst/>
@@ -4336,29 +4336,252 @@
           <a:noFill/>
         </p:spPr>
         <p:txBody>
-          <a:bodyPr wrap="square" lIns="106674" tIns="53337" rIns="106674" bIns="53337" rtlCol="0">
+          <a:bodyPr wrap="square" rtlCol="0">
             <a:spAutoFit/>
           </a:bodyPr>
           <a:lstStyle/>
           <a:p>
-            <a:pPr algn="ctr"/>
-            <a:r>
-              <a:rPr lang="en-US" sz="3400" b="1" dirty="0" smtClean="0"/>
-              <a:t>Acknowledgments</a:t>
-            </a:r>
-          </a:p>
-        </p:txBody>
-      </p:sp>
-      <p:sp>
-        <p:nvSpPr>
-          <p:cNvPr id="37" name="TextBox 36"/>
+            <a:pPr marL="457200" indent="-457200">
+              <a:buFont typeface="Arial"/>
+              <a:buChar char="•"/>
+            </a:pPr>
+            <a:r>
+              <a:rPr lang="en-US" sz="2400" dirty="0" smtClean="0"/>
+              <a:t>Linear Regression</a:t>
+            </a:r>
+            <a:r>
+              <a:rPr lang="en-US" sz="2400" dirty="0"/>
+              <a:t>- </a:t>
+            </a:r>
+            <a:r>
+              <a:rPr lang="en-US" sz="2400" dirty="0" smtClean="0"/>
+              <a:t>fits </a:t>
+            </a:r>
+            <a:r>
+              <a:rPr lang="en-US" sz="2400" dirty="0"/>
+              <a:t>a linear model </a:t>
+            </a:r>
+            <a:r>
+              <a:rPr lang="en-US" sz="2400" dirty="0" smtClean="0"/>
+              <a:t>by solving </a:t>
+            </a:r>
+            <a:r>
+              <a:rPr lang="en-US" sz="2400" dirty="0"/>
+              <a:t>the following optimization problem to find the estimated parameters.</a:t>
+            </a:r>
+          </a:p>
+          <a:p>
+            <a:endParaRPr lang="en-US" sz="3600" dirty="0" smtClean="0"/>
+          </a:p>
+          <a:p>
+            <a:pPr marL="457200" indent="-457200">
+              <a:buFont typeface="Arial"/>
+              <a:buChar char="•"/>
+            </a:pPr>
+            <a:r>
+              <a:rPr lang="en-US" sz="2400" dirty="0" smtClean="0"/>
+              <a:t>Ridge </a:t>
+            </a:r>
+            <a:r>
+              <a:rPr lang="en-US" sz="2400" dirty="0"/>
+              <a:t>Regression</a:t>
+            </a:r>
+            <a:r>
+              <a:rPr lang="en-US" sz="2400" dirty="0" smtClean="0"/>
+              <a:t>- </a:t>
+            </a:r>
+            <a:r>
+              <a:rPr lang="en-US" sz="2400" dirty="0"/>
+              <a:t>a linear model </a:t>
+            </a:r>
+            <a:r>
+              <a:rPr lang="en-US" sz="2400" dirty="0" smtClean="0"/>
+              <a:t>with regularization with the l2 norm and a tuning parameter that was chosen with leave one out cross validation which solves the following problem.</a:t>
+            </a:r>
+          </a:p>
+          <a:p>
+            <a:endParaRPr lang="en-US" sz="3600" dirty="0" smtClean="0"/>
+          </a:p>
+          <a:p>
+            <a:pPr marL="457200" indent="-457200">
+              <a:buFont typeface="Arial"/>
+              <a:buChar char="•"/>
+            </a:pPr>
+            <a:r>
+              <a:rPr lang="en-US" sz="2400" dirty="0" smtClean="0"/>
+              <a:t>The Lasso- </a:t>
+            </a:r>
+            <a:r>
+              <a:rPr lang="en-US" sz="2400" dirty="0"/>
+              <a:t>a linear model with regularization with the </a:t>
+            </a:r>
+            <a:r>
+              <a:rPr lang="en-US" sz="2400" dirty="0" smtClean="0"/>
+              <a:t>l1 </a:t>
+            </a:r>
+            <a:r>
+              <a:rPr lang="en-US" sz="2400" dirty="0"/>
+              <a:t>norm and a tuning parameter that was chosen with leave one out cross validation which solves the following problem.</a:t>
+            </a:r>
+          </a:p>
+          <a:p>
+            <a:endParaRPr lang="en-US" sz="3600" dirty="0" smtClean="0"/>
+          </a:p>
+          <a:p>
+            <a:pPr marL="457200" indent="-457200">
+              <a:buFont typeface="Arial"/>
+              <a:buChar char="•"/>
+            </a:pPr>
+            <a:r>
+              <a:rPr lang="en-US" sz="2400" dirty="0" smtClean="0"/>
+              <a:t>Elastic Net- </a:t>
+            </a:r>
+            <a:r>
+              <a:rPr lang="en-US" sz="2400" dirty="0"/>
+              <a:t>regression model trained with L1 and L2 prior as </a:t>
+            </a:r>
+            <a:r>
+              <a:rPr lang="en-US" sz="2400" dirty="0" err="1" smtClean="0"/>
+              <a:t>regularizer</a:t>
+            </a:r>
+            <a:r>
+              <a:rPr lang="en-US" sz="2400" dirty="0" smtClean="0"/>
+              <a:t>, which minimizes the following problem.</a:t>
+            </a:r>
+            <a:endParaRPr lang="en-US" sz="2400" dirty="0"/>
+          </a:p>
+          <a:p>
+            <a:endParaRPr lang="en-US" sz="3600" dirty="0" smtClean="0"/>
+          </a:p>
+          <a:p>
+            <a:pPr marL="457200" indent="-457200">
+              <a:buFont typeface="Arial"/>
+              <a:buChar char="•"/>
+            </a:pPr>
+            <a:r>
+              <a:rPr lang="en-US" sz="2400" dirty="0" smtClean="0"/>
+              <a:t>Random Forest</a:t>
+            </a:r>
+            <a:r>
+              <a:rPr lang="en-US" sz="2400" dirty="0"/>
+              <a:t>- ensemble learning method that is based from </a:t>
+            </a:r>
+            <a:r>
+              <a:rPr lang="en-US" sz="2400" dirty="0" smtClean="0"/>
+              <a:t>decision </a:t>
+            </a:r>
+            <a:r>
+              <a:rPr lang="en-US" sz="2400" dirty="0"/>
+              <a:t>trees</a:t>
+            </a:r>
+            <a:r>
+              <a:rPr lang="en-US" sz="2400" dirty="0" smtClean="0"/>
+              <a:t>. Each </a:t>
+            </a:r>
+            <a:r>
+              <a:rPr lang="en-US" sz="2400" dirty="0"/>
+              <a:t>tree in the ensemble is built from </a:t>
+            </a:r>
+            <a:r>
+              <a:rPr lang="en-US" sz="2400" dirty="0" smtClean="0"/>
+              <a:t>a </a:t>
+            </a:r>
+            <a:r>
+              <a:rPr lang="en-US" sz="2400" dirty="0"/>
+              <a:t>bootstrap </a:t>
+            </a:r>
+            <a:r>
+              <a:rPr lang="en-US" sz="2400" dirty="0" smtClean="0"/>
+              <a:t>sample </a:t>
+            </a:r>
+            <a:r>
+              <a:rPr lang="en-US" sz="2400" dirty="0"/>
+              <a:t>from the training </a:t>
+            </a:r>
+            <a:r>
+              <a:rPr lang="en-US" sz="2400" dirty="0" smtClean="0"/>
+              <a:t>set. The split </a:t>
+            </a:r>
+            <a:r>
+              <a:rPr lang="en-US" sz="2400" dirty="0"/>
+              <a:t>that is picked is the best split among a random subset of </a:t>
+            </a:r>
+            <a:r>
+              <a:rPr lang="en-US" sz="2400" dirty="0" smtClean="0"/>
+              <a:t>features</a:t>
+            </a:r>
+            <a:r>
+              <a:rPr lang="en-US" sz="2400" dirty="0"/>
+              <a:t>. </a:t>
+            </a:r>
+            <a:endParaRPr lang="en-US" sz="2400" dirty="0" smtClean="0"/>
+          </a:p>
+          <a:p>
+            <a:pPr marL="342900" indent="-342900">
+              <a:buFont typeface="Arial"/>
+              <a:buChar char="•"/>
+            </a:pPr>
+            <a:r>
+              <a:rPr lang="en-US" sz="2400" dirty="0" smtClean="0"/>
+              <a:t>Factorization Machine- </a:t>
+            </a:r>
+          </a:p>
+          <a:p>
+            <a:endParaRPr lang="en-US" sz="2400" dirty="0" smtClean="0"/>
+          </a:p>
+          <a:p>
+            <a:endParaRPr lang="en-US" sz="2400" dirty="0" smtClean="0"/>
+          </a:p>
+          <a:p>
+            <a:pPr marL="342900" indent="-342900">
+              <a:buFont typeface="Arial"/>
+              <a:buChar char="•"/>
+            </a:pPr>
+            <a:r>
+              <a:rPr lang="en-US" sz="2400" dirty="0" smtClean="0"/>
+              <a:t>Collaborative Filtering</a:t>
+            </a:r>
+            <a:r>
+              <a:rPr lang="en-US" sz="2400" dirty="0" smtClean="0"/>
+              <a:t>-  </a:t>
+            </a:r>
+            <a:r>
+              <a:rPr lang="en-US" sz="2400" dirty="0"/>
+              <a:t>Collaborative filtering is a technique that identifies patterns of user preferences towards certain items and makes </a:t>
+            </a:r>
+            <a:r>
+              <a:rPr lang="en-US" sz="2400" dirty="0" smtClean="0"/>
+              <a:t>recommendations</a:t>
+            </a:r>
+            <a:r>
+              <a:rPr lang="en-US" sz="2400" dirty="0"/>
+              <a:t>. Collaborative filtering uses a sparse matrix holding the rating of users to businesses and calculates a similarity </a:t>
+            </a:r>
+            <a:r>
+              <a:rPr lang="en-US" sz="2400" dirty="0" smtClean="0"/>
+              <a:t>score.</a:t>
+            </a:r>
+            <a:endParaRPr lang="en-US" sz="2400" dirty="0" smtClean="0"/>
+          </a:p>
+          <a:p>
+            <a:pPr marL="457200" indent="-457200">
+              <a:buFont typeface="Arial"/>
+              <a:buChar char="•"/>
+            </a:pPr>
+            <a:endParaRPr lang="en-US" sz="2400" dirty="0"/>
+          </a:p>
+        </p:txBody>
+      </p:sp>
+      <p:sp>
+        <p:nvSpPr>
+          <p:cNvPr id="40" name="TextBox 39"/>
           <p:cNvSpPr txBox="1"/>
           <p:nvPr/>
         </p:nvSpPr>
         <p:spPr>
           <a:xfrm>
-            <a:off x="9607401" y="7348964"/>
-            <a:ext cx="8229600" cy="9325628"/>
+            <a:off x="18240185" y="11688613"/>
+            <a:ext cx="8229600" cy="2308324"/>
           </a:xfrm>
           <a:prstGeom prst="rect">
             <a:avLst/>
@@ -4371,256 +4594,16 @@
           </a:bodyPr>
           <a:lstStyle/>
           <a:p>
-            <a:pPr marL="457200" indent="-457200">
-              <a:buFont typeface="Arial"/>
-              <a:buChar char="•"/>
-            </a:pPr>
-            <a:r>
-              <a:rPr lang="en-US" sz="2400" dirty="0" smtClean="0"/>
-              <a:t>Linear Regression</a:t>
-            </a:r>
-            <a:r>
-              <a:rPr lang="en-US" sz="2400" dirty="0"/>
-              <a:t>- </a:t>
-            </a:r>
-            <a:r>
-              <a:rPr lang="en-US" sz="2400" dirty="0" smtClean="0"/>
-              <a:t>fits </a:t>
-            </a:r>
-            <a:r>
-              <a:rPr lang="en-US" sz="2400" dirty="0"/>
-              <a:t>a linear model </a:t>
-            </a:r>
-            <a:r>
-              <a:rPr lang="en-US" sz="2400" dirty="0" smtClean="0"/>
-              <a:t>by solving </a:t>
-            </a:r>
-            <a:r>
-              <a:rPr lang="en-US" sz="2400" dirty="0"/>
-              <a:t>the following optimization problem to find the estimated parameters.</a:t>
-            </a:r>
-          </a:p>
-          <a:p>
-            <a:endParaRPr lang="en-US" sz="3600" dirty="0" smtClean="0"/>
-          </a:p>
-          <a:p>
-            <a:pPr marL="457200" indent="-457200">
-              <a:buFont typeface="Arial"/>
-              <a:buChar char="•"/>
-            </a:pPr>
-            <a:r>
-              <a:rPr lang="en-US" sz="2400" dirty="0" smtClean="0"/>
-              <a:t>Ridge </a:t>
-            </a:r>
-            <a:r>
-              <a:rPr lang="en-US" sz="2400" dirty="0"/>
-              <a:t>Regression</a:t>
-            </a:r>
-            <a:r>
-              <a:rPr lang="en-US" sz="2400" dirty="0" smtClean="0"/>
-              <a:t>- </a:t>
-            </a:r>
-            <a:r>
-              <a:rPr lang="en-US" sz="2400" dirty="0"/>
-              <a:t>a linear model </a:t>
-            </a:r>
-            <a:r>
-              <a:rPr lang="en-US" sz="2400" dirty="0" smtClean="0"/>
-              <a:t>with regularization with the l2 norm and a tuning parameter that was chosen with leave one out cross validation which solves the following problem.</a:t>
-            </a:r>
-            <a:endParaRPr lang="en-US" sz="2400" dirty="0" smtClean="0"/>
-          </a:p>
-          <a:p>
-            <a:endParaRPr lang="en-US" sz="3600" dirty="0" smtClean="0"/>
-          </a:p>
-          <a:p>
-            <a:pPr marL="457200" indent="-457200">
-              <a:buFont typeface="Arial"/>
-              <a:buChar char="•"/>
-            </a:pPr>
-            <a:r>
-              <a:rPr lang="en-US" sz="2400" dirty="0" smtClean="0"/>
-              <a:t>The </a:t>
-            </a:r>
-            <a:r>
-              <a:rPr lang="en-US" sz="2400" dirty="0" smtClean="0"/>
-              <a:t>Lasso</a:t>
-            </a:r>
-            <a:r>
-              <a:rPr lang="en-US" sz="2400" dirty="0" smtClean="0"/>
-              <a:t>- </a:t>
-            </a:r>
-            <a:r>
-              <a:rPr lang="en-US" sz="2400" dirty="0"/>
-              <a:t>a linear model with regularization with the </a:t>
-            </a:r>
-            <a:r>
-              <a:rPr lang="en-US" sz="2400" dirty="0" smtClean="0"/>
-              <a:t>l1 </a:t>
-            </a:r>
-            <a:r>
-              <a:rPr lang="en-US" sz="2400" dirty="0"/>
-              <a:t>norm and a tuning parameter that was chosen with leave one out cross validation which solves the following problem.</a:t>
-            </a:r>
-          </a:p>
-          <a:p>
-            <a:endParaRPr lang="en-US" sz="3600" dirty="0" smtClean="0"/>
-          </a:p>
-          <a:p>
-            <a:pPr marL="457200" indent="-457200">
-              <a:buFont typeface="Arial"/>
-              <a:buChar char="•"/>
-            </a:pPr>
-            <a:r>
-              <a:rPr lang="en-US" sz="2400" dirty="0" smtClean="0"/>
-              <a:t>Elastic </a:t>
-            </a:r>
-            <a:r>
-              <a:rPr lang="en-US" sz="2400" dirty="0" smtClean="0"/>
-              <a:t>Net- </a:t>
-            </a:r>
-            <a:r>
-              <a:rPr lang="en-US" sz="2400" dirty="0"/>
-              <a:t>regression model trained with L1 and L2 prior as </a:t>
-            </a:r>
-            <a:r>
-              <a:rPr lang="en-US" sz="2400" dirty="0" err="1" smtClean="0"/>
-              <a:t>regularizer</a:t>
-            </a:r>
-            <a:r>
-              <a:rPr lang="en-US" sz="2400" dirty="0" smtClean="0"/>
-              <a:t>, which minimizes the following problem.</a:t>
-            </a:r>
-            <a:endParaRPr lang="en-US" sz="2400" dirty="0"/>
-          </a:p>
-          <a:p>
-            <a:endParaRPr lang="en-US" sz="3600" dirty="0" smtClean="0"/>
-          </a:p>
-          <a:p>
-            <a:pPr marL="457200" indent="-457200">
-              <a:buFont typeface="Arial"/>
-              <a:buChar char="•"/>
-            </a:pPr>
-            <a:r>
-              <a:rPr lang="en-US" sz="2400" dirty="0" smtClean="0"/>
-              <a:t>Random </a:t>
-            </a:r>
-            <a:r>
-              <a:rPr lang="en-US" sz="2400" dirty="0" smtClean="0"/>
-              <a:t>Forest</a:t>
-            </a:r>
-            <a:r>
-              <a:rPr lang="en-US" sz="2400" dirty="0"/>
-              <a:t>- ensemble learning method that is based from using decision trees</a:t>
-            </a:r>
-            <a:r>
-              <a:rPr lang="en-US" sz="2400" dirty="0" smtClean="0"/>
-              <a:t>. Each </a:t>
-            </a:r>
-            <a:r>
-              <a:rPr lang="en-US" sz="2400" dirty="0"/>
-              <a:t>tree in the ensemble is built from </a:t>
-            </a:r>
-            <a:r>
-              <a:rPr lang="en-US" sz="2400" dirty="0" smtClean="0"/>
-              <a:t>a </a:t>
-            </a:r>
-            <a:r>
-              <a:rPr lang="en-US" sz="2400" dirty="0"/>
-              <a:t>bootstrap </a:t>
-            </a:r>
-            <a:r>
-              <a:rPr lang="en-US" sz="2400" dirty="0" smtClean="0"/>
-              <a:t>sample </a:t>
-            </a:r>
-            <a:r>
-              <a:rPr lang="en-US" sz="2400" dirty="0"/>
-              <a:t>from the training set. In addition, when splitting a node during the construction of the </a:t>
-            </a:r>
-            <a:r>
-              <a:rPr lang="en-US" sz="2400" dirty="0" smtClean="0"/>
-              <a:t>tree the </a:t>
-            </a:r>
-            <a:r>
-              <a:rPr lang="en-US" sz="2400" dirty="0"/>
-              <a:t>split that is picked is the best split among a random subset of the features. </a:t>
-            </a:r>
-            <a:endParaRPr lang="en-US" sz="2400" dirty="0" smtClean="0"/>
-          </a:p>
-          <a:p>
-            <a:pPr marL="457200" indent="-457200">
-              <a:buFont typeface="Arial"/>
-              <a:buChar char="•"/>
-            </a:pPr>
-            <a:r>
-              <a:rPr lang="en-US" sz="2400" dirty="0" smtClean="0"/>
-              <a:t>Collaborative </a:t>
-            </a:r>
-            <a:r>
-              <a:rPr lang="en-US" sz="2400" dirty="0" smtClean="0"/>
-              <a:t>Filtering- </a:t>
-            </a:r>
-            <a:endParaRPr lang="en-US" sz="2400" dirty="0" smtClean="0"/>
-          </a:p>
-          <a:p>
-            <a:endParaRPr lang="en-US" sz="2400" dirty="0" smtClean="0"/>
-          </a:p>
-          <a:p>
-            <a:pPr marL="457200" indent="-457200">
-              <a:buFont typeface="Arial"/>
-              <a:buChar char="•"/>
-            </a:pPr>
-            <a:endParaRPr lang="en-US" sz="2400" dirty="0"/>
-          </a:p>
-        </p:txBody>
-      </p:sp>
-      <p:sp>
-        <p:nvSpPr>
-          <p:cNvPr id="40" name="TextBox 39"/>
-          <p:cNvSpPr txBox="1"/>
-          <p:nvPr/>
-        </p:nvSpPr>
-        <p:spPr>
-          <a:xfrm>
-            <a:off x="18240185" y="11688613"/>
-            <a:ext cx="8229600" cy="3785652"/>
-          </a:xfrm>
-          <a:prstGeom prst="rect">
-            <a:avLst/>
-          </a:prstGeom>
-          <a:noFill/>
-        </p:spPr>
-        <p:txBody>
-          <a:bodyPr wrap="square" rtlCol="0">
-            <a:spAutoFit/>
-          </a:bodyPr>
-          <a:lstStyle/>
-          <a:p>
             <a:r>
               <a:rPr lang="en-US" sz="2400" dirty="0"/>
               <a:t>The results show that blank performed the best. The results suggests that out of the simple imputation method, blank performed the best in general. The model that performed the best is blank. This model </a:t>
             </a:r>
+            <a:endParaRPr lang="en-US" sz="2400" dirty="0" smtClean="0"/>
           </a:p>
           <a:p>
             <a:endParaRPr lang="en-US" sz="2400" dirty="0"/>
           </a:p>
           <a:p>
-            <a:r>
-              <a:rPr lang="en-US" sz="2400" dirty="0"/>
-              <a:t>Improvements that can be made to the models in the future is to...</a:t>
-            </a:r>
-            <a:r>
-              <a:rPr lang="en-US" sz="2400" dirty="0" smtClean="0"/>
-              <a:t>. </a:t>
-            </a:r>
-            <a:r>
-              <a:rPr lang="en-US" sz="2400" dirty="0"/>
-              <a:t>s. As a result of this randomness, the bias of the forest usually slightly increases (with respect to the bias of a single non-random tree) but, due to averaging, its variance also decreases, usually more than compensating for the </a:t>
-            </a:r>
-            <a:r>
-              <a:rPr lang="en-US" sz="2400" dirty="0" smtClean="0"/>
-              <a:t>increase</a:t>
-            </a:r>
             <a:endParaRPr lang="en-US" sz="2400" dirty="0"/>
           </a:p>
         </p:txBody>
@@ -4667,7 +4650,6 @@
               <a:rPr lang="en-US" sz="2400" dirty="0"/>
               <a:t>a user would assign to a business.</a:t>
             </a:r>
-            <a:endParaRPr lang="en-US" sz="2400" dirty="0"/>
           </a:p>
         </p:txBody>
       </p:sp>
@@ -4761,70 +4743,9 @@
               <a:rPr lang="en-US" sz="2400" dirty="0"/>
               <a:t>to predict how users will rate businesses they have not been to.</a:t>
             </a:r>
-            <a:endParaRPr lang="en-US" sz="2400" dirty="0"/>
-          </a:p>
-        </p:txBody>
-      </p:sp>
-      <p:sp>
-        <p:nvSpPr>
-          <p:cNvPr id="43" name="TextBox 42"/>
-          <p:cNvSpPr txBox="1"/>
-          <p:nvPr/>
-        </p:nvSpPr>
-        <p:spPr>
-          <a:xfrm>
-            <a:off x="18240185" y="16115550"/>
-            <a:ext cx="6415704" cy="461665"/>
-          </a:xfrm>
-          <a:prstGeom prst="rect">
-            <a:avLst/>
-          </a:prstGeom>
-          <a:noFill/>
-        </p:spPr>
-        <p:txBody>
-          <a:bodyPr wrap="square" rtlCol="0">
-            <a:spAutoFit/>
-          </a:bodyPr>
-          <a:lstStyle/>
-          <a:p>
-            <a:r>
-              <a:rPr lang="en-US" sz="2400" dirty="0" smtClean="0"/>
-              <a:t>CS 229 Teaching Staff and Andrew Ng</a:t>
-            </a:r>
-            <a:endParaRPr lang="en-US" sz="2400" dirty="0"/>
-          </a:p>
-        </p:txBody>
-      </p:sp>
-      <p:pic>
-        <p:nvPicPr>
-          <p:cNvPr id="44" name="Picture 43" descr="stanford.seal64.gif"/>
-          <p:cNvPicPr>
-            <a:picLocks noChangeAspect="1"/>
-          </p:cNvPicPr>
-          <p:nvPr/>
-        </p:nvPicPr>
-        <p:blipFill>
-          <a:blip r:embed="rId17">
-            <a:extLst>
-              <a:ext uri="{28A0092B-C50C-407E-A947-70E740481C1C}">
-                <a14:useLocalDpi xmlns:a14="http://schemas.microsoft.com/office/drawing/2010/main" val="0"/>
-              </a:ext>
-            </a:extLst>
-          </a:blip>
-          <a:stretch>
-            <a:fillRect/>
-          </a:stretch>
-        </p:blipFill>
-        <p:spPr>
-          <a:xfrm>
-            <a:off x="24901875" y="15911210"/>
-            <a:ext cx="960398" cy="960398"/>
-          </a:xfrm>
-          <a:prstGeom prst="rect">
-            <a:avLst/>
-          </a:prstGeom>
-        </p:spPr>
-      </p:pic>
+          </a:p>
+        </p:txBody>
+      </p:sp>
       <p:sp>
         <p:nvSpPr>
           <p:cNvPr id="45" name="TextBox 44"/>
@@ -5047,6 +4968,44 @@
             <a:r>
               <a:rPr lang="en-US" sz="2400" dirty="0" smtClean="0"/>
               <a:t>votes.</a:t>
+            </a:r>
+            <a:endParaRPr lang="en-US" sz="2400" dirty="0"/>
+          </a:p>
+        </p:txBody>
+      </p:sp>
+      <p:sp>
+        <p:nvSpPr>
+          <p:cNvPr id="2" name="TextBox 1"/>
+          <p:cNvSpPr txBox="1"/>
+          <p:nvPr/>
+        </p:nvSpPr>
+        <p:spPr>
+          <a:xfrm>
+            <a:off x="18240186" y="13498298"/>
+            <a:ext cx="4587784" cy="3416320"/>
+          </a:xfrm>
+          <a:prstGeom prst="rect">
+            <a:avLst/>
+          </a:prstGeom>
+          <a:noFill/>
+        </p:spPr>
+        <p:txBody>
+          <a:bodyPr wrap="square" rtlCol="0">
+            <a:spAutoFit/>
+          </a:bodyPr>
+          <a:lstStyle/>
+          <a:p>
+            <a:r>
+              <a:rPr lang="en-US" sz="2400" dirty="0" smtClean="0"/>
+              <a:t>We used other techniques in addition to the model that performed the best. </a:t>
+            </a:r>
+            <a:r>
+              <a:rPr lang="en-US" sz="2400" dirty="0"/>
+              <a:t>We used collaborative filtering on the data </a:t>
+            </a:r>
+            <a:r>
+              <a:rPr lang="en-US" sz="2400" dirty="0" smtClean="0"/>
+              <a:t>where nothing is missing, PCA for dimensionality reduction, and segmentation ensemble which fits the model to each part of the missing data. </a:t>
             </a:r>
             <a:endParaRPr lang="en-US" sz="2400" dirty="0"/>
           </a:p>

--- a/Ting_Ramaswamy_cs229Poster.pptx
+++ b/Ting_Ramaswamy_cs229Poster.pptx
@@ -288,7 +288,7 @@
           <a:p>
             <a:fld id="{9E3F4D72-DA31-1945-A80B-752F747DFB35}" type="datetimeFigureOut">
               <a:rPr lang="en-US" smtClean="0"/>
-              <a:t>12/1/14</a:t>
+              <a:t>12/2/14</a:t>
             </a:fld>
             <a:endParaRPr lang="en-US"/>
           </a:p>
@@ -458,7 +458,7 @@
           <a:p>
             <a:fld id="{9E3F4D72-DA31-1945-A80B-752F747DFB35}" type="datetimeFigureOut">
               <a:rPr lang="en-US" smtClean="0"/>
-              <a:t>12/1/14</a:t>
+              <a:t>12/2/14</a:t>
             </a:fld>
             <a:endParaRPr lang="en-US"/>
           </a:p>
@@ -638,7 +638,7 @@
           <a:p>
             <a:fld id="{9E3F4D72-DA31-1945-A80B-752F747DFB35}" type="datetimeFigureOut">
               <a:rPr lang="en-US" smtClean="0"/>
-              <a:t>12/1/14</a:t>
+              <a:t>12/2/14</a:t>
             </a:fld>
             <a:endParaRPr lang="en-US"/>
           </a:p>
@@ -808,7 +808,7 @@
           <a:p>
             <a:fld id="{9E3F4D72-DA31-1945-A80B-752F747DFB35}" type="datetimeFigureOut">
               <a:rPr lang="en-US" smtClean="0"/>
-              <a:t>12/1/14</a:t>
+              <a:t>12/2/14</a:t>
             </a:fld>
             <a:endParaRPr lang="en-US"/>
           </a:p>
@@ -1054,7 +1054,7 @@
           <a:p>
             <a:fld id="{9E3F4D72-DA31-1945-A80B-752F747DFB35}" type="datetimeFigureOut">
               <a:rPr lang="en-US" smtClean="0"/>
-              <a:t>12/1/14</a:t>
+              <a:t>12/2/14</a:t>
             </a:fld>
             <a:endParaRPr lang="en-US"/>
           </a:p>
@@ -1342,7 +1342,7 @@
           <a:p>
             <a:fld id="{9E3F4D72-DA31-1945-A80B-752F747DFB35}" type="datetimeFigureOut">
               <a:rPr lang="en-US" smtClean="0"/>
-              <a:t>12/1/14</a:t>
+              <a:t>12/2/14</a:t>
             </a:fld>
             <a:endParaRPr lang="en-US"/>
           </a:p>
@@ -1769,7 +1769,7 @@
           <a:p>
             <a:fld id="{9E3F4D72-DA31-1945-A80B-752F747DFB35}" type="datetimeFigureOut">
               <a:rPr lang="en-US" smtClean="0"/>
-              <a:t>12/1/14</a:t>
+              <a:t>12/2/14</a:t>
             </a:fld>
             <a:endParaRPr lang="en-US"/>
           </a:p>
@@ -1887,7 +1887,7 @@
           <a:p>
             <a:fld id="{9E3F4D72-DA31-1945-A80B-752F747DFB35}" type="datetimeFigureOut">
               <a:rPr lang="en-US" smtClean="0"/>
-              <a:t>12/1/14</a:t>
+              <a:t>12/2/14</a:t>
             </a:fld>
             <a:endParaRPr lang="en-US"/>
           </a:p>
@@ -1982,7 +1982,7 @@
           <a:p>
             <a:fld id="{9E3F4D72-DA31-1945-A80B-752F747DFB35}" type="datetimeFigureOut">
               <a:rPr lang="en-US" smtClean="0"/>
-              <a:t>12/1/14</a:t>
+              <a:t>12/2/14</a:t>
             </a:fld>
             <a:endParaRPr lang="en-US"/>
           </a:p>
@@ -2259,7 +2259,7 @@
           <a:p>
             <a:fld id="{9E3F4D72-DA31-1945-A80B-752F747DFB35}" type="datetimeFigureOut">
               <a:rPr lang="en-US" smtClean="0"/>
-              <a:t>12/1/14</a:t>
+              <a:t>12/2/14</a:t>
             </a:fld>
             <a:endParaRPr lang="en-US"/>
           </a:p>
@@ -2512,7 +2512,7 @@
           <a:p>
             <a:fld id="{9E3F4D72-DA31-1945-A80B-752F747DFB35}" type="datetimeFigureOut">
               <a:rPr lang="en-US" smtClean="0"/>
-              <a:t>12/1/14</a:t>
+              <a:t>12/2/14</a:t>
             </a:fld>
             <a:endParaRPr lang="en-US"/>
           </a:p>
@@ -2725,7 +2725,7 @@
           <a:p>
             <a:fld id="{9E3F4D72-DA31-1945-A80B-752F747DFB35}" type="datetimeFigureOut">
               <a:rPr lang="en-US" smtClean="0"/>
-              <a:t>12/1/14</a:t>
+              <a:t>12/2/14</a:t>
             </a:fld>
             <a:endParaRPr lang="en-US"/>
           </a:p>
@@ -3109,20 +3109,20 @@
           <p:nvPr>
             <p:extLst>
               <p:ext uri="{D42A27DB-BD31-4B8C-83A1-F6EECF244321}">
-                <p14:modId xmlns:p14="http://schemas.microsoft.com/office/powerpoint/2010/main" val="717277588"/>
+                <p14:modId xmlns:p14="http://schemas.microsoft.com/office/powerpoint/2010/main" val="103923257"/>
               </p:ext>
             </p:extLst>
           </p:nvPr>
         </p:nvGraphicFramePr>
         <p:xfrm>
-          <a:off x="3675440" y="12651525"/>
-          <a:ext cx="8333371" cy="829479"/>
+          <a:off x="3256576" y="12166129"/>
+          <a:ext cx="10475770" cy="1042727"/>
         </p:xfrm>
         <a:graphic>
           <a:graphicData uri="http://schemas.openxmlformats.org/presentationml/2006/ole">
             <mc:AlternateContent xmlns:mc="http://schemas.openxmlformats.org/markup-compatibility/2006">
               <mc:Choice xmlns:v="urn:schemas-microsoft-com:vml" Requires="v">
-                <p:oleObj spid="_x0000_s1061" name="Document" r:id="rId3" imgW="5486400" imgH="546100" progId="Word.Document.12">
+                <p:oleObj spid="_x0000_s1082" name="Document" r:id="rId3" imgW="5486400" imgH="546100" progId="Word.Document.12">
                   <p:embed/>
                 </p:oleObj>
               </mc:Choice>
@@ -3143,8 +3143,8 @@
                     </p:blipFill>
                     <p:spPr>
                       <a:xfrm>
-                        <a:off x="3675440" y="12651525"/>
-                        <a:ext cx="8333371" cy="829479"/>
+                        <a:off x="3256576" y="12166129"/>
+                        <a:ext cx="10475770" cy="1042727"/>
                       </a:xfrm>
                       <a:prstGeom prst="rect">
                         <a:avLst/>
@@ -3157,234 +3157,249 @@
           </a:graphicData>
         </a:graphic>
       </p:graphicFrame>
-      <p:graphicFrame>
-        <p:nvGraphicFramePr>
-          <p:cNvPr id="15" name="Object 14"/>
-          <p:cNvGraphicFramePr>
-            <a:graphicFrameLocks noChangeAspect="1"/>
-          </p:cNvGraphicFramePr>
-          <p:nvPr>
-            <p:extLst>
-              <p:ext uri="{D42A27DB-BD31-4B8C-83A1-F6EECF244321}">
-                <p14:modId xmlns:p14="http://schemas.microsoft.com/office/powerpoint/2010/main" val="848987806"/>
-              </p:ext>
-            </p:extLst>
-          </p:nvPr>
-        </p:nvGraphicFramePr>
-        <p:xfrm>
-          <a:off x="11396503" y="12777972"/>
-          <a:ext cx="8106666" cy="788148"/>
-        </p:xfrm>
-        <a:graphic>
-          <a:graphicData uri="http://schemas.openxmlformats.org/presentationml/2006/ole">
-            <mc:AlternateContent xmlns:mc="http://schemas.openxmlformats.org/markup-compatibility/2006">
-              <mc:Choice xmlns:v="urn:schemas-microsoft-com:vml" Requires="v">
-                <p:oleObj spid="_x0000_s1062" name="Document" r:id="rId5" imgW="5486400" imgH="533400" progId="Word.Document.12">
-                  <p:embed/>
-                </p:oleObj>
-              </mc:Choice>
-              <mc:Fallback>
-                <p:oleObj name="Document" r:id="rId5" imgW="5486400" imgH="533400" progId="Word.Document.12">
-                  <p:embed/>
-                  <p:pic>
-                    <p:nvPicPr>
-                      <p:cNvPr id="0" name=""/>
-                      <p:cNvPicPr/>
-                      <p:nvPr/>
-                    </p:nvPicPr>
-                    <p:blipFill>
-                      <a:blip r:embed="rId6"/>
-                      <a:stretch>
-                        <a:fillRect/>
-                      </a:stretch>
-                    </p:blipFill>
-                    <p:spPr>
-                      <a:xfrm>
-                        <a:off x="11396503" y="12777972"/>
-                        <a:ext cx="8106666" cy="788148"/>
-                      </a:xfrm>
-                      <a:prstGeom prst="rect">
-                        <a:avLst/>
-                      </a:prstGeom>
-                    </p:spPr>
-                  </p:pic>
-                </p:oleObj>
-              </mc:Fallback>
-            </mc:AlternateContent>
-          </a:graphicData>
-        </a:graphic>
-      </p:graphicFrame>
-      <p:graphicFrame>
-        <p:nvGraphicFramePr>
-          <p:cNvPr id="14" name="Object 13"/>
-          <p:cNvGraphicFramePr>
-            <a:graphicFrameLocks noChangeAspect="1"/>
-          </p:cNvGraphicFramePr>
-          <p:nvPr>
-            <p:extLst>
-              <p:ext uri="{D42A27DB-BD31-4B8C-83A1-F6EECF244321}">
-                <p14:modId xmlns:p14="http://schemas.microsoft.com/office/powerpoint/2010/main" val="144361417"/>
-              </p:ext>
-            </p:extLst>
-          </p:nvPr>
-        </p:nvGraphicFramePr>
-        <p:xfrm>
-          <a:off x="12076846" y="11435102"/>
-          <a:ext cx="11689806" cy="541195"/>
-        </p:xfrm>
-        <a:graphic>
-          <a:graphicData uri="http://schemas.openxmlformats.org/presentationml/2006/ole">
-            <mc:AlternateContent xmlns:mc="http://schemas.openxmlformats.org/markup-compatibility/2006">
-              <mc:Choice xmlns:v="urn:schemas-microsoft-com:vml" Requires="v">
-                <p:oleObj spid="_x0000_s1063" name="Document" r:id="rId7" imgW="5486400" imgH="254000" progId="Word.Document.12">
-                  <p:embed/>
-                </p:oleObj>
-              </mc:Choice>
-              <mc:Fallback>
-                <p:oleObj name="Document" r:id="rId7" imgW="5486400" imgH="254000" progId="Word.Document.12">
-                  <p:embed/>
-                  <p:pic>
-                    <p:nvPicPr>
-                      <p:cNvPr id="0" name=""/>
-                      <p:cNvPicPr/>
-                      <p:nvPr/>
-                    </p:nvPicPr>
-                    <p:blipFill>
-                      <a:blip r:embed="rId8"/>
-                      <a:stretch>
-                        <a:fillRect/>
-                      </a:stretch>
-                    </p:blipFill>
-                    <p:spPr>
-                      <a:xfrm>
-                        <a:off x="12076846" y="11435102"/>
-                        <a:ext cx="11689806" cy="541195"/>
-                      </a:xfrm>
-                      <a:prstGeom prst="rect">
-                        <a:avLst/>
-                      </a:prstGeom>
-                    </p:spPr>
-                  </p:pic>
-                </p:oleObj>
-              </mc:Fallback>
-            </mc:AlternateContent>
-          </a:graphicData>
-        </a:graphic>
-      </p:graphicFrame>
-      <p:graphicFrame>
-        <p:nvGraphicFramePr>
-          <p:cNvPr id="13" name="Object 12"/>
-          <p:cNvGraphicFramePr>
-            <a:graphicFrameLocks noChangeAspect="1"/>
-          </p:cNvGraphicFramePr>
-          <p:nvPr>
-            <p:extLst>
-              <p:ext uri="{D42A27DB-BD31-4B8C-83A1-F6EECF244321}">
-                <p14:modId xmlns:p14="http://schemas.microsoft.com/office/powerpoint/2010/main" val="3790937689"/>
-              </p:ext>
-            </p:extLst>
-          </p:nvPr>
-        </p:nvGraphicFramePr>
-        <p:xfrm>
-          <a:off x="12095787" y="9865187"/>
-          <a:ext cx="11220298" cy="857106"/>
-        </p:xfrm>
-        <a:graphic>
-          <a:graphicData uri="http://schemas.openxmlformats.org/presentationml/2006/ole">
-            <mc:AlternateContent xmlns:mc="http://schemas.openxmlformats.org/markup-compatibility/2006">
-              <mc:Choice xmlns:v="urn:schemas-microsoft-com:vml" Requires="v">
-                <p:oleObj spid="_x0000_s1064" name="Document" r:id="rId9" imgW="5486400" imgH="419100" progId="Word.Document.12">
-                  <p:embed/>
-                </p:oleObj>
-              </mc:Choice>
-              <mc:Fallback>
-                <p:oleObj name="Document" r:id="rId9" imgW="5486400" imgH="419100" progId="Word.Document.12">
-                  <p:embed/>
-                  <p:pic>
-                    <p:nvPicPr>
-                      <p:cNvPr id="0" name=""/>
-                      <p:cNvPicPr/>
-                      <p:nvPr/>
-                    </p:nvPicPr>
-                    <p:blipFill>
-                      <a:blip r:embed="rId10"/>
-                      <a:stretch>
-                        <a:fillRect/>
-                      </a:stretch>
-                    </p:blipFill>
-                    <p:spPr>
-                      <a:xfrm>
-                        <a:off x="12095787" y="9865187"/>
-                        <a:ext cx="11220298" cy="857106"/>
-                      </a:xfrm>
-                      <a:prstGeom prst="rect">
-                        <a:avLst/>
-                      </a:prstGeom>
-                    </p:spPr>
-                  </p:pic>
-                </p:oleObj>
-              </mc:Fallback>
-            </mc:AlternateContent>
-          </a:graphicData>
-        </a:graphic>
-      </p:graphicFrame>
-      <p:graphicFrame>
-        <p:nvGraphicFramePr>
-          <p:cNvPr id="12" name="Object 11"/>
-          <p:cNvGraphicFramePr>
-            <a:graphicFrameLocks noChangeAspect="1"/>
-          </p:cNvGraphicFramePr>
-          <p:nvPr>
-            <p:extLst>
-              <p:ext uri="{D42A27DB-BD31-4B8C-83A1-F6EECF244321}">
-                <p14:modId xmlns:p14="http://schemas.microsoft.com/office/powerpoint/2010/main" val="1673209223"/>
-              </p:ext>
-            </p:extLst>
-          </p:nvPr>
-        </p:nvGraphicFramePr>
-        <p:xfrm>
-          <a:off x="12685925" y="8206883"/>
-          <a:ext cx="11220298" cy="493485"/>
-        </p:xfrm>
-        <a:graphic>
-          <a:graphicData uri="http://schemas.openxmlformats.org/presentationml/2006/ole">
-            <mc:AlternateContent xmlns:mc="http://schemas.openxmlformats.org/markup-compatibility/2006">
-              <mc:Choice xmlns:v="urn:schemas-microsoft-com:vml" Requires="v">
-                <p:oleObj spid="_x0000_s1065" name="Document" r:id="rId11" imgW="5486400" imgH="241300" progId="Word.Document.12">
-                  <p:embed/>
-                </p:oleObj>
-              </mc:Choice>
-              <mc:Fallback>
-                <p:oleObj name="Document" r:id="rId11" imgW="5486400" imgH="241300" progId="Word.Document.12">
-                  <p:embed/>
-                  <p:pic>
-                    <p:nvPicPr>
-                      <p:cNvPr id="0" name=""/>
-                      <p:cNvPicPr/>
-                      <p:nvPr/>
-                    </p:nvPicPr>
-                    <p:blipFill>
-                      <a:blip r:embed="rId12"/>
-                      <a:stretch>
-                        <a:fillRect/>
-                      </a:stretch>
-                    </p:blipFill>
-                    <p:spPr>
-                      <a:xfrm>
-                        <a:off x="12685925" y="8206883"/>
-                        <a:ext cx="11220298" cy="493485"/>
-                      </a:xfrm>
-                      <a:prstGeom prst="rect">
-                        <a:avLst/>
-                      </a:prstGeom>
-                    </p:spPr>
-                  </p:pic>
-                </p:oleObj>
-              </mc:Fallback>
-            </mc:AlternateContent>
-          </a:graphicData>
-        </a:graphic>
-      </p:graphicFrame>
+      <p:grpSp>
+        <p:nvGrpSpPr>
+          <p:cNvPr id="18" name="Group 17"/>
+          <p:cNvGrpSpPr/>
+          <p:nvPr/>
+        </p:nvGrpSpPr>
+        <p:grpSpPr>
+          <a:xfrm>
+            <a:off x="11196614" y="7330786"/>
+            <a:ext cx="12509720" cy="5359237"/>
+            <a:chOff x="11396503" y="8206883"/>
+            <a:chExt cx="12509720" cy="5359237"/>
+          </a:xfrm>
+        </p:grpSpPr>
+        <p:graphicFrame>
+          <p:nvGraphicFramePr>
+            <p:cNvPr id="15" name="Object 14"/>
+            <p:cNvGraphicFramePr>
+              <a:graphicFrameLocks noChangeAspect="1"/>
+            </p:cNvGraphicFramePr>
+            <p:nvPr>
+              <p:extLst>
+                <p:ext uri="{D42A27DB-BD31-4B8C-83A1-F6EECF244321}">
+                  <p14:modId xmlns:p14="http://schemas.microsoft.com/office/powerpoint/2010/main" val="3864235957"/>
+                </p:ext>
+              </p:extLst>
+            </p:nvPr>
+          </p:nvGraphicFramePr>
+          <p:xfrm>
+            <a:off x="11396503" y="12777972"/>
+            <a:ext cx="8106666" cy="788148"/>
+          </p:xfrm>
+          <a:graphic>
+            <a:graphicData uri="http://schemas.openxmlformats.org/presentationml/2006/ole">
+              <mc:AlternateContent xmlns:mc="http://schemas.openxmlformats.org/markup-compatibility/2006">
+                <mc:Choice xmlns:v="urn:schemas-microsoft-com:vml" Requires="v">
+                  <p:oleObj spid="_x0000_s1083" name="Document" r:id="rId5" imgW="5486400" imgH="533400" progId="Word.Document.12">
+                    <p:embed/>
+                  </p:oleObj>
+                </mc:Choice>
+                <mc:Fallback>
+                  <p:oleObj name="Document" r:id="rId5" imgW="5486400" imgH="533400" progId="Word.Document.12">
+                    <p:embed/>
+                    <p:pic>
+                      <p:nvPicPr>
+                        <p:cNvPr id="0" name=""/>
+                        <p:cNvPicPr/>
+                        <p:nvPr/>
+                      </p:nvPicPr>
+                      <p:blipFill>
+                        <a:blip r:embed="rId6"/>
+                        <a:stretch>
+                          <a:fillRect/>
+                        </a:stretch>
+                      </p:blipFill>
+                      <p:spPr>
+                        <a:xfrm>
+                          <a:off x="11396503" y="12777972"/>
+                          <a:ext cx="8106666" cy="788148"/>
+                        </a:xfrm>
+                        <a:prstGeom prst="rect">
+                          <a:avLst/>
+                        </a:prstGeom>
+                      </p:spPr>
+                    </p:pic>
+                  </p:oleObj>
+                </mc:Fallback>
+              </mc:AlternateContent>
+            </a:graphicData>
+          </a:graphic>
+        </p:graphicFrame>
+        <p:graphicFrame>
+          <p:nvGraphicFramePr>
+            <p:cNvPr id="14" name="Object 13"/>
+            <p:cNvGraphicFramePr>
+              <a:graphicFrameLocks noChangeAspect="1"/>
+            </p:cNvGraphicFramePr>
+            <p:nvPr>
+              <p:extLst>
+                <p:ext uri="{D42A27DB-BD31-4B8C-83A1-F6EECF244321}">
+                  <p14:modId xmlns:p14="http://schemas.microsoft.com/office/powerpoint/2010/main" val="1742625906"/>
+                </p:ext>
+              </p:extLst>
+            </p:nvPr>
+          </p:nvGraphicFramePr>
+          <p:xfrm>
+            <a:off x="12076846" y="11435102"/>
+            <a:ext cx="11689806" cy="541195"/>
+          </p:xfrm>
+          <a:graphic>
+            <a:graphicData uri="http://schemas.openxmlformats.org/presentationml/2006/ole">
+              <mc:AlternateContent xmlns:mc="http://schemas.openxmlformats.org/markup-compatibility/2006">
+                <mc:Choice xmlns:v="urn:schemas-microsoft-com:vml" Requires="v">
+                  <p:oleObj spid="_x0000_s1084" name="Document" r:id="rId7" imgW="5486400" imgH="254000" progId="Word.Document.12">
+                    <p:embed/>
+                  </p:oleObj>
+                </mc:Choice>
+                <mc:Fallback>
+                  <p:oleObj name="Document" r:id="rId7" imgW="5486400" imgH="254000" progId="Word.Document.12">
+                    <p:embed/>
+                    <p:pic>
+                      <p:nvPicPr>
+                        <p:cNvPr id="0" name=""/>
+                        <p:cNvPicPr/>
+                        <p:nvPr/>
+                      </p:nvPicPr>
+                      <p:blipFill>
+                        <a:blip r:embed="rId8"/>
+                        <a:stretch>
+                          <a:fillRect/>
+                        </a:stretch>
+                      </p:blipFill>
+                      <p:spPr>
+                        <a:xfrm>
+                          <a:off x="12076846" y="11435102"/>
+                          <a:ext cx="11689806" cy="541195"/>
+                        </a:xfrm>
+                        <a:prstGeom prst="rect">
+                          <a:avLst/>
+                        </a:prstGeom>
+                      </p:spPr>
+                    </p:pic>
+                  </p:oleObj>
+                </mc:Fallback>
+              </mc:AlternateContent>
+            </a:graphicData>
+          </a:graphic>
+        </p:graphicFrame>
+        <p:graphicFrame>
+          <p:nvGraphicFramePr>
+            <p:cNvPr id="13" name="Object 12"/>
+            <p:cNvGraphicFramePr>
+              <a:graphicFrameLocks noChangeAspect="1"/>
+            </p:cNvGraphicFramePr>
+            <p:nvPr>
+              <p:extLst>
+                <p:ext uri="{D42A27DB-BD31-4B8C-83A1-F6EECF244321}">
+                  <p14:modId xmlns:p14="http://schemas.microsoft.com/office/powerpoint/2010/main" val="1883279557"/>
+                </p:ext>
+              </p:extLst>
+            </p:nvPr>
+          </p:nvGraphicFramePr>
+          <p:xfrm>
+            <a:off x="12095787" y="9865187"/>
+            <a:ext cx="11220298" cy="857106"/>
+          </p:xfrm>
+          <a:graphic>
+            <a:graphicData uri="http://schemas.openxmlformats.org/presentationml/2006/ole">
+              <mc:AlternateContent xmlns:mc="http://schemas.openxmlformats.org/markup-compatibility/2006">
+                <mc:Choice xmlns:v="urn:schemas-microsoft-com:vml" Requires="v">
+                  <p:oleObj spid="_x0000_s1085" name="Document" r:id="rId9" imgW="5486400" imgH="419100" progId="Word.Document.12">
+                    <p:embed/>
+                  </p:oleObj>
+                </mc:Choice>
+                <mc:Fallback>
+                  <p:oleObj name="Document" r:id="rId9" imgW="5486400" imgH="419100" progId="Word.Document.12">
+                    <p:embed/>
+                    <p:pic>
+                      <p:nvPicPr>
+                        <p:cNvPr id="0" name=""/>
+                        <p:cNvPicPr/>
+                        <p:nvPr/>
+                      </p:nvPicPr>
+                      <p:blipFill>
+                        <a:blip r:embed="rId10"/>
+                        <a:stretch>
+                          <a:fillRect/>
+                        </a:stretch>
+                      </p:blipFill>
+                      <p:spPr>
+                        <a:xfrm>
+                          <a:off x="12095787" y="9865187"/>
+                          <a:ext cx="11220298" cy="857106"/>
+                        </a:xfrm>
+                        <a:prstGeom prst="rect">
+                          <a:avLst/>
+                        </a:prstGeom>
+                      </p:spPr>
+                    </p:pic>
+                  </p:oleObj>
+                </mc:Fallback>
+              </mc:AlternateContent>
+            </a:graphicData>
+          </a:graphic>
+        </p:graphicFrame>
+        <p:graphicFrame>
+          <p:nvGraphicFramePr>
+            <p:cNvPr id="12" name="Object 11"/>
+            <p:cNvGraphicFramePr>
+              <a:graphicFrameLocks noChangeAspect="1"/>
+            </p:cNvGraphicFramePr>
+            <p:nvPr>
+              <p:extLst>
+                <p:ext uri="{D42A27DB-BD31-4B8C-83A1-F6EECF244321}">
+                  <p14:modId xmlns:p14="http://schemas.microsoft.com/office/powerpoint/2010/main" val="2592737608"/>
+                </p:ext>
+              </p:extLst>
+            </p:nvPr>
+          </p:nvGraphicFramePr>
+          <p:xfrm>
+            <a:off x="12685925" y="8206883"/>
+            <a:ext cx="11220298" cy="493485"/>
+          </p:xfrm>
+          <a:graphic>
+            <a:graphicData uri="http://schemas.openxmlformats.org/presentationml/2006/ole">
+              <mc:AlternateContent xmlns:mc="http://schemas.openxmlformats.org/markup-compatibility/2006">
+                <mc:Choice xmlns:v="urn:schemas-microsoft-com:vml" Requires="v">
+                  <p:oleObj spid="_x0000_s1086" name="Document" r:id="rId11" imgW="5486400" imgH="241300" progId="Word.Document.12">
+                    <p:embed/>
+                  </p:oleObj>
+                </mc:Choice>
+                <mc:Fallback>
+                  <p:oleObj name="Document" r:id="rId11" imgW="5486400" imgH="241300" progId="Word.Document.12">
+                    <p:embed/>
+                    <p:pic>
+                      <p:nvPicPr>
+                        <p:cNvPr id="0" name=""/>
+                        <p:cNvPicPr/>
+                        <p:nvPr/>
+                      </p:nvPicPr>
+                      <p:blipFill>
+                        <a:blip r:embed="rId12"/>
+                        <a:stretch>
+                          <a:fillRect/>
+                        </a:stretch>
+                      </p:blipFill>
+                      <p:spPr>
+                        <a:xfrm>
+                          <a:off x="12685925" y="8206883"/>
+                          <a:ext cx="11220298" cy="493485"/>
+                        </a:xfrm>
+                        <a:prstGeom prst="rect">
+                          <a:avLst/>
+                        </a:prstGeom>
+                      </p:spPr>
+                    </p:pic>
+                  </p:oleObj>
+                </mc:Fallback>
+              </mc:AlternateContent>
+            </a:graphicData>
+          </a:graphic>
+        </p:graphicFrame>
+      </p:grpSp>
       <p:sp>
         <p:nvSpPr>
           <p:cNvPr id="6" name="Rectangle 5"/>
@@ -3718,7 +3733,7 @@
         </p:blipFill>
         <p:spPr>
           <a:xfrm>
-            <a:off x="21057994" y="1542898"/>
+            <a:off x="21057994" y="1293429"/>
             <a:ext cx="4447021" cy="1387471"/>
           </a:xfrm>
           <a:prstGeom prst="rect">
@@ -3748,8 +3763,8 @@
         </p:blipFill>
         <p:spPr>
           <a:xfrm>
-            <a:off x="3675440" y="1151922"/>
-            <a:ext cx="1446203" cy="2161963"/>
+            <a:off x="3675440" y="874276"/>
+            <a:ext cx="1507443" cy="2253513"/>
           </a:xfrm>
           <a:prstGeom prst="rect">
             <a:avLst/>
@@ -3764,7 +3779,7 @@
         </p:nvSpPr>
         <p:spPr>
           <a:xfrm>
-            <a:off x="9575885" y="3570062"/>
+            <a:off x="9575885" y="3388630"/>
             <a:ext cx="8229600" cy="723269"/>
           </a:xfrm>
           <a:prstGeom prst="rect">
@@ -3805,7 +3820,7 @@
         </p:nvSpPr>
         <p:spPr>
           <a:xfrm>
-            <a:off x="18240185" y="3570062"/>
+            <a:off x="18240185" y="3388630"/>
             <a:ext cx="8229600" cy="723269"/>
           </a:xfrm>
           <a:prstGeom prst="rect">
@@ -3846,7 +3861,7 @@
         </p:nvSpPr>
         <p:spPr>
           <a:xfrm>
-            <a:off x="930560" y="3570062"/>
+            <a:off x="930560" y="3388630"/>
             <a:ext cx="8229600" cy="723269"/>
           </a:xfrm>
           <a:prstGeom prst="rect">
@@ -3887,7 +3902,7 @@
         </p:nvSpPr>
         <p:spPr>
           <a:xfrm>
-            <a:off x="930560" y="4376005"/>
+            <a:off x="930560" y="4058499"/>
             <a:ext cx="8198084" cy="630936"/>
           </a:xfrm>
           <a:prstGeom prst="rect">
@@ -4051,7 +4066,7 @@
         </p:nvSpPr>
         <p:spPr>
           <a:xfrm>
-            <a:off x="1082960" y="7913406"/>
+            <a:off x="1082960" y="7527863"/>
             <a:ext cx="8198084" cy="630936"/>
           </a:xfrm>
           <a:prstGeom prst="rect">
@@ -4082,7 +4097,7 @@
         </p:nvSpPr>
         <p:spPr>
           <a:xfrm>
-            <a:off x="930559" y="10777034"/>
+            <a:off x="930559" y="10323454"/>
             <a:ext cx="8198084" cy="630936"/>
           </a:xfrm>
           <a:prstGeom prst="rect">
@@ -4127,8 +4142,8 @@
         </p:blipFill>
         <p:spPr>
           <a:xfrm>
-            <a:off x="5488100" y="14251734"/>
-            <a:ext cx="3824459" cy="3192686"/>
+            <a:off x="5182884" y="13996937"/>
+            <a:ext cx="4129676" cy="3447483"/>
           </a:xfrm>
           <a:prstGeom prst="rect">
             <a:avLst/>
@@ -4143,7 +4158,7 @@
         </p:nvSpPr>
         <p:spPr>
           <a:xfrm>
-            <a:off x="1026715" y="13435646"/>
+            <a:off x="995199" y="13194594"/>
             <a:ext cx="8198084" cy="630936"/>
           </a:xfrm>
           <a:prstGeom prst="rect">
@@ -4174,7 +4189,7 @@
         </p:nvSpPr>
         <p:spPr>
           <a:xfrm>
-            <a:off x="9607401" y="6773265"/>
+            <a:off x="9575885" y="5984714"/>
             <a:ext cx="8198084" cy="630936"/>
           </a:xfrm>
           <a:prstGeom prst="rect">
@@ -4205,7 +4220,7 @@
         </p:nvSpPr>
         <p:spPr>
           <a:xfrm>
-            <a:off x="18271701" y="4376005"/>
+            <a:off x="18271701" y="4058499"/>
             <a:ext cx="8198084" cy="630936"/>
           </a:xfrm>
           <a:prstGeom prst="rect">
@@ -4236,7 +4251,7 @@
         </p:nvSpPr>
         <p:spPr>
           <a:xfrm>
-            <a:off x="9575885" y="4376005"/>
+            <a:off x="9575885" y="4058499"/>
             <a:ext cx="8198084" cy="630936"/>
           </a:xfrm>
           <a:prstGeom prst="rect">
@@ -4267,7 +4282,7 @@
         </p:nvSpPr>
         <p:spPr>
           <a:xfrm>
-            <a:off x="18240185" y="11062968"/>
+            <a:off x="18240185" y="11107532"/>
             <a:ext cx="8198084" cy="630936"/>
           </a:xfrm>
           <a:prstGeom prst="rect">
@@ -4289,9 +4304,791 @@
           </a:p>
         </p:txBody>
       </p:sp>
+      <p:sp>
+        <p:nvSpPr>
+          <p:cNvPr id="37" name="TextBox 36"/>
+          <p:cNvSpPr txBox="1"/>
+          <p:nvPr/>
+        </p:nvSpPr>
+        <p:spPr>
+          <a:xfrm>
+            <a:off x="9575885" y="6504402"/>
+            <a:ext cx="8229600" cy="11541619"/>
+          </a:xfrm>
+          <a:prstGeom prst="rect">
+            <a:avLst/>
+          </a:prstGeom>
+          <a:noFill/>
+        </p:spPr>
+        <p:txBody>
+          <a:bodyPr wrap="square" rtlCol="0">
+            <a:spAutoFit/>
+          </a:bodyPr>
+          <a:lstStyle/>
+          <a:p>
+            <a:pPr marL="457200" indent="-457200">
+              <a:buFont typeface="Arial"/>
+              <a:buChar char="•"/>
+            </a:pPr>
+            <a:r>
+              <a:rPr lang="en-US" sz="2400" dirty="0" smtClean="0"/>
+              <a:t>Linear Regression</a:t>
+            </a:r>
+            <a:r>
+              <a:rPr lang="en-US" sz="2400" dirty="0" smtClean="0"/>
+              <a:t>- </a:t>
+            </a:r>
+            <a:r>
+              <a:rPr lang="en-US" sz="2400" dirty="0" smtClean="0"/>
+              <a:t>fits </a:t>
+            </a:r>
+            <a:r>
+              <a:rPr lang="en-US" sz="2400" dirty="0"/>
+              <a:t>a linear model </a:t>
+            </a:r>
+            <a:r>
+              <a:rPr lang="en-US" sz="2400" dirty="0" smtClean="0"/>
+              <a:t>by solving </a:t>
+            </a:r>
+            <a:r>
+              <a:rPr lang="en-US" sz="2400" dirty="0"/>
+              <a:t>the following optimization problem to find the estimated parameters.</a:t>
+            </a:r>
+          </a:p>
+          <a:p>
+            <a:endParaRPr lang="en-US" sz="3600" dirty="0" smtClean="0"/>
+          </a:p>
+          <a:p>
+            <a:pPr marL="457200" indent="-457200">
+              <a:buFont typeface="Arial"/>
+              <a:buChar char="•"/>
+            </a:pPr>
+            <a:r>
+              <a:rPr lang="en-US" sz="2400" dirty="0" smtClean="0"/>
+              <a:t>Ridge </a:t>
+            </a:r>
+            <a:r>
+              <a:rPr lang="en-US" sz="2400" dirty="0"/>
+              <a:t>Regression</a:t>
+            </a:r>
+            <a:r>
+              <a:rPr lang="en-US" sz="2400" dirty="0" smtClean="0"/>
+              <a:t>- </a:t>
+            </a:r>
+            <a:r>
+              <a:rPr lang="en-US" sz="2400" dirty="0"/>
+              <a:t>a linear model </a:t>
+            </a:r>
+            <a:r>
+              <a:rPr lang="en-US" sz="2400" dirty="0" smtClean="0"/>
+              <a:t>with regularization with the l2 norm and a tuning parameter that was chosen with leave one out cross validation which solves the following problem.</a:t>
+            </a:r>
+          </a:p>
+          <a:p>
+            <a:endParaRPr lang="en-US" sz="3600" dirty="0" smtClean="0"/>
+          </a:p>
+          <a:p>
+            <a:pPr marL="457200" indent="-457200">
+              <a:buFont typeface="Arial"/>
+              <a:buChar char="•"/>
+            </a:pPr>
+            <a:r>
+              <a:rPr lang="en-US" sz="2400" dirty="0" smtClean="0"/>
+              <a:t>The Lasso- </a:t>
+            </a:r>
+            <a:r>
+              <a:rPr lang="en-US" sz="2400" dirty="0"/>
+              <a:t>a linear model with regularization with the </a:t>
+            </a:r>
+            <a:r>
+              <a:rPr lang="en-US" sz="2400" dirty="0" smtClean="0"/>
+              <a:t>l1 </a:t>
+            </a:r>
+            <a:r>
+              <a:rPr lang="en-US" sz="2400" dirty="0"/>
+              <a:t>norm and a tuning parameter that was chosen with leave one out cross validation which solves the following problem.</a:t>
+            </a:r>
+          </a:p>
+          <a:p>
+            <a:endParaRPr lang="en-US" sz="3600" dirty="0" smtClean="0"/>
+          </a:p>
+          <a:p>
+            <a:pPr marL="457200" indent="-457200">
+              <a:buFont typeface="Arial"/>
+              <a:buChar char="•"/>
+            </a:pPr>
+            <a:r>
+              <a:rPr lang="en-US" sz="2400" dirty="0" smtClean="0"/>
+              <a:t>Elastic Net- </a:t>
+            </a:r>
+            <a:r>
+              <a:rPr lang="en-US" sz="2400" dirty="0"/>
+              <a:t>regression model trained with L1 and L2 prior as </a:t>
+            </a:r>
+            <a:r>
+              <a:rPr lang="en-US" sz="2400" dirty="0" err="1" smtClean="0"/>
+              <a:t>regularizer</a:t>
+            </a:r>
+            <a:r>
+              <a:rPr lang="en-US" sz="2400" dirty="0" smtClean="0"/>
+              <a:t>, which minimizes the following problem.</a:t>
+            </a:r>
+            <a:endParaRPr lang="en-US" sz="2400" dirty="0"/>
+          </a:p>
+          <a:p>
+            <a:endParaRPr lang="en-US" sz="3600" dirty="0" smtClean="0"/>
+          </a:p>
+          <a:p>
+            <a:pPr marL="342900" indent="-342900">
+              <a:buFont typeface="Arial"/>
+              <a:buChar char="•"/>
+            </a:pPr>
+            <a:r>
+              <a:rPr lang="en-US" sz="2400" dirty="0" smtClean="0"/>
+              <a:t>Random Forest</a:t>
+            </a:r>
+            <a:r>
+              <a:rPr lang="en-US" sz="2400" dirty="0"/>
+              <a:t>- ensemble learning method that is based from </a:t>
+            </a:r>
+            <a:r>
+              <a:rPr lang="en-US" sz="2400" dirty="0" smtClean="0"/>
+              <a:t>decision </a:t>
+            </a:r>
+            <a:r>
+              <a:rPr lang="en-US" sz="2400" dirty="0"/>
+              <a:t>trees</a:t>
+            </a:r>
+            <a:r>
+              <a:rPr lang="en-US" sz="2400" dirty="0" smtClean="0"/>
+              <a:t>. Each </a:t>
+            </a:r>
+            <a:r>
+              <a:rPr lang="en-US" sz="2400" dirty="0"/>
+              <a:t>tree in the ensemble is built from </a:t>
+            </a:r>
+            <a:r>
+              <a:rPr lang="en-US" sz="2400" dirty="0" smtClean="0"/>
+              <a:t>a </a:t>
+            </a:r>
+            <a:r>
+              <a:rPr lang="en-US" sz="2400" dirty="0"/>
+              <a:t>bootstrap </a:t>
+            </a:r>
+            <a:r>
+              <a:rPr lang="en-US" sz="2400" dirty="0" smtClean="0"/>
+              <a:t>sample </a:t>
+            </a:r>
+            <a:r>
+              <a:rPr lang="en-US" sz="2400" dirty="0"/>
+              <a:t>from the training </a:t>
+            </a:r>
+            <a:r>
+              <a:rPr lang="en-US" sz="2400" dirty="0" smtClean="0"/>
+              <a:t>set. The split </a:t>
+            </a:r>
+            <a:r>
+              <a:rPr lang="en-US" sz="2400" dirty="0"/>
+              <a:t>that is picked is the best split among a random subset of </a:t>
+            </a:r>
+            <a:r>
+              <a:rPr lang="en-US" sz="2400" dirty="0" smtClean="0"/>
+              <a:t>features</a:t>
+            </a:r>
+            <a:r>
+              <a:rPr lang="en-US" sz="2400" dirty="0"/>
+              <a:t>. </a:t>
+            </a:r>
+            <a:endParaRPr lang="en-US" sz="2400" dirty="0" smtClean="0"/>
+          </a:p>
+          <a:p>
+            <a:pPr marL="342900" indent="-342900">
+              <a:buFont typeface="Arial"/>
+              <a:buChar char="•"/>
+            </a:pPr>
+            <a:r>
+              <a:rPr lang="en-US" sz="2400" dirty="0" smtClean="0"/>
+              <a:t>Factorization Machine- </a:t>
+            </a:r>
+            <a:r>
+              <a:rPr lang="en-US" sz="2400" dirty="0"/>
+              <a:t>generic approach that allows to </a:t>
+            </a:r>
+            <a:r>
+              <a:rPr lang="en-US" sz="2400" dirty="0" smtClean="0"/>
+              <a:t>mimic </a:t>
+            </a:r>
+            <a:r>
+              <a:rPr lang="en-US" sz="2400" dirty="0"/>
+              <a:t>factorization models by feature </a:t>
+            </a:r>
+            <a:r>
+              <a:rPr lang="en-US" sz="2400" dirty="0" smtClean="0"/>
+              <a:t>engineering, which </a:t>
+            </a:r>
+            <a:r>
+              <a:rPr lang="en-US" sz="2400" dirty="0"/>
+              <a:t>combine the generality of feature engineering with the superiority of factorization models in estimating interactions between categorical variables of large domain. </a:t>
+            </a:r>
+            <a:endParaRPr lang="en-US" sz="2400" dirty="0" smtClean="0"/>
+          </a:p>
+          <a:p>
+            <a:pPr marL="342900" indent="-342900">
+              <a:buFont typeface="Arial"/>
+              <a:buChar char="•"/>
+            </a:pPr>
+            <a:r>
+              <a:rPr lang="en-US" sz="2400" dirty="0" smtClean="0"/>
+              <a:t>Collaborative Filtering</a:t>
+            </a:r>
+            <a:r>
+              <a:rPr lang="en-US" sz="2400" dirty="0" smtClean="0"/>
+              <a:t>- </a:t>
+            </a:r>
+            <a:r>
+              <a:rPr lang="en-US" sz="2400" dirty="0"/>
+              <a:t>Collaborative filtering is a technique that identifies patterns of user preferences towards certain items and makes </a:t>
+            </a:r>
+            <a:r>
+              <a:rPr lang="en-US" sz="2400" dirty="0" smtClean="0"/>
+              <a:t>recommendations</a:t>
+            </a:r>
+            <a:r>
+              <a:rPr lang="en-US" sz="2400" dirty="0"/>
+              <a:t>. Collaborative filtering uses a sparse matrix holding the rating of users to businesses and calculates a similarity </a:t>
+            </a:r>
+            <a:r>
+              <a:rPr lang="en-US" sz="2400" dirty="0" smtClean="0"/>
+              <a:t>score.</a:t>
+            </a:r>
+          </a:p>
+          <a:p>
+            <a:pPr marL="457200" indent="-457200">
+              <a:buFont typeface="Arial"/>
+              <a:buChar char="•"/>
+            </a:pPr>
+            <a:endParaRPr lang="en-US" sz="2400" dirty="0"/>
+          </a:p>
+        </p:txBody>
+      </p:sp>
+      <p:sp>
+        <p:nvSpPr>
+          <p:cNvPr id="40" name="TextBox 39"/>
+          <p:cNvSpPr txBox="1"/>
+          <p:nvPr/>
+        </p:nvSpPr>
+        <p:spPr>
+          <a:xfrm>
+            <a:off x="18240185" y="11688613"/>
+            <a:ext cx="8229599" cy="2308324"/>
+          </a:xfrm>
+          <a:prstGeom prst="rect">
+            <a:avLst/>
+          </a:prstGeom>
+          <a:noFill/>
+        </p:spPr>
+        <p:txBody>
+          <a:bodyPr wrap="square" rtlCol="0">
+            <a:spAutoFit/>
+          </a:bodyPr>
+          <a:lstStyle/>
+          <a:p>
+            <a:r>
+              <a:rPr lang="en-US" sz="2400" dirty="0"/>
+              <a:t>The results show that </a:t>
+            </a:r>
+            <a:r>
+              <a:rPr lang="en-US" sz="2400" dirty="0"/>
+              <a:t>e</a:t>
+            </a:r>
+            <a:r>
+              <a:rPr lang="en-US" sz="2400" dirty="0" smtClean="0"/>
+              <a:t>lastic </a:t>
+            </a:r>
+            <a:r>
+              <a:rPr lang="en-US" sz="2400" dirty="0"/>
+              <a:t>n</a:t>
+            </a:r>
+            <a:r>
+              <a:rPr lang="en-US" sz="2400" dirty="0" smtClean="0"/>
+              <a:t>et using random values performed </a:t>
+            </a:r>
+            <a:r>
+              <a:rPr lang="en-US" sz="2400" dirty="0"/>
+              <a:t>the best. The results suggests that out of the simple imputation method, </a:t>
+            </a:r>
+            <a:r>
+              <a:rPr lang="en-US" sz="2400" dirty="0" smtClean="0"/>
+              <a:t>random values </a:t>
+            </a:r>
+            <a:r>
+              <a:rPr lang="en-US" sz="2400" dirty="0"/>
+              <a:t>performed the best in general. The </a:t>
+            </a:r>
+            <a:r>
+              <a:rPr lang="en-US" sz="2400" dirty="0" smtClean="0"/>
+              <a:t>models </a:t>
+            </a:r>
+            <a:r>
+              <a:rPr lang="en-US" sz="2400" dirty="0"/>
+              <a:t>that performed the best </a:t>
+            </a:r>
+            <a:r>
+              <a:rPr lang="en-US" sz="2400" dirty="0" smtClean="0"/>
+              <a:t>are lasso and elastic net. </a:t>
+            </a:r>
+            <a:endParaRPr lang="en-US" sz="2400" dirty="0" smtClean="0"/>
+          </a:p>
+          <a:p>
+            <a:endParaRPr lang="en-US" sz="2400" dirty="0"/>
+          </a:p>
+          <a:p>
+            <a:endParaRPr lang="en-US" sz="2400" dirty="0"/>
+          </a:p>
+        </p:txBody>
+      </p:sp>
+      <p:sp>
+        <p:nvSpPr>
+          <p:cNvPr id="41" name="TextBox 40"/>
+          <p:cNvSpPr txBox="1"/>
+          <p:nvPr/>
+        </p:nvSpPr>
+        <p:spPr>
+          <a:xfrm>
+            <a:off x="1083043" y="4689435"/>
+            <a:ext cx="8077200" cy="3046988"/>
+          </a:xfrm>
+          <a:prstGeom prst="rect">
+            <a:avLst/>
+          </a:prstGeom>
+          <a:noFill/>
+        </p:spPr>
+        <p:txBody>
+          <a:bodyPr wrap="square" rtlCol="0">
+            <a:spAutoFit/>
+          </a:bodyPr>
+          <a:lstStyle/>
+          <a:p>
+            <a:r>
+              <a:rPr lang="en-US" sz="2400" dirty="0"/>
+              <a:t>Yelp is a web/mobile application that publishes crowd-sourced reviews about local businesses and restaurants. </a:t>
+            </a:r>
+            <a:r>
+              <a:rPr lang="en-US" sz="2400" dirty="0" smtClean="0"/>
+              <a:t>The </a:t>
+            </a:r>
+            <a:r>
+              <a:rPr lang="en-US" sz="2400" dirty="0"/>
+              <a:t>rise of Yelp’s popularity created an influx of data on people’s personal preferences as modern customers to the businesses that they go to. Through this project we utilized Yelp’s data to make personalized business recommendations for Yelp users by making a model to predict the number of review stars </a:t>
+            </a:r>
+            <a:r>
+              <a:rPr lang="en-US" sz="2400" dirty="0" smtClean="0"/>
+              <a:t>that </a:t>
+            </a:r>
+            <a:r>
+              <a:rPr lang="en-US" sz="2400" dirty="0"/>
+              <a:t>a user would assign to a business.</a:t>
+            </a:r>
+          </a:p>
+        </p:txBody>
+      </p:sp>
+      <p:sp>
+        <p:nvSpPr>
+          <p:cNvPr id="42" name="TextBox 41"/>
+          <p:cNvSpPr txBox="1"/>
+          <p:nvPr/>
+        </p:nvSpPr>
+        <p:spPr>
+          <a:xfrm>
+            <a:off x="995199" y="8074661"/>
+            <a:ext cx="8229600" cy="2308324"/>
+          </a:xfrm>
+          <a:prstGeom prst="rect">
+            <a:avLst/>
+          </a:prstGeom>
+          <a:noFill/>
+        </p:spPr>
+        <p:txBody>
+          <a:bodyPr wrap="square" rtlCol="0">
+            <a:spAutoFit/>
+          </a:bodyPr>
+          <a:lstStyle/>
+          <a:p>
+            <a:r>
+              <a:rPr lang="en-US" sz="2400" dirty="0"/>
+              <a:t>The </a:t>
+            </a:r>
+            <a:r>
+              <a:rPr lang="en-US" sz="2400" dirty="0" smtClean="0"/>
+              <a:t>dataset </a:t>
+            </a:r>
+            <a:r>
+              <a:rPr lang="en-US" sz="2400" dirty="0"/>
+              <a:t>comes from the Yelp recommendation </a:t>
+            </a:r>
+            <a:r>
+              <a:rPr lang="en-US" sz="2400" dirty="0" err="1" smtClean="0"/>
+              <a:t>Kaggle</a:t>
+            </a:r>
+            <a:r>
+              <a:rPr lang="en-US" sz="2400" dirty="0" smtClean="0"/>
+              <a:t> competitio</a:t>
+            </a:r>
+            <a:r>
+              <a:rPr lang="en-US" sz="2400" dirty="0"/>
+              <a:t>n</a:t>
+            </a:r>
+            <a:r>
+              <a:rPr lang="en-US" sz="2400" dirty="0" smtClean="0"/>
+              <a:t>. </a:t>
+            </a:r>
+            <a:r>
+              <a:rPr lang="en-US" sz="2400" dirty="0"/>
+              <a:t>This information contains actual</a:t>
+            </a:r>
+          </a:p>
+          <a:p>
+            <a:r>
+              <a:rPr lang="en-US" sz="2400" dirty="0"/>
+              <a:t>business, user, and users’ review data from the greater Phoenix,</a:t>
+            </a:r>
+          </a:p>
+          <a:p>
+            <a:r>
+              <a:rPr lang="en-US" sz="2400" dirty="0"/>
+              <a:t>AZ metropolitan </a:t>
+            </a:r>
+            <a:r>
+              <a:rPr lang="en-US" sz="2400" dirty="0" smtClean="0"/>
+              <a:t>area. </a:t>
+            </a:r>
+            <a:r>
+              <a:rPr lang="en-US" sz="2400" dirty="0"/>
+              <a:t>By using and combining </a:t>
+            </a:r>
+            <a:r>
+              <a:rPr lang="en-US" sz="2400" dirty="0" smtClean="0"/>
+              <a:t>various data </a:t>
+            </a:r>
+            <a:r>
+              <a:rPr lang="en-US" sz="2400" dirty="0"/>
+              <a:t>fields, we can aggregate similar users to create </a:t>
+            </a:r>
+            <a:r>
+              <a:rPr lang="en-US" sz="2400" dirty="0" smtClean="0"/>
+              <a:t>models </a:t>
+            </a:r>
+            <a:r>
+              <a:rPr lang="en-US" sz="2400" dirty="0"/>
+              <a:t>to predict how users will rate businesses they have not been to.</a:t>
+            </a:r>
+          </a:p>
+        </p:txBody>
+      </p:sp>
+      <p:sp>
+        <p:nvSpPr>
+          <p:cNvPr id="45" name="TextBox 44"/>
+          <p:cNvSpPr txBox="1"/>
+          <p:nvPr/>
+        </p:nvSpPr>
+        <p:spPr>
+          <a:xfrm>
+            <a:off x="991085" y="10868127"/>
+            <a:ext cx="8229600" cy="1569660"/>
+          </a:xfrm>
+          <a:prstGeom prst="rect">
+            <a:avLst/>
+          </a:prstGeom>
+          <a:noFill/>
+        </p:spPr>
+        <p:txBody>
+          <a:bodyPr wrap="square" rtlCol="0">
+            <a:spAutoFit/>
+          </a:bodyPr>
+          <a:lstStyle/>
+          <a:p>
+            <a:r>
+              <a:rPr lang="en-US" sz="2400" dirty="0"/>
+              <a:t>We chose to evaluate our model through the root mean squared error (RMSE) to measure the </a:t>
+            </a:r>
+            <a:r>
+              <a:rPr lang="en-US" sz="2400" dirty="0" smtClean="0"/>
+              <a:t>accuracy, where n is the total number of reviews to predict, p is the predicted rating, and a is the actual rating.</a:t>
+            </a:r>
+            <a:endParaRPr lang="en-US" sz="3000" dirty="0"/>
+          </a:p>
+        </p:txBody>
+      </p:sp>
+      <p:sp>
+        <p:nvSpPr>
+          <p:cNvPr id="46" name="TextBox 45"/>
+          <p:cNvSpPr txBox="1"/>
+          <p:nvPr/>
+        </p:nvSpPr>
+        <p:spPr>
+          <a:xfrm>
+            <a:off x="930560" y="13757493"/>
+            <a:ext cx="4580220" cy="3785652"/>
+          </a:xfrm>
+          <a:prstGeom prst="rect">
+            <a:avLst/>
+          </a:prstGeom>
+          <a:noFill/>
+        </p:spPr>
+        <p:txBody>
+          <a:bodyPr wrap="square" rtlCol="0">
+            <a:spAutoFit/>
+          </a:bodyPr>
+          <a:lstStyle/>
+          <a:p>
+            <a:r>
+              <a:rPr lang="en-US" sz="2400" dirty="0" smtClean="0"/>
+              <a:t>A significant portion of the data is missing in the test set, so we used simple imputation and replaced the missing data with the following:</a:t>
+            </a:r>
+          </a:p>
+          <a:p>
+            <a:pPr marL="342900" indent="-342900">
+              <a:buFont typeface="Arial"/>
+              <a:buChar char="•"/>
+            </a:pPr>
+            <a:r>
+              <a:rPr lang="en-US" sz="2400" dirty="0" smtClean="0"/>
+              <a:t>The </a:t>
+            </a:r>
+            <a:r>
+              <a:rPr lang="en-US" sz="2400" dirty="0"/>
+              <a:t>mean of the training </a:t>
+            </a:r>
+            <a:r>
+              <a:rPr lang="en-US" sz="2400" dirty="0" smtClean="0"/>
+              <a:t>set.</a:t>
+            </a:r>
+            <a:endParaRPr lang="en-US" sz="2400" dirty="0"/>
+          </a:p>
+          <a:p>
+            <a:pPr marL="342900" indent="-342900">
+              <a:buFont typeface="Arial"/>
+              <a:buChar char="•"/>
+            </a:pPr>
+            <a:r>
+              <a:rPr lang="en-US" sz="2400" dirty="0" smtClean="0"/>
+              <a:t>A random </a:t>
+            </a:r>
+            <a:r>
+              <a:rPr lang="en-US" sz="2400" dirty="0"/>
+              <a:t>sample from the training </a:t>
+            </a:r>
+            <a:r>
+              <a:rPr lang="en-US" sz="2400" dirty="0" smtClean="0"/>
+              <a:t>set.</a:t>
+            </a:r>
+          </a:p>
+          <a:p>
+            <a:pPr marL="342900" indent="-342900">
+              <a:buFont typeface="Arial"/>
+              <a:buChar char="•"/>
+            </a:pPr>
+            <a:r>
+              <a:rPr lang="en-US" sz="2400" dirty="0" smtClean="0"/>
+              <a:t>Predicted regression values from using the other features. </a:t>
+            </a:r>
+            <a:endParaRPr lang="en-US" sz="2400" dirty="0"/>
+          </a:p>
+        </p:txBody>
+      </p:sp>
+      <p:sp>
+        <p:nvSpPr>
+          <p:cNvPr id="38" name="TextBox 37"/>
+          <p:cNvSpPr txBox="1"/>
+          <p:nvPr/>
+        </p:nvSpPr>
+        <p:spPr>
+          <a:xfrm>
+            <a:off x="18240185" y="4689435"/>
+            <a:ext cx="8229600" cy="1200328"/>
+          </a:xfrm>
+          <a:prstGeom prst="rect">
+            <a:avLst/>
+          </a:prstGeom>
+          <a:noFill/>
+        </p:spPr>
+        <p:txBody>
+          <a:bodyPr wrap="square" rtlCol="0">
+            <a:spAutoFit/>
+          </a:bodyPr>
+          <a:lstStyle/>
+          <a:p>
+            <a:r>
+              <a:rPr lang="en-US" sz="2400" dirty="0" smtClean="0"/>
+              <a:t>Using a training set of 229,907 and a test set size of 22,956, we get the following result for each approach on the missing data and each model.</a:t>
+            </a:r>
+            <a:endParaRPr lang="en-US" sz="2400" dirty="0"/>
+          </a:p>
+        </p:txBody>
+      </p:sp>
+      <p:sp>
+        <p:nvSpPr>
+          <p:cNvPr id="9" name="TextBox 8"/>
+          <p:cNvSpPr txBox="1"/>
+          <p:nvPr/>
+        </p:nvSpPr>
+        <p:spPr>
+          <a:xfrm>
+            <a:off x="9607402" y="4567358"/>
+            <a:ext cx="8166568" cy="1569660"/>
+          </a:xfrm>
+          <a:prstGeom prst="rect">
+            <a:avLst/>
+          </a:prstGeom>
+          <a:noFill/>
+        </p:spPr>
+        <p:txBody>
+          <a:bodyPr wrap="square" rtlCol="0">
+            <a:spAutoFit/>
+          </a:bodyPr>
+          <a:lstStyle/>
+          <a:p>
+            <a:r>
+              <a:rPr lang="en-US" sz="2400" dirty="0" smtClean="0"/>
+              <a:t>Gender, </a:t>
+            </a:r>
+            <a:r>
+              <a:rPr lang="en-US" sz="2400" dirty="0"/>
+              <a:t>b</a:t>
+            </a:r>
+            <a:r>
+              <a:rPr lang="en-US" sz="2400" dirty="0" smtClean="0"/>
+              <a:t>usiness </a:t>
+            </a:r>
+            <a:r>
+              <a:rPr lang="en-US" sz="2400" dirty="0" smtClean="0"/>
+              <a:t>open, </a:t>
+            </a:r>
+            <a:r>
+              <a:rPr lang="en-US" sz="2400" dirty="0" smtClean="0"/>
+              <a:t>business </a:t>
+            </a:r>
+            <a:r>
+              <a:rPr lang="en-US" sz="2400" dirty="0"/>
+              <a:t>stars</a:t>
+            </a:r>
+            <a:r>
+              <a:rPr lang="en-US" sz="2400" dirty="0" smtClean="0"/>
+              <a:t>, </a:t>
+            </a:r>
+            <a:r>
+              <a:rPr lang="en-US" sz="2400" dirty="0" smtClean="0"/>
+              <a:t>business </a:t>
+            </a:r>
+            <a:r>
+              <a:rPr lang="en-US" sz="2400" dirty="0"/>
+              <a:t>review </a:t>
+            </a:r>
+            <a:r>
+              <a:rPr lang="en-US" sz="2400" dirty="0" smtClean="0"/>
+              <a:t>count, </a:t>
+            </a:r>
+            <a:r>
+              <a:rPr lang="en-US" sz="2400" dirty="0" smtClean="0"/>
+              <a:t>user </a:t>
+            </a:r>
+            <a:r>
+              <a:rPr lang="en-US" sz="2400" dirty="0"/>
+              <a:t>review </a:t>
+            </a:r>
+            <a:r>
+              <a:rPr lang="en-US" sz="2400" dirty="0" smtClean="0"/>
+              <a:t>count, </a:t>
+            </a:r>
+            <a:r>
+              <a:rPr lang="en-US" sz="2400" dirty="0" smtClean="0"/>
+              <a:t>user </a:t>
+            </a:r>
+            <a:r>
+              <a:rPr lang="en-US" sz="2400" dirty="0" smtClean="0"/>
+              <a:t>average, </a:t>
+            </a:r>
+            <a:r>
+              <a:rPr lang="en-US" sz="2400" dirty="0" smtClean="0"/>
+              <a:t>number </a:t>
+            </a:r>
+            <a:r>
+              <a:rPr lang="en-US" sz="2400" dirty="0"/>
+              <a:t>of cool </a:t>
+            </a:r>
+            <a:r>
+              <a:rPr lang="en-US" sz="2400" dirty="0" smtClean="0"/>
+              <a:t>votes, </a:t>
+            </a:r>
+            <a:r>
+              <a:rPr lang="en-US" sz="2400" dirty="0" smtClean="0"/>
+              <a:t>number </a:t>
+            </a:r>
+            <a:r>
+              <a:rPr lang="en-US" sz="2400" dirty="0"/>
+              <a:t>of useful </a:t>
+            </a:r>
+            <a:r>
+              <a:rPr lang="en-US" sz="2400" dirty="0" smtClean="0"/>
+              <a:t>votes, </a:t>
+            </a:r>
+            <a:r>
+              <a:rPr lang="en-US" sz="2400" dirty="0" smtClean="0"/>
+              <a:t>number </a:t>
+            </a:r>
+            <a:r>
+              <a:rPr lang="en-US" sz="2400" dirty="0"/>
+              <a:t>of funny </a:t>
+            </a:r>
+            <a:r>
+              <a:rPr lang="en-US" sz="2400" dirty="0" smtClean="0"/>
+              <a:t>votes, category average, name average, and interaction terms.</a:t>
+            </a:r>
+            <a:endParaRPr lang="en-US" sz="2400" dirty="0"/>
+          </a:p>
+        </p:txBody>
+      </p:sp>
+      <p:sp>
+        <p:nvSpPr>
+          <p:cNvPr id="2" name="TextBox 1"/>
+          <p:cNvSpPr txBox="1"/>
+          <p:nvPr/>
+        </p:nvSpPr>
+        <p:spPr>
+          <a:xfrm>
+            <a:off x="18240185" y="13367609"/>
+            <a:ext cx="4259120" cy="3416320"/>
+          </a:xfrm>
+          <a:prstGeom prst="rect">
+            <a:avLst/>
+          </a:prstGeom>
+          <a:noFill/>
+        </p:spPr>
+        <p:txBody>
+          <a:bodyPr wrap="square" rtlCol="0">
+            <a:spAutoFit/>
+          </a:bodyPr>
+          <a:lstStyle/>
+          <a:p>
+            <a:r>
+              <a:rPr lang="en-US" sz="2400" dirty="0" smtClean="0"/>
+              <a:t>We used other techniques in addition to the model that performed the best. </a:t>
+            </a:r>
+            <a:r>
+              <a:rPr lang="en-US" sz="2400" dirty="0"/>
+              <a:t>We used collaborative filtering on the data </a:t>
+            </a:r>
+            <a:r>
+              <a:rPr lang="en-US" sz="2400" dirty="0" smtClean="0"/>
+              <a:t>where nothing is missing, PCA for dimensionality reduction, and segmentation ensemble which fits the model to each part of the missing data. </a:t>
+            </a:r>
+            <a:endParaRPr lang="en-US" sz="2400" dirty="0"/>
+          </a:p>
+        </p:txBody>
+      </p:sp>
       <p:pic>
         <p:nvPicPr>
-          <p:cNvPr id="35" name="Picture 34" descr="Screen Shot 2014-11-28 at 1.39.42 PM.pdf"/>
+          <p:cNvPr id="4" name="Picture 3" descr="Screen Shot 2014-12-02 at 10.12.25 AM.pdf"/>
           <p:cNvPicPr>
             <a:picLocks noChangeAspect="1"/>
           </p:cNvPicPr>
@@ -4311,706 +5108,74 @@
         </p:blipFill>
         <p:spPr>
           <a:xfrm>
-            <a:off x="18240185" y="6179819"/>
-            <a:ext cx="8198084" cy="5015175"/>
+            <a:off x="17837001" y="5980421"/>
+            <a:ext cx="7668014" cy="5127111"/>
           </a:xfrm>
           <a:prstGeom prst="rect">
             <a:avLst/>
           </a:prstGeom>
         </p:spPr>
       </p:pic>
-      <p:sp>
-        <p:nvSpPr>
-          <p:cNvPr id="37" name="TextBox 36"/>
-          <p:cNvSpPr txBox="1"/>
+      <p:pic>
+        <p:nvPicPr>
+          <p:cNvPr id="5" name="Picture 4" descr="Screen Shot 2014-12-02 at 10.12.34 AM.pdf"/>
+          <p:cNvPicPr>
+            <a:picLocks noChangeAspect="1"/>
+          </p:cNvPicPr>
           <p:nvPr/>
-        </p:nvSpPr>
+        </p:nvPicPr>
+        <p:blipFill>
+          <a:blip r:embed="rId17">
+            <a:extLst>
+              <a:ext uri="{28A0092B-C50C-407E-A947-70E740481C1C}">
+                <a14:useLocalDpi xmlns:a14="http://schemas.microsoft.com/office/drawing/2010/main" val="0"/>
+              </a:ext>
+            </a:extLst>
+          </a:blip>
+          <a:stretch>
+            <a:fillRect/>
+          </a:stretch>
+        </p:blipFill>
         <p:spPr>
           <a:xfrm>
-            <a:off x="9607401" y="7348964"/>
-            <a:ext cx="8229600" cy="10802955"/>
+            <a:off x="25209593" y="6434219"/>
+            <a:ext cx="1416853" cy="687892"/>
           </a:xfrm>
           <a:prstGeom prst="rect">
             <a:avLst/>
           </a:prstGeom>
-          <a:noFill/>
         </p:spPr>
-        <p:txBody>
-          <a:bodyPr wrap="square" rtlCol="0">
-            <a:spAutoFit/>
-          </a:bodyPr>
-          <a:lstStyle/>
-          <a:p>
-            <a:pPr marL="457200" indent="-457200">
-              <a:buFont typeface="Arial"/>
-              <a:buChar char="•"/>
-            </a:pPr>
-            <a:r>
-              <a:rPr lang="en-US" sz="2400" dirty="0" smtClean="0"/>
-              <a:t>Linear Regression</a:t>
-            </a:r>
-            <a:r>
-              <a:rPr lang="en-US" sz="2400" dirty="0"/>
-              <a:t>- </a:t>
-            </a:r>
-            <a:r>
-              <a:rPr lang="en-US" sz="2400" dirty="0" smtClean="0"/>
-              <a:t>fits </a:t>
-            </a:r>
-            <a:r>
-              <a:rPr lang="en-US" sz="2400" dirty="0"/>
-              <a:t>a linear model </a:t>
-            </a:r>
-            <a:r>
-              <a:rPr lang="en-US" sz="2400" dirty="0" smtClean="0"/>
-              <a:t>by solving </a:t>
-            </a:r>
-            <a:r>
-              <a:rPr lang="en-US" sz="2400" dirty="0"/>
-              <a:t>the following optimization problem to find the estimated parameters.</a:t>
-            </a:r>
-          </a:p>
-          <a:p>
-            <a:endParaRPr lang="en-US" sz="3600" dirty="0" smtClean="0"/>
-          </a:p>
-          <a:p>
-            <a:pPr marL="457200" indent="-457200">
-              <a:buFont typeface="Arial"/>
-              <a:buChar char="•"/>
-            </a:pPr>
-            <a:r>
-              <a:rPr lang="en-US" sz="2400" dirty="0" smtClean="0"/>
-              <a:t>Ridge </a:t>
-            </a:r>
-            <a:r>
-              <a:rPr lang="en-US" sz="2400" dirty="0"/>
-              <a:t>Regression</a:t>
-            </a:r>
-            <a:r>
-              <a:rPr lang="en-US" sz="2400" dirty="0" smtClean="0"/>
-              <a:t>- </a:t>
-            </a:r>
-            <a:r>
-              <a:rPr lang="en-US" sz="2400" dirty="0"/>
-              <a:t>a linear model </a:t>
-            </a:r>
-            <a:r>
-              <a:rPr lang="en-US" sz="2400" dirty="0" smtClean="0"/>
-              <a:t>with regularization with the l2 norm and a tuning parameter that was chosen with leave one out cross validation which solves the following problem.</a:t>
-            </a:r>
-          </a:p>
-          <a:p>
-            <a:endParaRPr lang="en-US" sz="3600" dirty="0" smtClean="0"/>
-          </a:p>
-          <a:p>
-            <a:pPr marL="457200" indent="-457200">
-              <a:buFont typeface="Arial"/>
-              <a:buChar char="•"/>
-            </a:pPr>
-            <a:r>
-              <a:rPr lang="en-US" sz="2400" dirty="0" smtClean="0"/>
-              <a:t>The Lasso- </a:t>
-            </a:r>
-            <a:r>
-              <a:rPr lang="en-US" sz="2400" dirty="0"/>
-              <a:t>a linear model with regularization with the </a:t>
-            </a:r>
-            <a:r>
-              <a:rPr lang="en-US" sz="2400" dirty="0" smtClean="0"/>
-              <a:t>l1 </a:t>
-            </a:r>
-            <a:r>
-              <a:rPr lang="en-US" sz="2400" dirty="0"/>
-              <a:t>norm and a tuning parameter that was chosen with leave one out cross validation which solves the following problem.</a:t>
-            </a:r>
-          </a:p>
-          <a:p>
-            <a:endParaRPr lang="en-US" sz="3600" dirty="0" smtClean="0"/>
-          </a:p>
-          <a:p>
-            <a:pPr marL="457200" indent="-457200">
-              <a:buFont typeface="Arial"/>
-              <a:buChar char="•"/>
-            </a:pPr>
-            <a:r>
-              <a:rPr lang="en-US" sz="2400" dirty="0" smtClean="0"/>
-              <a:t>Elastic Net- </a:t>
-            </a:r>
-            <a:r>
-              <a:rPr lang="en-US" sz="2400" dirty="0"/>
-              <a:t>regression model trained with L1 and L2 prior as </a:t>
-            </a:r>
-            <a:r>
-              <a:rPr lang="en-US" sz="2400" dirty="0" err="1" smtClean="0"/>
-              <a:t>regularizer</a:t>
-            </a:r>
-            <a:r>
-              <a:rPr lang="en-US" sz="2400" dirty="0" smtClean="0"/>
-              <a:t>, which minimizes the following problem.</a:t>
-            </a:r>
-            <a:endParaRPr lang="en-US" sz="2400" dirty="0"/>
-          </a:p>
-          <a:p>
-            <a:endParaRPr lang="en-US" sz="3600" dirty="0" smtClean="0"/>
-          </a:p>
-          <a:p>
-            <a:pPr marL="457200" indent="-457200">
-              <a:buFont typeface="Arial"/>
-              <a:buChar char="•"/>
-            </a:pPr>
-            <a:r>
-              <a:rPr lang="en-US" sz="2400" dirty="0" smtClean="0"/>
-              <a:t>Random Forest</a:t>
-            </a:r>
-            <a:r>
-              <a:rPr lang="en-US" sz="2400" dirty="0"/>
-              <a:t>- ensemble learning method that is based from </a:t>
-            </a:r>
-            <a:r>
-              <a:rPr lang="en-US" sz="2400" dirty="0" smtClean="0"/>
-              <a:t>decision </a:t>
-            </a:r>
-            <a:r>
-              <a:rPr lang="en-US" sz="2400" dirty="0"/>
-              <a:t>trees</a:t>
-            </a:r>
-            <a:r>
-              <a:rPr lang="en-US" sz="2400" dirty="0" smtClean="0"/>
-              <a:t>. Each </a:t>
-            </a:r>
-            <a:r>
-              <a:rPr lang="en-US" sz="2400" dirty="0"/>
-              <a:t>tree in the ensemble is built from </a:t>
-            </a:r>
-            <a:r>
-              <a:rPr lang="en-US" sz="2400" dirty="0" smtClean="0"/>
-              <a:t>a </a:t>
-            </a:r>
-            <a:r>
-              <a:rPr lang="en-US" sz="2400" dirty="0"/>
-              <a:t>bootstrap </a:t>
-            </a:r>
-            <a:r>
-              <a:rPr lang="en-US" sz="2400" dirty="0" smtClean="0"/>
-              <a:t>sample </a:t>
-            </a:r>
-            <a:r>
-              <a:rPr lang="en-US" sz="2400" dirty="0"/>
-              <a:t>from the training </a:t>
-            </a:r>
-            <a:r>
-              <a:rPr lang="en-US" sz="2400" dirty="0" smtClean="0"/>
-              <a:t>set. The split </a:t>
-            </a:r>
-            <a:r>
-              <a:rPr lang="en-US" sz="2400" dirty="0"/>
-              <a:t>that is picked is the best split among a random subset of </a:t>
-            </a:r>
-            <a:r>
-              <a:rPr lang="en-US" sz="2400" dirty="0" smtClean="0"/>
-              <a:t>features</a:t>
-            </a:r>
-            <a:r>
-              <a:rPr lang="en-US" sz="2400" dirty="0"/>
-              <a:t>. </a:t>
-            </a:r>
-            <a:endParaRPr lang="en-US" sz="2400" dirty="0" smtClean="0"/>
-          </a:p>
-          <a:p>
-            <a:pPr marL="342900" indent="-342900">
-              <a:buFont typeface="Arial"/>
-              <a:buChar char="•"/>
-            </a:pPr>
-            <a:r>
-              <a:rPr lang="en-US" sz="2400" dirty="0" smtClean="0"/>
-              <a:t>Factorization Machine- </a:t>
-            </a:r>
-          </a:p>
-          <a:p>
-            <a:endParaRPr lang="en-US" sz="2400" dirty="0" smtClean="0"/>
-          </a:p>
-          <a:p>
-            <a:endParaRPr lang="en-US" sz="2400" dirty="0" smtClean="0"/>
-          </a:p>
-          <a:p>
-            <a:pPr marL="342900" indent="-342900">
-              <a:buFont typeface="Arial"/>
-              <a:buChar char="•"/>
-            </a:pPr>
-            <a:r>
-              <a:rPr lang="en-US" sz="2400" dirty="0" smtClean="0"/>
-              <a:t>Collaborative Filtering</a:t>
-            </a:r>
-            <a:r>
-              <a:rPr lang="en-US" sz="2400" dirty="0" smtClean="0"/>
-              <a:t>-  </a:t>
-            </a:r>
-            <a:r>
-              <a:rPr lang="en-US" sz="2400" dirty="0"/>
-              <a:t>Collaborative filtering is a technique that identifies patterns of user preferences towards certain items and makes </a:t>
-            </a:r>
-            <a:r>
-              <a:rPr lang="en-US" sz="2400" dirty="0" smtClean="0"/>
-              <a:t>recommendations</a:t>
-            </a:r>
-            <a:r>
-              <a:rPr lang="en-US" sz="2400" dirty="0"/>
-              <a:t>. Collaborative filtering uses a sparse matrix holding the rating of users to businesses and calculates a similarity </a:t>
-            </a:r>
-            <a:r>
-              <a:rPr lang="en-US" sz="2400" dirty="0" smtClean="0"/>
-              <a:t>score.</a:t>
-            </a:r>
-            <a:endParaRPr lang="en-US" sz="2400" dirty="0" smtClean="0"/>
-          </a:p>
-          <a:p>
-            <a:pPr marL="457200" indent="-457200">
-              <a:buFont typeface="Arial"/>
-              <a:buChar char="•"/>
-            </a:pPr>
-            <a:endParaRPr lang="en-US" sz="2400" dirty="0"/>
-          </a:p>
-        </p:txBody>
-      </p:sp>
-      <p:sp>
-        <p:nvSpPr>
-          <p:cNvPr id="40" name="TextBox 39"/>
-          <p:cNvSpPr txBox="1"/>
+      </p:pic>
+      <p:pic>
+        <p:nvPicPr>
+          <p:cNvPr id="17" name="Picture 16" descr="Screen Shot 2014-12-02 at 10.15.26 AM.pdf"/>
+          <p:cNvPicPr>
+            <a:picLocks noChangeAspect="1"/>
+          </p:cNvPicPr>
           <p:nvPr/>
-        </p:nvSpPr>
+        </p:nvPicPr>
+        <p:blipFill>
+          <a:blip r:embed="rId18">
+            <a:extLst>
+              <a:ext uri="{28A0092B-C50C-407E-A947-70E740481C1C}">
+                <a14:useLocalDpi xmlns:a14="http://schemas.microsoft.com/office/drawing/2010/main" val="0"/>
+              </a:ext>
+            </a:extLst>
+          </a:blip>
+          <a:stretch>
+            <a:fillRect/>
+          </a:stretch>
+        </p:blipFill>
         <p:spPr>
           <a:xfrm>
-            <a:off x="18240185" y="11688613"/>
-            <a:ext cx="8229600" cy="2308324"/>
+            <a:off x="22269897" y="13316910"/>
+            <a:ext cx="4390894" cy="3485319"/>
           </a:xfrm>
           <a:prstGeom prst="rect">
             <a:avLst/>
           </a:prstGeom>
-          <a:noFill/>
         </p:spPr>
-        <p:txBody>
-          <a:bodyPr wrap="square" rtlCol="0">
-            <a:spAutoFit/>
-          </a:bodyPr>
-          <a:lstStyle/>
-          <a:p>
-            <a:r>
-              <a:rPr lang="en-US" sz="2400" dirty="0"/>
-              <a:t>The results show that blank performed the best. The results suggests that out of the simple imputation method, blank performed the best in general. The model that performed the best is blank. This model </a:t>
-            </a:r>
-            <a:endParaRPr lang="en-US" sz="2400" dirty="0" smtClean="0"/>
-          </a:p>
-          <a:p>
-            <a:endParaRPr lang="en-US" sz="2400" dirty="0"/>
-          </a:p>
-          <a:p>
-            <a:endParaRPr lang="en-US" sz="2400" dirty="0"/>
-          </a:p>
-        </p:txBody>
-      </p:sp>
-      <p:sp>
-        <p:nvSpPr>
-          <p:cNvPr id="41" name="TextBox 40"/>
-          <p:cNvSpPr txBox="1"/>
-          <p:nvPr/>
-        </p:nvSpPr>
-        <p:spPr>
-          <a:xfrm>
-            <a:off x="1082960" y="4932417"/>
-            <a:ext cx="8077200" cy="3046988"/>
-          </a:xfrm>
-          <a:prstGeom prst="rect">
-            <a:avLst/>
-          </a:prstGeom>
-          <a:noFill/>
-        </p:spPr>
-        <p:txBody>
-          <a:bodyPr wrap="square" rtlCol="0">
-            <a:spAutoFit/>
-          </a:bodyPr>
-          <a:lstStyle/>
-          <a:p>
-            <a:r>
-              <a:rPr lang="en-US" sz="2400" dirty="0"/>
-              <a:t>Yelp is a web/mobile application that publishes crowd-sourced reviews about local businesses and restaurants. </a:t>
-            </a:r>
-            <a:r>
-              <a:rPr lang="en-US" sz="2400" dirty="0" smtClean="0"/>
-              <a:t>The </a:t>
-            </a:r>
-            <a:r>
-              <a:rPr lang="en-US" sz="2400" dirty="0"/>
-              <a:t>rise of Yelp’s popularity created an influx of data on people’s personal preferences as modern customers to the businesses that they go to. Through this project we utilized Yelp’s data to make personalized business recommendations for Yelp users by making a model to predict the number of review stars </a:t>
-            </a:r>
-            <a:r>
-              <a:rPr lang="en-US" sz="2400" dirty="0" smtClean="0"/>
-              <a:t>that </a:t>
-            </a:r>
-            <a:r>
-              <a:rPr lang="en-US" sz="2400" dirty="0"/>
-              <a:t>a user would assign to a business.</a:t>
-            </a:r>
-          </a:p>
-        </p:txBody>
-      </p:sp>
-      <p:sp>
-        <p:nvSpPr>
-          <p:cNvPr id="42" name="TextBox 41"/>
-          <p:cNvSpPr txBox="1"/>
-          <p:nvPr/>
-        </p:nvSpPr>
-        <p:spPr>
-          <a:xfrm>
-            <a:off x="995199" y="8460204"/>
-            <a:ext cx="8229600" cy="2308324"/>
-          </a:xfrm>
-          <a:prstGeom prst="rect">
-            <a:avLst/>
-          </a:prstGeom>
-          <a:noFill/>
-        </p:spPr>
-        <p:txBody>
-          <a:bodyPr wrap="square" rtlCol="0">
-            <a:spAutoFit/>
-          </a:bodyPr>
-          <a:lstStyle/>
-          <a:p>
-            <a:r>
-              <a:rPr lang="en-US" sz="2400" dirty="0"/>
-              <a:t>The </a:t>
-            </a:r>
-            <a:r>
-              <a:rPr lang="en-US" sz="2400" dirty="0" smtClean="0"/>
-              <a:t>dataset </a:t>
-            </a:r>
-            <a:r>
-              <a:rPr lang="en-US" sz="2400" dirty="0"/>
-              <a:t>comes from the Yelp recommendation </a:t>
-            </a:r>
-            <a:r>
-              <a:rPr lang="en-US" sz="2400" dirty="0" err="1" smtClean="0"/>
-              <a:t>Kaggle</a:t>
-            </a:r>
-            <a:r>
-              <a:rPr lang="en-US" sz="2400" dirty="0" smtClean="0"/>
-              <a:t> competitio</a:t>
-            </a:r>
-            <a:r>
-              <a:rPr lang="en-US" sz="2400" dirty="0"/>
-              <a:t>n</a:t>
-            </a:r>
-            <a:r>
-              <a:rPr lang="en-US" sz="2400" dirty="0" smtClean="0"/>
-              <a:t>. </a:t>
-            </a:r>
-            <a:r>
-              <a:rPr lang="en-US" sz="2400" dirty="0"/>
-              <a:t>This information contains actual</a:t>
-            </a:r>
-          </a:p>
-          <a:p>
-            <a:r>
-              <a:rPr lang="en-US" sz="2400" dirty="0"/>
-              <a:t>business, user, and users’ review data from the greater Phoenix,</a:t>
-            </a:r>
-          </a:p>
-          <a:p>
-            <a:r>
-              <a:rPr lang="en-US" sz="2400" dirty="0"/>
-              <a:t>AZ metropolitan </a:t>
-            </a:r>
-            <a:r>
-              <a:rPr lang="en-US" sz="2400" dirty="0" smtClean="0"/>
-              <a:t>area. </a:t>
-            </a:r>
-            <a:r>
-              <a:rPr lang="en-US" sz="2400" dirty="0"/>
-              <a:t>By using and combining </a:t>
-            </a:r>
-            <a:r>
-              <a:rPr lang="en-US" sz="2400" dirty="0" smtClean="0"/>
-              <a:t>various data </a:t>
-            </a:r>
-            <a:r>
-              <a:rPr lang="en-US" sz="2400" dirty="0"/>
-              <a:t>fields, we can aggregate similar users to create </a:t>
-            </a:r>
-            <a:r>
-              <a:rPr lang="en-US" sz="2400" dirty="0" smtClean="0"/>
-              <a:t>models </a:t>
-            </a:r>
-            <a:r>
-              <a:rPr lang="en-US" sz="2400" dirty="0"/>
-              <a:t>to predict how users will rate businesses they have not been to.</a:t>
-            </a:r>
-          </a:p>
-        </p:txBody>
-      </p:sp>
-      <p:sp>
-        <p:nvSpPr>
-          <p:cNvPr id="45" name="TextBox 44"/>
-          <p:cNvSpPr txBox="1"/>
-          <p:nvPr/>
-        </p:nvSpPr>
-        <p:spPr>
-          <a:xfrm>
-            <a:off x="991085" y="11321707"/>
-            <a:ext cx="8229600" cy="1569660"/>
-          </a:xfrm>
-          <a:prstGeom prst="rect">
-            <a:avLst/>
-          </a:prstGeom>
-          <a:noFill/>
-        </p:spPr>
-        <p:txBody>
-          <a:bodyPr wrap="square" rtlCol="0">
-            <a:spAutoFit/>
-          </a:bodyPr>
-          <a:lstStyle/>
-          <a:p>
-            <a:r>
-              <a:rPr lang="en-US" sz="2400" dirty="0"/>
-              <a:t>We chose to evaluate our model through the root mean squared error (RMSE) to measure the </a:t>
-            </a:r>
-            <a:r>
-              <a:rPr lang="en-US" sz="2400" dirty="0" smtClean="0"/>
-              <a:t>accuracy, where n is the total number of reviews to predict, p is the predicted rating, and a is the actual rating.</a:t>
-            </a:r>
-            <a:endParaRPr lang="en-US" sz="3000" dirty="0"/>
-          </a:p>
-        </p:txBody>
-      </p:sp>
-      <p:sp>
-        <p:nvSpPr>
-          <p:cNvPr id="46" name="TextBox 45"/>
-          <p:cNvSpPr txBox="1"/>
-          <p:nvPr/>
-        </p:nvSpPr>
-        <p:spPr>
-          <a:xfrm>
-            <a:off x="930560" y="14028100"/>
-            <a:ext cx="4738966" cy="3416320"/>
-          </a:xfrm>
-          <a:prstGeom prst="rect">
-            <a:avLst/>
-          </a:prstGeom>
-          <a:noFill/>
-        </p:spPr>
-        <p:txBody>
-          <a:bodyPr wrap="square" rtlCol="0">
-            <a:spAutoFit/>
-          </a:bodyPr>
-          <a:lstStyle/>
-          <a:p>
-            <a:r>
-              <a:rPr lang="en-US" sz="2400" dirty="0" smtClean="0"/>
-              <a:t>A significant portion of the data is missing in the test set, so we used simple imputation and replaced the missing data with the following:</a:t>
-            </a:r>
-          </a:p>
-          <a:p>
-            <a:pPr marL="342900" indent="-342900">
-              <a:buFont typeface="Arial"/>
-              <a:buChar char="•"/>
-            </a:pPr>
-            <a:r>
-              <a:rPr lang="en-US" sz="2400" dirty="0" smtClean="0"/>
-              <a:t>The </a:t>
-            </a:r>
-            <a:r>
-              <a:rPr lang="en-US" sz="2400" dirty="0"/>
-              <a:t>mean of the training </a:t>
-            </a:r>
-            <a:r>
-              <a:rPr lang="en-US" sz="2400" dirty="0" smtClean="0"/>
-              <a:t>set.</a:t>
-            </a:r>
-            <a:endParaRPr lang="en-US" sz="2400" dirty="0"/>
-          </a:p>
-          <a:p>
-            <a:pPr marL="342900" indent="-342900">
-              <a:buFont typeface="Arial"/>
-              <a:buChar char="•"/>
-            </a:pPr>
-            <a:r>
-              <a:rPr lang="en-US" sz="2400" dirty="0" smtClean="0"/>
-              <a:t>A random </a:t>
-            </a:r>
-            <a:r>
-              <a:rPr lang="en-US" sz="2400" dirty="0"/>
-              <a:t>sample from the training </a:t>
-            </a:r>
-            <a:r>
-              <a:rPr lang="en-US" sz="2400" dirty="0" smtClean="0"/>
-              <a:t>set.</a:t>
-            </a:r>
-          </a:p>
-          <a:p>
-            <a:pPr marL="342900" indent="-342900">
-              <a:buFont typeface="Arial"/>
-              <a:buChar char="•"/>
-            </a:pPr>
-            <a:r>
-              <a:rPr lang="en-US" sz="2400" dirty="0" smtClean="0"/>
-              <a:t>Predicted regression values from using the other features. </a:t>
-            </a:r>
-            <a:endParaRPr lang="en-US" sz="2400" dirty="0"/>
-          </a:p>
-        </p:txBody>
-      </p:sp>
-      <p:sp>
-        <p:nvSpPr>
-          <p:cNvPr id="38" name="TextBox 37"/>
-          <p:cNvSpPr txBox="1"/>
-          <p:nvPr/>
-        </p:nvSpPr>
-        <p:spPr>
-          <a:xfrm>
-            <a:off x="18240185" y="4890240"/>
-            <a:ext cx="8229600" cy="1200328"/>
-          </a:xfrm>
-          <a:prstGeom prst="rect">
-            <a:avLst/>
-          </a:prstGeom>
-          <a:noFill/>
-        </p:spPr>
-        <p:txBody>
-          <a:bodyPr wrap="square" rtlCol="0">
-            <a:spAutoFit/>
-          </a:bodyPr>
-          <a:lstStyle/>
-          <a:p>
-            <a:r>
-              <a:rPr lang="en-US" sz="2400" dirty="0" smtClean="0"/>
-              <a:t>Using a training set of 229,907 and a test set size of 22,956, we get the following result for each approach on the missing data and each model.</a:t>
-            </a:r>
-            <a:endParaRPr lang="en-US" sz="2400" dirty="0"/>
-          </a:p>
-        </p:txBody>
-      </p:sp>
-      <p:sp>
-        <p:nvSpPr>
-          <p:cNvPr id="9" name="TextBox 8"/>
-          <p:cNvSpPr txBox="1"/>
-          <p:nvPr/>
-        </p:nvSpPr>
-        <p:spPr>
-          <a:xfrm>
-            <a:off x="9607402" y="4930222"/>
-            <a:ext cx="8166568" cy="1938992"/>
-          </a:xfrm>
-          <a:prstGeom prst="rect">
-            <a:avLst/>
-          </a:prstGeom>
-          <a:noFill/>
-        </p:spPr>
-        <p:txBody>
-          <a:bodyPr wrap="square" rtlCol="0">
-            <a:spAutoFit/>
-          </a:bodyPr>
-          <a:lstStyle/>
-          <a:p>
-            <a:r>
-              <a:rPr lang="en-US" sz="2400" dirty="0" smtClean="0"/>
-              <a:t>Gender-The </a:t>
-            </a:r>
-            <a:r>
-              <a:rPr lang="en-US" sz="2400" dirty="0"/>
-              <a:t>gender is mapped out from a list of names and the rest of the features are from the raw input </a:t>
-            </a:r>
-            <a:r>
-              <a:rPr lang="en-US" sz="2400" dirty="0" smtClean="0"/>
-              <a:t>data, Business open, Business </a:t>
-            </a:r>
-            <a:r>
-              <a:rPr lang="en-US" sz="2400" dirty="0"/>
-              <a:t>stars</a:t>
-            </a:r>
-            <a:r>
-              <a:rPr lang="en-US" sz="2400" dirty="0" smtClean="0"/>
-              <a:t>, Business </a:t>
-            </a:r>
-            <a:r>
-              <a:rPr lang="en-US" sz="2400" dirty="0"/>
-              <a:t>review </a:t>
-            </a:r>
-            <a:r>
-              <a:rPr lang="en-US" sz="2400" dirty="0" smtClean="0"/>
-              <a:t>count, User </a:t>
-            </a:r>
-            <a:r>
-              <a:rPr lang="en-US" sz="2400" dirty="0"/>
-              <a:t>review </a:t>
-            </a:r>
-            <a:r>
-              <a:rPr lang="en-US" sz="2400" dirty="0" smtClean="0"/>
-              <a:t>count, User average, Number </a:t>
-            </a:r>
-            <a:r>
-              <a:rPr lang="en-US" sz="2400" dirty="0"/>
-              <a:t>of cool </a:t>
-            </a:r>
-            <a:r>
-              <a:rPr lang="en-US" sz="2400" dirty="0" smtClean="0"/>
-              <a:t>votes, Number </a:t>
-            </a:r>
-            <a:r>
-              <a:rPr lang="en-US" sz="2400" dirty="0"/>
-              <a:t>of useful </a:t>
-            </a:r>
-            <a:r>
-              <a:rPr lang="en-US" sz="2400" dirty="0" smtClean="0"/>
-              <a:t>votes, Number </a:t>
-            </a:r>
-            <a:r>
-              <a:rPr lang="en-US" sz="2400" dirty="0"/>
-              <a:t>of funny </a:t>
-            </a:r>
-            <a:r>
-              <a:rPr lang="en-US" sz="2400" dirty="0" smtClean="0"/>
-              <a:t>votes.</a:t>
-            </a:r>
-            <a:endParaRPr lang="en-US" sz="2400" dirty="0"/>
-          </a:p>
-        </p:txBody>
-      </p:sp>
-      <p:sp>
-        <p:nvSpPr>
-          <p:cNvPr id="2" name="TextBox 1"/>
-          <p:cNvSpPr txBox="1"/>
-          <p:nvPr/>
-        </p:nvSpPr>
-        <p:spPr>
-          <a:xfrm>
-            <a:off x="18240186" y="13498298"/>
-            <a:ext cx="4587784" cy="3416320"/>
-          </a:xfrm>
-          <a:prstGeom prst="rect">
-            <a:avLst/>
-          </a:prstGeom>
-          <a:noFill/>
-        </p:spPr>
-        <p:txBody>
-          <a:bodyPr wrap="square" rtlCol="0">
-            <a:spAutoFit/>
-          </a:bodyPr>
-          <a:lstStyle/>
-          <a:p>
-            <a:r>
-              <a:rPr lang="en-US" sz="2400" dirty="0" smtClean="0"/>
-              <a:t>We used other techniques in addition to the model that performed the best. </a:t>
-            </a:r>
-            <a:r>
-              <a:rPr lang="en-US" sz="2400" dirty="0"/>
-              <a:t>We used collaborative filtering on the data </a:t>
-            </a:r>
-            <a:r>
-              <a:rPr lang="en-US" sz="2400" dirty="0" smtClean="0"/>
-              <a:t>where nothing is missing, PCA for dimensionality reduction, and segmentation ensemble which fits the model to each part of the missing data. </a:t>
-            </a:r>
-            <a:endParaRPr lang="en-US" sz="2400" dirty="0"/>
-          </a:p>
-        </p:txBody>
-      </p:sp>
+      </p:pic>
     </p:spTree>
     <p:extLst>
       <p:ext uri="{BB962C8B-B14F-4D97-AF65-F5344CB8AC3E}">

--- a/Ting_Ramaswamy_cs229Poster.pptx
+++ b/Ting_Ramaswamy_cs229Poster.pptx
@@ -3122,7 +3122,7 @@
           <a:graphicData uri="http://schemas.openxmlformats.org/presentationml/2006/ole">
             <mc:AlternateContent xmlns:mc="http://schemas.openxmlformats.org/markup-compatibility/2006">
               <mc:Choice xmlns:v="urn:schemas-microsoft-com:vml" Requires="v">
-                <p:oleObj spid="_x0000_s1082" name="Document" r:id="rId3" imgW="5486400" imgH="546100" progId="Word.Document.12">
+                <p:oleObj spid="_x0000_s1108" name="Document" r:id="rId3" imgW="5486400" imgH="546100" progId="Word.Document.12">
                   <p:embed/>
                 </p:oleObj>
               </mc:Choice>
@@ -3193,7 +3193,7 @@
             <a:graphicData uri="http://schemas.openxmlformats.org/presentationml/2006/ole">
               <mc:AlternateContent xmlns:mc="http://schemas.openxmlformats.org/markup-compatibility/2006">
                 <mc:Choice xmlns:v="urn:schemas-microsoft-com:vml" Requires="v">
-                  <p:oleObj spid="_x0000_s1083" name="Document" r:id="rId5" imgW="5486400" imgH="533400" progId="Word.Document.12">
+                  <p:oleObj spid="_x0000_s1109" name="Document" r:id="rId5" imgW="5486400" imgH="533400" progId="Word.Document.12">
                     <p:embed/>
                   </p:oleObj>
                 </mc:Choice>
@@ -3250,7 +3250,7 @@
             <a:graphicData uri="http://schemas.openxmlformats.org/presentationml/2006/ole">
               <mc:AlternateContent xmlns:mc="http://schemas.openxmlformats.org/markup-compatibility/2006">
                 <mc:Choice xmlns:v="urn:schemas-microsoft-com:vml" Requires="v">
-                  <p:oleObj spid="_x0000_s1084" name="Document" r:id="rId7" imgW="5486400" imgH="254000" progId="Word.Document.12">
+                  <p:oleObj spid="_x0000_s1110" name="Document" r:id="rId7" imgW="5486400" imgH="254000" progId="Word.Document.12">
                     <p:embed/>
                   </p:oleObj>
                 </mc:Choice>
@@ -3307,7 +3307,7 @@
             <a:graphicData uri="http://schemas.openxmlformats.org/presentationml/2006/ole">
               <mc:AlternateContent xmlns:mc="http://schemas.openxmlformats.org/markup-compatibility/2006">
                 <mc:Choice xmlns:v="urn:schemas-microsoft-com:vml" Requires="v">
-                  <p:oleObj spid="_x0000_s1085" name="Document" r:id="rId9" imgW="5486400" imgH="419100" progId="Word.Document.12">
+                  <p:oleObj spid="_x0000_s1111" name="Document" r:id="rId9" imgW="5486400" imgH="419100" progId="Word.Document.12">
                     <p:embed/>
                   </p:oleObj>
                 </mc:Choice>
@@ -3364,7 +3364,7 @@
             <a:graphicData uri="http://schemas.openxmlformats.org/presentationml/2006/ole">
               <mc:AlternateContent xmlns:mc="http://schemas.openxmlformats.org/markup-compatibility/2006">
                 <mc:Choice xmlns:v="urn:schemas-microsoft-com:vml" Requires="v">
-                  <p:oleObj spid="_x0000_s1086" name="Document" r:id="rId11" imgW="5486400" imgH="241300" progId="Word.Document.12">
+                  <p:oleObj spid="_x0000_s1112" name="Document" r:id="rId11" imgW="5486400" imgH="241300" progId="Word.Document.12">
                     <p:embed/>
                   </p:oleObj>
                 </mc:Choice>
@@ -3733,8 +3733,8 @@
         </p:blipFill>
         <p:spPr>
           <a:xfrm>
-            <a:off x="21057994" y="1293429"/>
-            <a:ext cx="4447021" cy="1387471"/>
+            <a:off x="21010274" y="1302176"/>
+            <a:ext cx="4635849" cy="1446385"/>
           </a:xfrm>
           <a:prstGeom prst="rect">
             <a:avLst/>
@@ -4332,15 +4332,7 @@
             </a:pPr>
             <a:r>
               <a:rPr lang="en-US" sz="2400" dirty="0" smtClean="0"/>
-              <a:t>Linear Regression</a:t>
-            </a:r>
-            <a:r>
-              <a:rPr lang="en-US" sz="2400" dirty="0" smtClean="0"/>
-              <a:t>- </a:t>
-            </a:r>
-            <a:r>
-              <a:rPr lang="en-US" sz="2400" dirty="0" smtClean="0"/>
-              <a:t>fits </a:t>
+              <a:t>Linear Regression- fits </a:t>
             </a:r>
             <a:r>
               <a:rPr lang="en-US" sz="2400" dirty="0"/>
@@ -4539,11 +4531,7 @@
             </a:pPr>
             <a:r>
               <a:rPr lang="en-US" sz="2400" dirty="0" smtClean="0"/>
-              <a:t>Collaborative Filtering</a:t>
-            </a:r>
-            <a:r>
-              <a:rPr lang="en-US" sz="2400" dirty="0" smtClean="0"/>
-              <a:t>- </a:t>
+              <a:t>Collaborative Filtering- </a:t>
             </a:r>
             <a:r>
               <a:rPr lang="en-US" sz="2400" dirty="0"/>
@@ -4595,11 +4583,7 @@
           <a:p>
             <a:r>
               <a:rPr lang="en-US" sz="2400" dirty="0"/>
-              <a:t>The results show that </a:t>
-            </a:r>
-            <a:r>
-              <a:rPr lang="en-US" sz="2400" dirty="0"/>
-              <a:t>e</a:t>
+              <a:t>The results show that e</a:t>
             </a:r>
             <a:r>
               <a:rPr lang="en-US" sz="2400" dirty="0" smtClean="0"/>
@@ -4637,7 +4621,6 @@
               <a:rPr lang="en-US" sz="2400" dirty="0" smtClean="0"/>
               <a:t>are lasso and elastic net. </a:t>
             </a:r>
-            <a:endParaRPr lang="en-US" sz="2400" dirty="0" smtClean="0"/>
           </a:p>
           <a:p>
             <a:endParaRPr lang="en-US" sz="2400" dirty="0"/>
@@ -4655,7 +4638,7 @@
         </p:nvSpPr>
         <p:spPr>
           <a:xfrm>
-            <a:off x="1083043" y="4689435"/>
+            <a:off x="1083043" y="4620779"/>
             <a:ext cx="8077200" cy="3046988"/>
           </a:xfrm>
           <a:prstGeom prst="rect">
@@ -4958,15 +4941,7 @@
             </a:r>
             <a:r>
               <a:rPr lang="en-US" sz="2400" dirty="0" smtClean="0"/>
-              <a:t>usiness </a:t>
-            </a:r>
-            <a:r>
-              <a:rPr lang="en-US" sz="2400" dirty="0" smtClean="0"/>
-              <a:t>open, </a:t>
-            </a:r>
-            <a:r>
-              <a:rPr lang="en-US" sz="2400" dirty="0" smtClean="0"/>
-              <a:t>business </a:t>
+              <a:t>usiness open, business </a:t>
             </a:r>
             <a:r>
               <a:rPr lang="en-US" sz="2400" dirty="0"/>
@@ -4974,11 +4949,7 @@
             </a:r>
             <a:r>
               <a:rPr lang="en-US" sz="2400" dirty="0" smtClean="0"/>
-              <a:t>, </a:t>
-            </a:r>
-            <a:r>
-              <a:rPr lang="en-US" sz="2400" dirty="0" smtClean="0"/>
-              <a:t>business </a:t>
+              <a:t>, business </a:t>
             </a:r>
             <a:r>
               <a:rPr lang="en-US" sz="2400" dirty="0"/>
@@ -4986,11 +4957,7 @@
             </a:r>
             <a:r>
               <a:rPr lang="en-US" sz="2400" dirty="0" smtClean="0"/>
-              <a:t>count, </a:t>
-            </a:r>
-            <a:r>
-              <a:rPr lang="en-US" sz="2400" dirty="0" smtClean="0"/>
-              <a:t>user </a:t>
+              <a:t>count, user </a:t>
             </a:r>
             <a:r>
               <a:rPr lang="en-US" sz="2400" dirty="0"/>
@@ -4998,19 +4965,7 @@
             </a:r>
             <a:r>
               <a:rPr lang="en-US" sz="2400" dirty="0" smtClean="0"/>
-              <a:t>count, </a:t>
-            </a:r>
-            <a:r>
-              <a:rPr lang="en-US" sz="2400" dirty="0" smtClean="0"/>
-              <a:t>user </a:t>
-            </a:r>
-            <a:r>
-              <a:rPr lang="en-US" sz="2400" dirty="0" smtClean="0"/>
-              <a:t>average, </a:t>
-            </a:r>
-            <a:r>
-              <a:rPr lang="en-US" sz="2400" dirty="0" smtClean="0"/>
-              <a:t>number </a:t>
+              <a:t>count, user average, number </a:t>
             </a:r>
             <a:r>
               <a:rPr lang="en-US" sz="2400" dirty="0"/>
@@ -5018,11 +4973,7 @@
             </a:r>
             <a:r>
               <a:rPr lang="en-US" sz="2400" dirty="0" smtClean="0"/>
-              <a:t>votes, </a:t>
-            </a:r>
-            <a:r>
-              <a:rPr lang="en-US" sz="2400" dirty="0" smtClean="0"/>
-              <a:t>number </a:t>
+              <a:t>votes, number </a:t>
             </a:r>
             <a:r>
               <a:rPr lang="en-US" sz="2400" dirty="0"/>
@@ -5030,11 +4981,7 @@
             </a:r>
             <a:r>
               <a:rPr lang="en-US" sz="2400" dirty="0" smtClean="0"/>
-              <a:t>votes, </a:t>
-            </a:r>
-            <a:r>
-              <a:rPr lang="en-US" sz="2400" dirty="0" smtClean="0"/>
-              <a:t>number </a:t>
+              <a:t>votes, number </a:t>
             </a:r>
             <a:r>
               <a:rPr lang="en-US" sz="2400" dirty="0"/>
@@ -5080,7 +5027,7 @@
             </a:r>
             <a:r>
               <a:rPr lang="en-US" sz="2400" dirty="0" smtClean="0"/>
-              <a:t>where nothing is missing, PCA for dimensionality reduction, and segmentation ensemble which fits the model to each part of the missing data. </a:t>
+              <a:t>where nothing is missing, PCA for dimensionality reduction, and segmentation ensemble which fits the model to each part of the missing data.. </a:t>
             </a:r>
             <a:endParaRPr lang="en-US" sz="2400" dirty="0"/>
           </a:p>
@@ -5088,7 +5035,7 @@
       </p:sp>
       <p:pic>
         <p:nvPicPr>
-          <p:cNvPr id="4" name="Picture 3" descr="Screen Shot 2014-12-02 at 10.12.25 AM.pdf"/>
+          <p:cNvPr id="16" name="Picture 15" descr="Screen Shot 2014-12-02 at 9.09.40 PM.pdf"/>
           <p:cNvPicPr>
             <a:picLocks noChangeAspect="1"/>
           </p:cNvPicPr>
@@ -5108,8 +5055,8 @@
         </p:blipFill>
         <p:spPr>
           <a:xfrm>
-            <a:off x="17837001" y="5980421"/>
-            <a:ext cx="7668014" cy="5127111"/>
+            <a:off x="18271702" y="5958420"/>
+            <a:ext cx="8166568" cy="4952970"/>
           </a:xfrm>
           <a:prstGeom prst="rect">
             <a:avLst/>
@@ -5118,7 +5065,7 @@
       </p:pic>
       <p:pic>
         <p:nvPicPr>
-          <p:cNvPr id="5" name="Picture 4" descr="Screen Shot 2014-12-02 at 10.12.34 AM.pdf"/>
+          <p:cNvPr id="22" name="Picture 21" descr="Screen Shot 2014-12-02 at 9.10.45 PM.pdf"/>
           <p:cNvPicPr>
             <a:picLocks noChangeAspect="1"/>
           </p:cNvPicPr>
@@ -5138,38 +5085,8 @@
         </p:blipFill>
         <p:spPr>
           <a:xfrm>
-            <a:off x="25209593" y="6434219"/>
-            <a:ext cx="1416853" cy="687892"/>
-          </a:xfrm>
-          <a:prstGeom prst="rect">
-            <a:avLst/>
-          </a:prstGeom>
-        </p:spPr>
-      </p:pic>
-      <p:pic>
-        <p:nvPicPr>
-          <p:cNvPr id="17" name="Picture 16" descr="Screen Shot 2014-12-02 at 10.15.26 AM.pdf"/>
-          <p:cNvPicPr>
-            <a:picLocks noChangeAspect="1"/>
-          </p:cNvPicPr>
-          <p:nvPr/>
-        </p:nvPicPr>
-        <p:blipFill>
-          <a:blip r:embed="rId18">
-            <a:extLst>
-              <a:ext uri="{28A0092B-C50C-407E-A947-70E740481C1C}">
-                <a14:useLocalDpi xmlns:a14="http://schemas.microsoft.com/office/drawing/2010/main" val="0"/>
-              </a:ext>
-            </a:extLst>
-          </a:blip>
-          <a:stretch>
-            <a:fillRect/>
-          </a:stretch>
-        </p:blipFill>
-        <p:spPr>
-          <a:xfrm>
-            <a:off x="22269897" y="13316910"/>
-            <a:ext cx="4390894" cy="3485319"/>
+            <a:off x="22218436" y="13436265"/>
+            <a:ext cx="4363191" cy="3347664"/>
           </a:xfrm>
           <a:prstGeom prst="rect">
             <a:avLst/>

--- a/Ting_Ramaswamy_cs229Poster.pptx
+++ b/Ting_Ramaswamy_cs229Poster.pptx
@@ -288,7 +288,7 @@
           <a:p>
             <a:fld id="{9E3F4D72-DA31-1945-A80B-752F747DFB35}" type="datetimeFigureOut">
               <a:rPr lang="en-US" smtClean="0"/>
-              <a:t>12/2/14</a:t>
+              <a:t>12/4/14</a:t>
             </a:fld>
             <a:endParaRPr lang="en-US"/>
           </a:p>
@@ -458,7 +458,7 @@
           <a:p>
             <a:fld id="{9E3F4D72-DA31-1945-A80B-752F747DFB35}" type="datetimeFigureOut">
               <a:rPr lang="en-US" smtClean="0"/>
-              <a:t>12/2/14</a:t>
+              <a:t>12/4/14</a:t>
             </a:fld>
             <a:endParaRPr lang="en-US"/>
           </a:p>
@@ -638,7 +638,7 @@
           <a:p>
             <a:fld id="{9E3F4D72-DA31-1945-A80B-752F747DFB35}" type="datetimeFigureOut">
               <a:rPr lang="en-US" smtClean="0"/>
-              <a:t>12/2/14</a:t>
+              <a:t>12/4/14</a:t>
             </a:fld>
             <a:endParaRPr lang="en-US"/>
           </a:p>
@@ -808,7 +808,7 @@
           <a:p>
             <a:fld id="{9E3F4D72-DA31-1945-A80B-752F747DFB35}" type="datetimeFigureOut">
               <a:rPr lang="en-US" smtClean="0"/>
-              <a:t>12/2/14</a:t>
+              <a:t>12/4/14</a:t>
             </a:fld>
             <a:endParaRPr lang="en-US"/>
           </a:p>
@@ -1054,7 +1054,7 @@
           <a:p>
             <a:fld id="{9E3F4D72-DA31-1945-A80B-752F747DFB35}" type="datetimeFigureOut">
               <a:rPr lang="en-US" smtClean="0"/>
-              <a:t>12/2/14</a:t>
+              <a:t>12/4/14</a:t>
             </a:fld>
             <a:endParaRPr lang="en-US"/>
           </a:p>
@@ -1342,7 +1342,7 @@
           <a:p>
             <a:fld id="{9E3F4D72-DA31-1945-A80B-752F747DFB35}" type="datetimeFigureOut">
               <a:rPr lang="en-US" smtClean="0"/>
-              <a:t>12/2/14</a:t>
+              <a:t>12/4/14</a:t>
             </a:fld>
             <a:endParaRPr lang="en-US"/>
           </a:p>
@@ -1769,7 +1769,7 @@
           <a:p>
             <a:fld id="{9E3F4D72-DA31-1945-A80B-752F747DFB35}" type="datetimeFigureOut">
               <a:rPr lang="en-US" smtClean="0"/>
-              <a:t>12/2/14</a:t>
+              <a:t>12/4/14</a:t>
             </a:fld>
             <a:endParaRPr lang="en-US"/>
           </a:p>
@@ -1887,7 +1887,7 @@
           <a:p>
             <a:fld id="{9E3F4D72-DA31-1945-A80B-752F747DFB35}" type="datetimeFigureOut">
               <a:rPr lang="en-US" smtClean="0"/>
-              <a:t>12/2/14</a:t>
+              <a:t>12/4/14</a:t>
             </a:fld>
             <a:endParaRPr lang="en-US"/>
           </a:p>
@@ -1982,7 +1982,7 @@
           <a:p>
             <a:fld id="{9E3F4D72-DA31-1945-A80B-752F747DFB35}" type="datetimeFigureOut">
               <a:rPr lang="en-US" smtClean="0"/>
-              <a:t>12/2/14</a:t>
+              <a:t>12/4/14</a:t>
             </a:fld>
             <a:endParaRPr lang="en-US"/>
           </a:p>
@@ -2259,7 +2259,7 @@
           <a:p>
             <a:fld id="{9E3F4D72-DA31-1945-A80B-752F747DFB35}" type="datetimeFigureOut">
               <a:rPr lang="en-US" smtClean="0"/>
-              <a:t>12/2/14</a:t>
+              <a:t>12/4/14</a:t>
             </a:fld>
             <a:endParaRPr lang="en-US"/>
           </a:p>
@@ -2512,7 +2512,7 @@
           <a:p>
             <a:fld id="{9E3F4D72-DA31-1945-A80B-752F747DFB35}" type="datetimeFigureOut">
               <a:rPr lang="en-US" smtClean="0"/>
-              <a:t>12/2/14</a:t>
+              <a:t>12/4/14</a:t>
             </a:fld>
             <a:endParaRPr lang="en-US"/>
           </a:p>
@@ -2725,7 +2725,7 @@
           <a:p>
             <a:fld id="{9E3F4D72-DA31-1945-A80B-752F747DFB35}" type="datetimeFigureOut">
               <a:rPr lang="en-US" smtClean="0"/>
-              <a:t>12/2/14</a:t>
+              <a:t>12/4/14</a:t>
             </a:fld>
             <a:endParaRPr lang="en-US"/>
           </a:p>
@@ -3100,6 +3100,66 @@
           <a:chExt cx="0" cy="0"/>
         </a:xfrm>
       </p:grpSpPr>
+      <p:pic>
+        <p:nvPicPr>
+          <p:cNvPr id="27" name="Picture 26" descr="Results2.png"/>
+          <p:cNvPicPr>
+            <a:picLocks noChangeAspect="1"/>
+          </p:cNvPicPr>
+          <p:nvPr/>
+        </p:nvPicPr>
+        <p:blipFill>
+          <a:blip r:embed="rId3">
+            <a:extLst>
+              <a:ext uri="{28A0092B-C50C-407E-A947-70E740481C1C}">
+                <a14:useLocalDpi xmlns:a14="http://schemas.microsoft.com/office/drawing/2010/main" val="0"/>
+              </a:ext>
+            </a:extLst>
+          </a:blip>
+          <a:stretch>
+            <a:fillRect/>
+          </a:stretch>
+        </p:blipFill>
+        <p:spPr>
+          <a:xfrm>
+            <a:off x="20688562" y="13349507"/>
+            <a:ext cx="6503617" cy="3902170"/>
+          </a:xfrm>
+          <a:prstGeom prst="rect">
+            <a:avLst/>
+          </a:prstGeom>
+        </p:spPr>
+      </p:pic>
+      <p:pic>
+        <p:nvPicPr>
+          <p:cNvPr id="17" name="Picture 16" descr="Missing_data.eps"/>
+          <p:cNvPicPr>
+            <a:picLocks noChangeAspect="1"/>
+          </p:cNvPicPr>
+          <p:nvPr/>
+        </p:nvPicPr>
+        <p:blipFill>
+          <a:blip r:embed="rId4">
+            <a:extLst>
+              <a:ext uri="{28A0092B-C50C-407E-A947-70E740481C1C}">
+                <a14:useLocalDpi xmlns:a14="http://schemas.microsoft.com/office/drawing/2010/main" val="0"/>
+              </a:ext>
+            </a:extLst>
+          </a:blip>
+          <a:stretch>
+            <a:fillRect/>
+          </a:stretch>
+        </p:blipFill>
+        <p:spPr>
+          <a:xfrm>
+            <a:off x="4652146" y="13728205"/>
+            <a:ext cx="5517668" cy="3410077"/>
+          </a:xfrm>
+          <a:prstGeom prst="rect">
+            <a:avLst/>
+          </a:prstGeom>
+        </p:spPr>
+      </p:pic>
       <p:graphicFrame>
         <p:nvGraphicFramePr>
           <p:cNvPr id="8" name="Object 7"/>
@@ -3109,25 +3169,25 @@
           <p:nvPr>
             <p:extLst>
               <p:ext uri="{D42A27DB-BD31-4B8C-83A1-F6EECF244321}">
-                <p14:modId xmlns:p14="http://schemas.microsoft.com/office/powerpoint/2010/main" val="103923257"/>
+                <p14:modId xmlns:p14="http://schemas.microsoft.com/office/powerpoint/2010/main" val="584622990"/>
               </p:ext>
             </p:extLst>
           </p:nvPr>
         </p:nvGraphicFramePr>
         <p:xfrm>
-          <a:off x="3256576" y="12166129"/>
+          <a:off x="3256576" y="12115999"/>
           <a:ext cx="10475770" cy="1042727"/>
         </p:xfrm>
         <a:graphic>
           <a:graphicData uri="http://schemas.openxmlformats.org/presentationml/2006/ole">
             <mc:AlternateContent xmlns:mc="http://schemas.openxmlformats.org/markup-compatibility/2006">
               <mc:Choice xmlns:v="urn:schemas-microsoft-com:vml" Requires="v">
-                <p:oleObj spid="_x0000_s1108" name="Document" r:id="rId3" imgW="5486400" imgH="546100" progId="Word.Document.12">
+                <p:oleObj spid="_x0000_s1134" name="Document" r:id="rId5" imgW="5486400" imgH="546100" progId="Word.Document.12">
                   <p:embed/>
                 </p:oleObj>
               </mc:Choice>
               <mc:Fallback>
-                <p:oleObj name="Document" r:id="rId3" imgW="5486400" imgH="546100" progId="Word.Document.12">
+                <p:oleObj name="Document" r:id="rId5" imgW="5486400" imgH="546100" progId="Word.Document.12">
                   <p:embed/>
                   <p:pic>
                     <p:nvPicPr>
@@ -3136,14 +3196,14 @@
                       <p:nvPr/>
                     </p:nvPicPr>
                     <p:blipFill>
-                      <a:blip r:embed="rId4"/>
+                      <a:blip r:embed="rId6"/>
                       <a:stretch>
                         <a:fillRect/>
                       </a:stretch>
                     </p:blipFill>
                     <p:spPr>
                       <a:xfrm>
-                        <a:off x="3256576" y="12166129"/>
+                        <a:off x="3256576" y="12115999"/>
                         <a:ext cx="10475770" cy="1042727"/>
                       </a:xfrm>
                       <a:prstGeom prst="rect">
@@ -3173,120 +3233,6 @@
         </p:grpSpPr>
         <p:graphicFrame>
           <p:nvGraphicFramePr>
-            <p:cNvPr id="15" name="Object 14"/>
-            <p:cNvGraphicFramePr>
-              <a:graphicFrameLocks noChangeAspect="1"/>
-            </p:cNvGraphicFramePr>
-            <p:nvPr>
-              <p:extLst>
-                <p:ext uri="{D42A27DB-BD31-4B8C-83A1-F6EECF244321}">
-                  <p14:modId xmlns:p14="http://schemas.microsoft.com/office/powerpoint/2010/main" val="3864235957"/>
-                </p:ext>
-              </p:extLst>
-            </p:nvPr>
-          </p:nvGraphicFramePr>
-          <p:xfrm>
-            <a:off x="11396503" y="12777972"/>
-            <a:ext cx="8106666" cy="788148"/>
-          </p:xfrm>
-          <a:graphic>
-            <a:graphicData uri="http://schemas.openxmlformats.org/presentationml/2006/ole">
-              <mc:AlternateContent xmlns:mc="http://schemas.openxmlformats.org/markup-compatibility/2006">
-                <mc:Choice xmlns:v="urn:schemas-microsoft-com:vml" Requires="v">
-                  <p:oleObj spid="_x0000_s1109" name="Document" r:id="rId5" imgW="5486400" imgH="533400" progId="Word.Document.12">
-                    <p:embed/>
-                  </p:oleObj>
-                </mc:Choice>
-                <mc:Fallback>
-                  <p:oleObj name="Document" r:id="rId5" imgW="5486400" imgH="533400" progId="Word.Document.12">
-                    <p:embed/>
-                    <p:pic>
-                      <p:nvPicPr>
-                        <p:cNvPr id="0" name=""/>
-                        <p:cNvPicPr/>
-                        <p:nvPr/>
-                      </p:nvPicPr>
-                      <p:blipFill>
-                        <a:blip r:embed="rId6"/>
-                        <a:stretch>
-                          <a:fillRect/>
-                        </a:stretch>
-                      </p:blipFill>
-                      <p:spPr>
-                        <a:xfrm>
-                          <a:off x="11396503" y="12777972"/>
-                          <a:ext cx="8106666" cy="788148"/>
-                        </a:xfrm>
-                        <a:prstGeom prst="rect">
-                          <a:avLst/>
-                        </a:prstGeom>
-                      </p:spPr>
-                    </p:pic>
-                  </p:oleObj>
-                </mc:Fallback>
-              </mc:AlternateContent>
-            </a:graphicData>
-          </a:graphic>
-        </p:graphicFrame>
-        <p:graphicFrame>
-          <p:nvGraphicFramePr>
-            <p:cNvPr id="14" name="Object 13"/>
-            <p:cNvGraphicFramePr>
-              <a:graphicFrameLocks noChangeAspect="1"/>
-            </p:cNvGraphicFramePr>
-            <p:nvPr>
-              <p:extLst>
-                <p:ext uri="{D42A27DB-BD31-4B8C-83A1-F6EECF244321}">
-                  <p14:modId xmlns:p14="http://schemas.microsoft.com/office/powerpoint/2010/main" val="1742625906"/>
-                </p:ext>
-              </p:extLst>
-            </p:nvPr>
-          </p:nvGraphicFramePr>
-          <p:xfrm>
-            <a:off x="12076846" y="11435102"/>
-            <a:ext cx="11689806" cy="541195"/>
-          </p:xfrm>
-          <a:graphic>
-            <a:graphicData uri="http://schemas.openxmlformats.org/presentationml/2006/ole">
-              <mc:AlternateContent xmlns:mc="http://schemas.openxmlformats.org/markup-compatibility/2006">
-                <mc:Choice xmlns:v="urn:schemas-microsoft-com:vml" Requires="v">
-                  <p:oleObj spid="_x0000_s1110" name="Document" r:id="rId7" imgW="5486400" imgH="254000" progId="Word.Document.12">
-                    <p:embed/>
-                  </p:oleObj>
-                </mc:Choice>
-                <mc:Fallback>
-                  <p:oleObj name="Document" r:id="rId7" imgW="5486400" imgH="254000" progId="Word.Document.12">
-                    <p:embed/>
-                    <p:pic>
-                      <p:nvPicPr>
-                        <p:cNvPr id="0" name=""/>
-                        <p:cNvPicPr/>
-                        <p:nvPr/>
-                      </p:nvPicPr>
-                      <p:blipFill>
-                        <a:blip r:embed="rId8"/>
-                        <a:stretch>
-                          <a:fillRect/>
-                        </a:stretch>
-                      </p:blipFill>
-                      <p:spPr>
-                        <a:xfrm>
-                          <a:off x="12076846" y="11435102"/>
-                          <a:ext cx="11689806" cy="541195"/>
-                        </a:xfrm>
-                        <a:prstGeom prst="rect">
-                          <a:avLst/>
-                        </a:prstGeom>
-                      </p:spPr>
-                    </p:pic>
-                  </p:oleObj>
-                </mc:Fallback>
-              </mc:AlternateContent>
-            </a:graphicData>
-          </a:graphic>
-        </p:graphicFrame>
-        <p:graphicFrame>
-          <p:nvGraphicFramePr>
             <p:cNvPr id="13" name="Object 12"/>
             <p:cNvGraphicFramePr>
               <a:graphicFrameLocks noChangeAspect="1"/>
@@ -3294,7 +3240,7 @@
             <p:nvPr>
               <p:extLst>
                 <p:ext uri="{D42A27DB-BD31-4B8C-83A1-F6EECF244321}">
-                  <p14:modId xmlns:p14="http://schemas.microsoft.com/office/powerpoint/2010/main" val="1883279557"/>
+                  <p14:modId xmlns:p14="http://schemas.microsoft.com/office/powerpoint/2010/main" val="3264997618"/>
                 </p:ext>
               </p:extLst>
             </p:nvPr>
@@ -3307,12 +3253,12 @@
             <a:graphicData uri="http://schemas.openxmlformats.org/presentationml/2006/ole">
               <mc:AlternateContent xmlns:mc="http://schemas.openxmlformats.org/markup-compatibility/2006">
                 <mc:Choice xmlns:v="urn:schemas-microsoft-com:vml" Requires="v">
-                  <p:oleObj spid="_x0000_s1111" name="Document" r:id="rId9" imgW="5486400" imgH="419100" progId="Word.Document.12">
+                  <p:oleObj spid="_x0000_s1135" name="Document" r:id="rId7" imgW="5486400" imgH="419100" progId="Word.Document.12">
                     <p:embed/>
                   </p:oleObj>
                 </mc:Choice>
                 <mc:Fallback>
-                  <p:oleObj name="Document" r:id="rId9" imgW="5486400" imgH="419100" progId="Word.Document.12">
+                  <p:oleObj name="Document" r:id="rId7" imgW="5486400" imgH="419100" progId="Word.Document.12">
                     <p:embed/>
                     <p:pic>
                       <p:nvPicPr>
@@ -3321,7 +3267,7 @@
                         <p:nvPr/>
                       </p:nvPicPr>
                       <p:blipFill>
-                        <a:blip r:embed="rId10"/>
+                        <a:blip r:embed="rId8"/>
                         <a:stretch>
                           <a:fillRect/>
                         </a:stretch>
@@ -3351,7 +3297,7 @@
             <p:nvPr>
               <p:extLst>
                 <p:ext uri="{D42A27DB-BD31-4B8C-83A1-F6EECF244321}">
-                  <p14:modId xmlns:p14="http://schemas.microsoft.com/office/powerpoint/2010/main" val="2592737608"/>
+                  <p14:modId xmlns:p14="http://schemas.microsoft.com/office/powerpoint/2010/main" val="4273485796"/>
                 </p:ext>
               </p:extLst>
             </p:nvPr>
@@ -3364,12 +3310,12 @@
             <a:graphicData uri="http://schemas.openxmlformats.org/presentationml/2006/ole">
               <mc:AlternateContent xmlns:mc="http://schemas.openxmlformats.org/markup-compatibility/2006">
                 <mc:Choice xmlns:v="urn:schemas-microsoft-com:vml" Requires="v">
-                  <p:oleObj spid="_x0000_s1112" name="Document" r:id="rId11" imgW="5486400" imgH="241300" progId="Word.Document.12">
+                  <p:oleObj spid="_x0000_s1136" name="Document" r:id="rId9" imgW="5486400" imgH="241300" progId="Word.Document.12">
                     <p:embed/>
                   </p:oleObj>
                 </mc:Choice>
                 <mc:Fallback>
-                  <p:oleObj name="Document" r:id="rId11" imgW="5486400" imgH="241300" progId="Word.Document.12">
+                  <p:oleObj name="Document" r:id="rId9" imgW="5486400" imgH="241300" progId="Word.Document.12">
                     <p:embed/>
                     <p:pic>
                       <p:nvPicPr>
@@ -3378,7 +3324,7 @@
                         <p:nvPr/>
                       </p:nvPicPr>
                       <p:blipFill>
-                        <a:blip r:embed="rId12"/>
+                        <a:blip r:embed="rId10"/>
                         <a:stretch>
                           <a:fillRect/>
                         </a:stretch>
@@ -3399,51 +3345,121 @@
             </a:graphicData>
           </a:graphic>
         </p:graphicFrame>
+        <p:graphicFrame>
+          <p:nvGraphicFramePr>
+            <p:cNvPr id="14" name="Object 13"/>
+            <p:cNvGraphicFramePr>
+              <a:graphicFrameLocks noChangeAspect="1"/>
+            </p:cNvGraphicFramePr>
+            <p:nvPr>
+              <p:extLst>
+                <p:ext uri="{D42A27DB-BD31-4B8C-83A1-F6EECF244321}">
+                  <p14:modId xmlns:p14="http://schemas.microsoft.com/office/powerpoint/2010/main" val="2839510635"/>
+                </p:ext>
+              </p:extLst>
+            </p:nvPr>
+          </p:nvGraphicFramePr>
+          <p:xfrm>
+            <a:off x="12076846" y="11435102"/>
+            <a:ext cx="11689806" cy="541195"/>
+          </p:xfrm>
+          <a:graphic>
+            <a:graphicData uri="http://schemas.openxmlformats.org/presentationml/2006/ole">
+              <mc:AlternateContent xmlns:mc="http://schemas.openxmlformats.org/markup-compatibility/2006">
+                <mc:Choice xmlns:v="urn:schemas-microsoft-com:vml" Requires="v">
+                  <p:oleObj spid="_x0000_s1137" name="Document" r:id="rId11" imgW="5486400" imgH="254000" progId="Word.Document.12">
+                    <p:embed/>
+                  </p:oleObj>
+                </mc:Choice>
+                <mc:Fallback>
+                  <p:oleObj name="Document" r:id="rId11" imgW="5486400" imgH="254000" progId="Word.Document.12">
+                    <p:embed/>
+                    <p:pic>
+                      <p:nvPicPr>
+                        <p:cNvPr id="0" name=""/>
+                        <p:cNvPicPr/>
+                        <p:nvPr/>
+                      </p:nvPicPr>
+                      <p:blipFill>
+                        <a:blip r:embed="rId12"/>
+                        <a:stretch>
+                          <a:fillRect/>
+                        </a:stretch>
+                      </p:blipFill>
+                      <p:spPr>
+                        <a:xfrm>
+                          <a:off x="12076846" y="11435102"/>
+                          <a:ext cx="11689806" cy="541195"/>
+                        </a:xfrm>
+                        <a:prstGeom prst="rect">
+                          <a:avLst/>
+                        </a:prstGeom>
+                      </p:spPr>
+                    </p:pic>
+                  </p:oleObj>
+                </mc:Fallback>
+              </mc:AlternateContent>
+            </a:graphicData>
+          </a:graphic>
+        </p:graphicFrame>
+        <p:graphicFrame>
+          <p:nvGraphicFramePr>
+            <p:cNvPr id="15" name="Object 14"/>
+            <p:cNvGraphicFramePr>
+              <a:graphicFrameLocks noChangeAspect="1"/>
+            </p:cNvGraphicFramePr>
+            <p:nvPr>
+              <p:extLst>
+                <p:ext uri="{D42A27DB-BD31-4B8C-83A1-F6EECF244321}">
+                  <p14:modId xmlns:p14="http://schemas.microsoft.com/office/powerpoint/2010/main" val="3864235957"/>
+                </p:ext>
+              </p:extLst>
+            </p:nvPr>
+          </p:nvGraphicFramePr>
+          <p:xfrm>
+            <a:off x="11396503" y="12777972"/>
+            <a:ext cx="8106666" cy="788148"/>
+          </p:xfrm>
+          <a:graphic>
+            <a:graphicData uri="http://schemas.openxmlformats.org/presentationml/2006/ole">
+              <mc:AlternateContent xmlns:mc="http://schemas.openxmlformats.org/markup-compatibility/2006">
+                <mc:Choice xmlns:v="urn:schemas-microsoft-com:vml" Requires="v">
+                  <p:oleObj spid="_x0000_s1138" name="Document" r:id="rId13" imgW="5486400" imgH="533400" progId="Word.Document.12">
+                    <p:embed/>
+                  </p:oleObj>
+                </mc:Choice>
+                <mc:Fallback>
+                  <p:oleObj name="Document" r:id="rId13" imgW="5486400" imgH="533400" progId="Word.Document.12">
+                    <p:embed/>
+                    <p:pic>
+                      <p:nvPicPr>
+                        <p:cNvPr id="0" name=""/>
+                        <p:cNvPicPr/>
+                        <p:nvPr/>
+                      </p:nvPicPr>
+                      <p:blipFill>
+                        <a:blip r:embed="rId14"/>
+                        <a:stretch>
+                          <a:fillRect/>
+                        </a:stretch>
+                      </p:blipFill>
+                      <p:spPr>
+                        <a:xfrm>
+                          <a:off x="11396503" y="12777972"/>
+                          <a:ext cx="8106666" cy="788148"/>
+                        </a:xfrm>
+                        <a:prstGeom prst="rect">
+                          <a:avLst/>
+                        </a:prstGeom>
+                      </p:spPr>
+                    </p:pic>
+                  </p:oleObj>
+                </mc:Fallback>
+              </mc:AlternateContent>
+            </a:graphicData>
+          </a:graphic>
+        </p:graphicFrame>
       </p:grpSp>
-      <p:sp>
-        <p:nvSpPr>
-          <p:cNvPr id="6" name="Rectangle 5"/>
-          <p:cNvSpPr/>
-          <p:nvPr/>
-        </p:nvSpPr>
-        <p:spPr>
-          <a:xfrm>
-            <a:off x="308900" y="274620"/>
-            <a:ext cx="26805619" cy="17713013"/>
-          </a:xfrm>
-          <a:prstGeom prst="rect">
-            <a:avLst/>
-          </a:prstGeom>
-          <a:noFill/>
-          <a:ln w="635000" cmpd="sng">
-            <a:solidFill>
-              <a:srgbClr val="800000"/>
-            </a:solidFill>
-          </a:ln>
-        </p:spPr>
-        <p:style>
-          <a:lnRef idx="1">
-            <a:schemeClr val="accent1"/>
-          </a:lnRef>
-          <a:fillRef idx="3">
-            <a:schemeClr val="accent1"/>
-          </a:fillRef>
-          <a:effectRef idx="2">
-            <a:schemeClr val="accent1"/>
-          </a:effectRef>
-          <a:fontRef idx="minor">
-            <a:schemeClr val="lt1"/>
-          </a:fontRef>
-        </p:style>
-        <p:txBody>
-          <a:bodyPr lIns="106674" tIns="53337" rIns="106674" bIns="53337" rtlCol="0" anchor="ctr"/>
-          <a:lstStyle/>
-          <a:p>
-            <a:pPr algn="ctr"/>
-            <a:endParaRPr lang="en-US"/>
-          </a:p>
-        </p:txBody>
-      </p:sp>
       <p:sp>
         <p:nvSpPr>
           <p:cNvPr id="7" name="Rectangle 5"/>
@@ -3720,7 +3736,7 @@
           <p:nvPr/>
         </p:nvPicPr>
         <p:blipFill>
-          <a:blip r:embed="rId13">
+          <a:blip r:embed="rId15">
             <a:extLst>
               <a:ext uri="{28A0092B-C50C-407E-A947-70E740481C1C}">
                 <a14:useLocalDpi xmlns:a14="http://schemas.microsoft.com/office/drawing/2010/main" val="0"/>
@@ -3750,7 +3766,7 @@
           <p:nvPr/>
         </p:nvPicPr>
         <p:blipFill>
-          <a:blip r:embed="rId14">
+          <a:blip r:embed="rId16">
             <a:extLst>
               <a:ext uri="{28A0092B-C50C-407E-A947-70E740481C1C}">
                 <a14:useLocalDpi xmlns:a14="http://schemas.microsoft.com/office/drawing/2010/main" val="0"/>
@@ -3779,8 +3795,8 @@
         </p:nvSpPr>
         <p:spPr>
           <a:xfrm>
-            <a:off x="9575885" y="3388630"/>
-            <a:ext cx="8229600" cy="723269"/>
+            <a:off x="9575884" y="3388630"/>
+            <a:ext cx="8229601" cy="723269"/>
           </a:xfrm>
           <a:prstGeom prst="rect">
             <a:avLst/>
@@ -3933,8 +3949,8 @@
         </p:nvSpPr>
         <p:spPr>
           <a:xfrm>
-            <a:off x="18628232" y="16884206"/>
-            <a:ext cx="8229600" cy="1107996"/>
+            <a:off x="18271702" y="16929564"/>
+            <a:ext cx="8198084" cy="1107996"/>
           </a:xfrm>
           <a:prstGeom prst="rect">
             <a:avLst/>
@@ -4120,36 +4136,6 @@
           </a:p>
         </p:txBody>
       </p:sp>
-      <p:pic>
-        <p:nvPicPr>
-          <p:cNvPr id="29" name="Picture 28" descr="Screen Shot 2014-11-28 at 1.39.23 PM.pdf"/>
-          <p:cNvPicPr>
-            <a:picLocks noChangeAspect="1"/>
-          </p:cNvPicPr>
-          <p:nvPr/>
-        </p:nvPicPr>
-        <p:blipFill>
-          <a:blip r:embed="rId15">
-            <a:extLst>
-              <a:ext uri="{28A0092B-C50C-407E-A947-70E740481C1C}">
-                <a14:useLocalDpi xmlns:a14="http://schemas.microsoft.com/office/drawing/2010/main" val="0"/>
-              </a:ext>
-            </a:extLst>
-          </a:blip>
-          <a:stretch>
-            <a:fillRect/>
-          </a:stretch>
-        </p:blipFill>
-        <p:spPr>
-          <a:xfrm>
-            <a:off x="5182884" y="13996937"/>
-            <a:ext cx="4129676" cy="3447483"/>
-          </a:xfrm>
-          <a:prstGeom prst="rect">
-            <a:avLst/>
-          </a:prstGeom>
-        </p:spPr>
-      </p:pic>
       <p:sp>
         <p:nvSpPr>
           <p:cNvPr id="30" name="TextBox 29"/>
@@ -4158,7 +4144,7 @@
         </p:nvSpPr>
         <p:spPr>
           <a:xfrm>
-            <a:off x="995199" y="13194594"/>
+            <a:off x="995199" y="13020058"/>
             <a:ext cx="8198084" cy="630936"/>
           </a:xfrm>
           <a:prstGeom prst="rect">
@@ -4189,7 +4175,7 @@
         </p:nvSpPr>
         <p:spPr>
           <a:xfrm>
-            <a:off x="9575885" y="5984714"/>
+            <a:off x="9621241" y="5984714"/>
             <a:ext cx="8198084" cy="630936"/>
           </a:xfrm>
           <a:prstGeom prst="rect">
@@ -4206,7 +4192,7 @@
             <a:pPr algn="ctr"/>
             <a:r>
               <a:rPr lang="en-US" sz="3400" b="1" dirty="0" smtClean="0"/>
-              <a:t>Regression Models</a:t>
+              <a:t>Models</a:t>
             </a:r>
             <a:endParaRPr lang="en-US" sz="3400" b="1" dirty="0"/>
           </a:p>
@@ -4251,7 +4237,7 @@
         </p:nvSpPr>
         <p:spPr>
           <a:xfrm>
-            <a:off x="9575885" y="4058499"/>
+            <a:off x="9621241" y="4058499"/>
             <a:ext cx="8198084" cy="630936"/>
           </a:xfrm>
           <a:prstGeom prst="rect">
@@ -4271,362 +4257,6 @@
               <a:t>Features</a:t>
             </a:r>
             <a:endParaRPr lang="en-US" sz="3400" b="1" dirty="0"/>
-          </a:p>
-        </p:txBody>
-      </p:sp>
-      <p:sp>
-        <p:nvSpPr>
-          <p:cNvPr id="34" name="TextBox 33"/>
-          <p:cNvSpPr txBox="1"/>
-          <p:nvPr/>
-        </p:nvSpPr>
-        <p:spPr>
-          <a:xfrm>
-            <a:off x="18240185" y="11107532"/>
-            <a:ext cx="8198084" cy="630936"/>
-          </a:xfrm>
-          <a:prstGeom prst="rect">
-            <a:avLst/>
-          </a:prstGeom>
-          <a:noFill/>
-        </p:spPr>
-        <p:txBody>
-          <a:bodyPr wrap="square" lIns="106674" tIns="53337" rIns="106674" bIns="53337" rtlCol="0">
-            <a:spAutoFit/>
-          </a:bodyPr>
-          <a:lstStyle/>
-          <a:p>
-            <a:pPr algn="ctr"/>
-            <a:r>
-              <a:rPr lang="en-US" sz="3400" b="1" dirty="0" smtClean="0"/>
-              <a:t>Conclusion</a:t>
-            </a:r>
-          </a:p>
-        </p:txBody>
-      </p:sp>
-      <p:sp>
-        <p:nvSpPr>
-          <p:cNvPr id="37" name="TextBox 36"/>
-          <p:cNvSpPr txBox="1"/>
-          <p:nvPr/>
-        </p:nvSpPr>
-        <p:spPr>
-          <a:xfrm>
-            <a:off x="9575885" y="6504402"/>
-            <a:ext cx="8229600" cy="11541619"/>
-          </a:xfrm>
-          <a:prstGeom prst="rect">
-            <a:avLst/>
-          </a:prstGeom>
-          <a:noFill/>
-        </p:spPr>
-        <p:txBody>
-          <a:bodyPr wrap="square" rtlCol="0">
-            <a:spAutoFit/>
-          </a:bodyPr>
-          <a:lstStyle/>
-          <a:p>
-            <a:pPr marL="457200" indent="-457200">
-              <a:buFont typeface="Arial"/>
-              <a:buChar char="•"/>
-            </a:pPr>
-            <a:r>
-              <a:rPr lang="en-US" sz="2400" dirty="0" smtClean="0"/>
-              <a:t>Linear Regression- fits </a:t>
-            </a:r>
-            <a:r>
-              <a:rPr lang="en-US" sz="2400" dirty="0"/>
-              <a:t>a linear model </a:t>
-            </a:r>
-            <a:r>
-              <a:rPr lang="en-US" sz="2400" dirty="0" smtClean="0"/>
-              <a:t>by solving </a:t>
-            </a:r>
-            <a:r>
-              <a:rPr lang="en-US" sz="2400" dirty="0"/>
-              <a:t>the following optimization problem to find the estimated parameters.</a:t>
-            </a:r>
-          </a:p>
-          <a:p>
-            <a:endParaRPr lang="en-US" sz="3600" dirty="0" smtClean="0"/>
-          </a:p>
-          <a:p>
-            <a:pPr marL="457200" indent="-457200">
-              <a:buFont typeface="Arial"/>
-              <a:buChar char="•"/>
-            </a:pPr>
-            <a:r>
-              <a:rPr lang="en-US" sz="2400" dirty="0" smtClean="0"/>
-              <a:t>Ridge </a:t>
-            </a:r>
-            <a:r>
-              <a:rPr lang="en-US" sz="2400" dirty="0"/>
-              <a:t>Regression</a:t>
-            </a:r>
-            <a:r>
-              <a:rPr lang="en-US" sz="2400" dirty="0" smtClean="0"/>
-              <a:t>- </a:t>
-            </a:r>
-            <a:r>
-              <a:rPr lang="en-US" sz="2400" dirty="0"/>
-              <a:t>a linear model </a:t>
-            </a:r>
-            <a:r>
-              <a:rPr lang="en-US" sz="2400" dirty="0" smtClean="0"/>
-              <a:t>with regularization with the l2 norm and a tuning parameter that was chosen with leave one out cross validation which solves the following problem.</a:t>
-            </a:r>
-          </a:p>
-          <a:p>
-            <a:endParaRPr lang="en-US" sz="3600" dirty="0" smtClean="0"/>
-          </a:p>
-          <a:p>
-            <a:pPr marL="457200" indent="-457200">
-              <a:buFont typeface="Arial"/>
-              <a:buChar char="•"/>
-            </a:pPr>
-            <a:r>
-              <a:rPr lang="en-US" sz="2400" dirty="0" smtClean="0"/>
-              <a:t>The Lasso- </a:t>
-            </a:r>
-            <a:r>
-              <a:rPr lang="en-US" sz="2400" dirty="0"/>
-              <a:t>a linear model with regularization with the </a:t>
-            </a:r>
-            <a:r>
-              <a:rPr lang="en-US" sz="2400" dirty="0" smtClean="0"/>
-              <a:t>l1 </a:t>
-            </a:r>
-            <a:r>
-              <a:rPr lang="en-US" sz="2400" dirty="0"/>
-              <a:t>norm and a tuning parameter that was chosen with leave one out cross validation which solves the following problem.</a:t>
-            </a:r>
-          </a:p>
-          <a:p>
-            <a:endParaRPr lang="en-US" sz="3600" dirty="0" smtClean="0"/>
-          </a:p>
-          <a:p>
-            <a:pPr marL="457200" indent="-457200">
-              <a:buFont typeface="Arial"/>
-              <a:buChar char="•"/>
-            </a:pPr>
-            <a:r>
-              <a:rPr lang="en-US" sz="2400" dirty="0" smtClean="0"/>
-              <a:t>Elastic Net- </a:t>
-            </a:r>
-            <a:r>
-              <a:rPr lang="en-US" sz="2400" dirty="0"/>
-              <a:t>regression model trained with L1 and L2 prior as </a:t>
-            </a:r>
-            <a:r>
-              <a:rPr lang="en-US" sz="2400" dirty="0" err="1" smtClean="0"/>
-              <a:t>regularizer</a:t>
-            </a:r>
-            <a:r>
-              <a:rPr lang="en-US" sz="2400" dirty="0" smtClean="0"/>
-              <a:t>, which minimizes the following problem.</a:t>
-            </a:r>
-            <a:endParaRPr lang="en-US" sz="2400" dirty="0"/>
-          </a:p>
-          <a:p>
-            <a:endParaRPr lang="en-US" sz="3600" dirty="0" smtClean="0"/>
-          </a:p>
-          <a:p>
-            <a:pPr marL="342900" indent="-342900">
-              <a:buFont typeface="Arial"/>
-              <a:buChar char="•"/>
-            </a:pPr>
-            <a:r>
-              <a:rPr lang="en-US" sz="2400" dirty="0" smtClean="0"/>
-              <a:t>Random Forest</a:t>
-            </a:r>
-            <a:r>
-              <a:rPr lang="en-US" sz="2400" dirty="0"/>
-              <a:t>- ensemble learning method that is based from </a:t>
-            </a:r>
-            <a:r>
-              <a:rPr lang="en-US" sz="2400" dirty="0" smtClean="0"/>
-              <a:t>decision </a:t>
-            </a:r>
-            <a:r>
-              <a:rPr lang="en-US" sz="2400" dirty="0"/>
-              <a:t>trees</a:t>
-            </a:r>
-            <a:r>
-              <a:rPr lang="en-US" sz="2400" dirty="0" smtClean="0"/>
-              <a:t>. Each </a:t>
-            </a:r>
-            <a:r>
-              <a:rPr lang="en-US" sz="2400" dirty="0"/>
-              <a:t>tree in the ensemble is built from </a:t>
-            </a:r>
-            <a:r>
-              <a:rPr lang="en-US" sz="2400" dirty="0" smtClean="0"/>
-              <a:t>a </a:t>
-            </a:r>
-            <a:r>
-              <a:rPr lang="en-US" sz="2400" dirty="0"/>
-              <a:t>bootstrap </a:t>
-            </a:r>
-            <a:r>
-              <a:rPr lang="en-US" sz="2400" dirty="0" smtClean="0"/>
-              <a:t>sample </a:t>
-            </a:r>
-            <a:r>
-              <a:rPr lang="en-US" sz="2400" dirty="0"/>
-              <a:t>from the training </a:t>
-            </a:r>
-            <a:r>
-              <a:rPr lang="en-US" sz="2400" dirty="0" smtClean="0"/>
-              <a:t>set. The split </a:t>
-            </a:r>
-            <a:r>
-              <a:rPr lang="en-US" sz="2400" dirty="0"/>
-              <a:t>that is picked is the best split among a random subset of </a:t>
-            </a:r>
-            <a:r>
-              <a:rPr lang="en-US" sz="2400" dirty="0" smtClean="0"/>
-              <a:t>features</a:t>
-            </a:r>
-            <a:r>
-              <a:rPr lang="en-US" sz="2400" dirty="0"/>
-              <a:t>. </a:t>
-            </a:r>
-            <a:endParaRPr lang="en-US" sz="2400" dirty="0" smtClean="0"/>
-          </a:p>
-          <a:p>
-            <a:pPr marL="342900" indent="-342900">
-              <a:buFont typeface="Arial"/>
-              <a:buChar char="•"/>
-            </a:pPr>
-            <a:r>
-              <a:rPr lang="en-US" sz="2400" dirty="0" smtClean="0"/>
-              <a:t>Factorization Machine- </a:t>
-            </a:r>
-            <a:r>
-              <a:rPr lang="en-US" sz="2400" dirty="0"/>
-              <a:t>generic approach that allows to </a:t>
-            </a:r>
-            <a:r>
-              <a:rPr lang="en-US" sz="2400" dirty="0" smtClean="0"/>
-              <a:t>mimic </a:t>
-            </a:r>
-            <a:r>
-              <a:rPr lang="en-US" sz="2400" dirty="0"/>
-              <a:t>factorization models by feature </a:t>
-            </a:r>
-            <a:r>
-              <a:rPr lang="en-US" sz="2400" dirty="0" smtClean="0"/>
-              <a:t>engineering, which </a:t>
-            </a:r>
-            <a:r>
-              <a:rPr lang="en-US" sz="2400" dirty="0"/>
-              <a:t>combine the generality of feature engineering with the superiority of factorization models in estimating interactions between categorical variables of large domain. </a:t>
-            </a:r>
-            <a:endParaRPr lang="en-US" sz="2400" dirty="0" smtClean="0"/>
-          </a:p>
-          <a:p>
-            <a:pPr marL="342900" indent="-342900">
-              <a:buFont typeface="Arial"/>
-              <a:buChar char="•"/>
-            </a:pPr>
-            <a:r>
-              <a:rPr lang="en-US" sz="2400" dirty="0" smtClean="0"/>
-              <a:t>Collaborative Filtering- </a:t>
-            </a:r>
-            <a:r>
-              <a:rPr lang="en-US" sz="2400" dirty="0"/>
-              <a:t>Collaborative filtering is a technique that identifies patterns of user preferences towards certain items and makes </a:t>
-            </a:r>
-            <a:r>
-              <a:rPr lang="en-US" sz="2400" dirty="0" smtClean="0"/>
-              <a:t>recommendations</a:t>
-            </a:r>
-            <a:r>
-              <a:rPr lang="en-US" sz="2400" dirty="0"/>
-              <a:t>. Collaborative filtering uses a sparse matrix holding the rating of users to businesses and calculates a similarity </a:t>
-            </a:r>
-            <a:r>
-              <a:rPr lang="en-US" sz="2400" dirty="0" smtClean="0"/>
-              <a:t>score.</a:t>
-            </a:r>
-          </a:p>
-          <a:p>
-            <a:pPr marL="457200" indent="-457200">
-              <a:buFont typeface="Arial"/>
-              <a:buChar char="•"/>
-            </a:pPr>
-            <a:endParaRPr lang="en-US" sz="2400" dirty="0"/>
-          </a:p>
-        </p:txBody>
-      </p:sp>
-      <p:sp>
-        <p:nvSpPr>
-          <p:cNvPr id="40" name="TextBox 39"/>
-          <p:cNvSpPr txBox="1"/>
-          <p:nvPr/>
-        </p:nvSpPr>
-        <p:spPr>
-          <a:xfrm>
-            <a:off x="18240185" y="11688613"/>
-            <a:ext cx="8229599" cy="2308324"/>
-          </a:xfrm>
-          <a:prstGeom prst="rect">
-            <a:avLst/>
-          </a:prstGeom>
-          <a:noFill/>
-        </p:spPr>
-        <p:txBody>
-          <a:bodyPr wrap="square" rtlCol="0">
-            <a:spAutoFit/>
-          </a:bodyPr>
-          <a:lstStyle/>
-          <a:p>
-            <a:r>
-              <a:rPr lang="en-US" sz="2400" dirty="0"/>
-              <a:t>The results show that e</a:t>
-            </a:r>
-            <a:r>
-              <a:rPr lang="en-US" sz="2400" dirty="0" smtClean="0"/>
-              <a:t>lastic </a:t>
-            </a:r>
-            <a:r>
-              <a:rPr lang="en-US" sz="2400" dirty="0"/>
-              <a:t>n</a:t>
-            </a:r>
-            <a:r>
-              <a:rPr lang="en-US" sz="2400" dirty="0" smtClean="0"/>
-              <a:t>et using random values performed </a:t>
-            </a:r>
-            <a:r>
-              <a:rPr lang="en-US" sz="2400" dirty="0"/>
-              <a:t>the best. The results suggests that out of the simple imputation method, </a:t>
-            </a:r>
-            <a:r>
-              <a:rPr lang="en-US" sz="2400" dirty="0" smtClean="0"/>
-              <a:t>random values </a:t>
-            </a:r>
-            <a:r>
-              <a:rPr lang="en-US" sz="2400" dirty="0"/>
-              <a:t>performed the best in general. The </a:t>
-            </a:r>
-            <a:r>
-              <a:rPr lang="en-US" sz="2400" dirty="0" smtClean="0"/>
-              <a:t>models </a:t>
-            </a:r>
-            <a:r>
-              <a:rPr lang="en-US" sz="2400" dirty="0"/>
-              <a:t>that performed the best </a:t>
-            </a:r>
-            <a:r>
-              <a:rPr lang="en-US" sz="2400" dirty="0" smtClean="0"/>
-              <a:t>are lasso and elastic net. </a:t>
-            </a:r>
-          </a:p>
-          <a:p>
-            <a:endParaRPr lang="en-US" sz="2400" dirty="0"/>
-          </a:p>
-          <a:p>
-            <a:endParaRPr lang="en-US" sz="2400" dirty="0"/>
           </a:p>
         </p:txBody>
       </p:sp>
@@ -4810,8 +4440,8 @@
         </p:nvSpPr>
         <p:spPr>
           <a:xfrm>
-            <a:off x="930560" y="13757493"/>
-            <a:ext cx="4580220" cy="3785652"/>
+            <a:off x="930559" y="13506843"/>
+            <a:ext cx="4252323" cy="4154983"/>
           </a:xfrm>
           <a:prstGeom prst="rect">
             <a:avLst/>
@@ -4887,8 +4517,8 @@
         </p:nvSpPr>
         <p:spPr>
           <a:xfrm>
-            <a:off x="18240185" y="4689435"/>
-            <a:ext cx="8229600" cy="1200328"/>
+            <a:off x="18240185" y="4544679"/>
+            <a:ext cx="8229600" cy="2677656"/>
           </a:xfrm>
           <a:prstGeom prst="rect">
             <a:avLst/>
@@ -4903,7 +4533,47 @@
           <a:p>
             <a:r>
               <a:rPr lang="en-US" sz="2400" dirty="0" smtClean="0"/>
-              <a:t>Using a training set of 229,907 and a test set size of 22,956, we get the following result for each approach on the missing data and each model.</a:t>
+              <a:t>Using a training set of 229,907 and a test set size of </a:t>
+            </a:r>
+            <a:r>
+              <a:rPr lang="en-US" sz="2400" dirty="0" smtClean="0"/>
+              <a:t>36,404 </a:t>
+            </a:r>
+            <a:r>
+              <a:rPr lang="en-US" sz="2400" dirty="0" smtClean="0"/>
+              <a:t>we get the following result for each approach on the missing data and each model</a:t>
+            </a:r>
+            <a:r>
+              <a:rPr lang="en-US" sz="2400" dirty="0"/>
+              <a:t>. We applied other techniques to improve all of the above models. We used filtering using </a:t>
+            </a:r>
+            <a:r>
+              <a:rPr lang="en-US" sz="2400" dirty="0" smtClean="0"/>
+              <a:t>PCA- dimensionality reduction, </a:t>
+            </a:r>
+            <a:r>
+              <a:rPr lang="en-US" sz="2400" dirty="0"/>
+              <a:t>segmentation </a:t>
+            </a:r>
+            <a:r>
+              <a:rPr lang="en-US" sz="2400" dirty="0" smtClean="0"/>
+              <a:t>ensembles-building separate models for different portions of the data, </a:t>
+            </a:r>
+            <a:r>
+              <a:rPr lang="en-US" sz="2400" dirty="0"/>
+              <a:t>and blending with </a:t>
+            </a:r>
+            <a:r>
+              <a:rPr lang="en-US" sz="2400" dirty="0" smtClean="0"/>
+              <a:t>collaborative filtering</a:t>
+            </a:r>
+            <a:r>
+              <a:rPr lang="en-US" sz="2400" dirty="0"/>
+              <a:t> </a:t>
+            </a:r>
+            <a:r>
+              <a:rPr lang="en-US" sz="2400" dirty="0" smtClean="0"/>
+              <a:t>with data with nothing missing.</a:t>
             </a:r>
             <a:endParaRPr lang="en-US" sz="2400" dirty="0"/>
           </a:p>
@@ -4918,7 +4588,7 @@
         <p:spPr>
           <a:xfrm>
             <a:off x="9607402" y="4567358"/>
-            <a:ext cx="8166568" cy="1569660"/>
+            <a:ext cx="8396118" cy="1569660"/>
           </a:xfrm>
           <a:prstGeom prst="rect">
             <a:avLst/>
@@ -4932,16 +4602,16 @@
           <a:lstStyle/>
           <a:p>
             <a:r>
-              <a:rPr lang="en-US" sz="2400" dirty="0" smtClean="0"/>
-              <a:t>Gender, </a:t>
-            </a:r>
-            <a:r>
               <a:rPr lang="en-US" sz="2400" dirty="0"/>
-              <a:t>b</a:t>
-            </a:r>
-            <a:r>
-              <a:rPr lang="en-US" sz="2400" dirty="0" smtClean="0"/>
-              <a:t>usiness open, business </a:t>
+              <a:t>B</a:t>
+            </a:r>
+            <a:r>
+              <a:rPr lang="en-US" sz="2400" dirty="0" smtClean="0"/>
+              <a:t>usiness </a:t>
+            </a:r>
+            <a:r>
+              <a:rPr lang="en-US" sz="2400" dirty="0" smtClean="0"/>
+              <a:t>open, business </a:t>
             </a:r>
             <a:r>
               <a:rPr lang="en-US" sz="2400" dirty="0"/>
@@ -4989,45 +4659,27 @@
             </a:r>
             <a:r>
               <a:rPr lang="en-US" sz="2400" dirty="0" smtClean="0"/>
-              <a:t>votes, category average, name average, and interaction terms.</a:t>
-            </a:r>
-            <a:endParaRPr lang="en-US" sz="2400" dirty="0"/>
-          </a:p>
-        </p:txBody>
-      </p:sp>
-      <p:sp>
-        <p:nvSpPr>
-          <p:cNvPr id="2" name="TextBox 1"/>
-          <p:cNvSpPr txBox="1"/>
-          <p:nvPr/>
-        </p:nvSpPr>
-        <p:spPr>
-          <a:xfrm>
-            <a:off x="18240185" y="13367609"/>
-            <a:ext cx="4259120" cy="3416320"/>
-          </a:xfrm>
-          <a:prstGeom prst="rect">
-            <a:avLst/>
-          </a:prstGeom>
-          <a:noFill/>
-        </p:spPr>
-        <p:txBody>
-          <a:bodyPr wrap="square" rtlCol="0">
-            <a:spAutoFit/>
-          </a:bodyPr>
-          <a:lstStyle/>
-          <a:p>
-            <a:r>
-              <a:rPr lang="en-US" sz="2400" dirty="0" smtClean="0"/>
-              <a:t>We used other techniques in addition to the model that performed the best. </a:t>
+              <a:t>votes. </a:t>
             </a:r>
             <a:r>
               <a:rPr lang="en-US" sz="2400" dirty="0"/>
-              <a:t>We used collaborative filtering on the data </a:t>
-            </a:r>
-            <a:r>
-              <a:rPr lang="en-US" sz="2400" dirty="0" smtClean="0"/>
-              <a:t>where nothing is missing, PCA for dimensionality reduction, and segmentation ensemble which fits the model to each part of the missing data.. </a:t>
+              <a:t>C</a:t>
+            </a:r>
+            <a:r>
+              <a:rPr lang="en-US" sz="2400" dirty="0" smtClean="0"/>
+              <a:t>omputed features: gender, category </a:t>
+            </a:r>
+            <a:r>
+              <a:rPr lang="en-US" sz="2400" dirty="0"/>
+              <a:t>averages, franchise averages</a:t>
+            </a:r>
+            <a:r>
+              <a:rPr lang="en-US" sz="2400" dirty="0" smtClean="0"/>
+              <a:t>, and </a:t>
+            </a:r>
+            <a:r>
+              <a:rPr lang="en-US" sz="2400" dirty="0"/>
+              <a:t>interaction terms</a:t>
             </a:r>
             <a:endParaRPr lang="en-US" sz="2400" dirty="0"/>
           </a:p>
@@ -5035,37 +4687,7 @@
       </p:sp>
       <p:pic>
         <p:nvPicPr>
-          <p:cNvPr id="16" name="Picture 15" descr="Screen Shot 2014-12-02 at 9.09.40 PM.pdf"/>
-          <p:cNvPicPr>
-            <a:picLocks noChangeAspect="1"/>
-          </p:cNvPicPr>
-          <p:nvPr/>
-        </p:nvPicPr>
-        <p:blipFill>
-          <a:blip r:embed="rId16">
-            <a:extLst>
-              <a:ext uri="{28A0092B-C50C-407E-A947-70E740481C1C}">
-                <a14:useLocalDpi xmlns:a14="http://schemas.microsoft.com/office/drawing/2010/main" val="0"/>
-              </a:ext>
-            </a:extLst>
-          </a:blip>
-          <a:stretch>
-            <a:fillRect/>
-          </a:stretch>
-        </p:blipFill>
-        <p:spPr>
-          <a:xfrm>
-            <a:off x="18271702" y="5958420"/>
-            <a:ext cx="8166568" cy="4952970"/>
-          </a:xfrm>
-          <a:prstGeom prst="rect">
-            <a:avLst/>
-          </a:prstGeom>
-        </p:spPr>
-      </p:pic>
-      <p:pic>
-        <p:nvPicPr>
-          <p:cNvPr id="22" name="Picture 21" descr="Screen Shot 2014-12-02 at 9.10.45 PM.pdf"/>
+          <p:cNvPr id="26" name="Picture 25" descr="Results.eps"/>
           <p:cNvPicPr>
             <a:picLocks noChangeAspect="1"/>
           </p:cNvPicPr>
@@ -5085,14 +4707,344 @@
         </p:blipFill>
         <p:spPr>
           <a:xfrm>
-            <a:off x="22218436" y="13436265"/>
-            <a:ext cx="4363191" cy="3347664"/>
+            <a:off x="17149370" y="7127126"/>
+            <a:ext cx="10570728" cy="6342436"/>
           </a:xfrm>
           <a:prstGeom prst="rect">
             <a:avLst/>
           </a:prstGeom>
         </p:spPr>
       </p:pic>
+      <p:sp>
+        <p:nvSpPr>
+          <p:cNvPr id="6" name="Rectangle 5"/>
+          <p:cNvSpPr/>
+          <p:nvPr/>
+        </p:nvSpPr>
+        <p:spPr>
+          <a:xfrm>
+            <a:off x="308900" y="274620"/>
+            <a:ext cx="26805619" cy="17713013"/>
+          </a:xfrm>
+          <a:prstGeom prst="rect">
+            <a:avLst/>
+          </a:prstGeom>
+          <a:noFill/>
+          <a:ln w="635000" cmpd="sng">
+            <a:solidFill>
+              <a:srgbClr val="800000"/>
+            </a:solidFill>
+          </a:ln>
+        </p:spPr>
+        <p:style>
+          <a:lnRef idx="1">
+            <a:schemeClr val="accent1"/>
+          </a:lnRef>
+          <a:fillRef idx="3">
+            <a:schemeClr val="accent1"/>
+          </a:fillRef>
+          <a:effectRef idx="2">
+            <a:schemeClr val="accent1"/>
+          </a:effectRef>
+          <a:fontRef idx="minor">
+            <a:schemeClr val="lt1"/>
+          </a:fontRef>
+        </p:style>
+        <p:txBody>
+          <a:bodyPr lIns="106674" tIns="53337" rIns="106674" bIns="53337" rtlCol="0" anchor="ctr"/>
+          <a:lstStyle/>
+          <a:p>
+            <a:pPr algn="ctr"/>
+            <a:endParaRPr lang="en-US"/>
+          </a:p>
+        </p:txBody>
+      </p:sp>
+      <p:sp>
+        <p:nvSpPr>
+          <p:cNvPr id="37" name="TextBox 36"/>
+          <p:cNvSpPr txBox="1"/>
+          <p:nvPr/>
+        </p:nvSpPr>
+        <p:spPr>
+          <a:xfrm>
+            <a:off x="9575885" y="6504402"/>
+            <a:ext cx="8229600" cy="11541619"/>
+          </a:xfrm>
+          <a:prstGeom prst="rect">
+            <a:avLst/>
+          </a:prstGeom>
+          <a:noFill/>
+        </p:spPr>
+        <p:txBody>
+          <a:bodyPr wrap="square" rtlCol="0">
+            <a:spAutoFit/>
+          </a:bodyPr>
+          <a:lstStyle/>
+          <a:p>
+            <a:pPr marL="457200" indent="-457200">
+              <a:buFont typeface="Arial"/>
+              <a:buChar char="•"/>
+            </a:pPr>
+            <a:r>
+              <a:rPr lang="en-US" sz="2400" dirty="0" smtClean="0"/>
+              <a:t>Linear Regression- fits </a:t>
+            </a:r>
+            <a:r>
+              <a:rPr lang="en-US" sz="2400" dirty="0"/>
+              <a:t>a linear model </a:t>
+            </a:r>
+            <a:r>
+              <a:rPr lang="en-US" sz="2400" dirty="0" smtClean="0"/>
+              <a:t>by solving </a:t>
+            </a:r>
+            <a:r>
+              <a:rPr lang="en-US" sz="2400" dirty="0"/>
+              <a:t>the following optimization problem to find the estimated parameters.</a:t>
+            </a:r>
+          </a:p>
+          <a:p>
+            <a:endParaRPr lang="en-US" sz="3600" dirty="0" smtClean="0"/>
+          </a:p>
+          <a:p>
+            <a:pPr marL="457200" indent="-457200">
+              <a:buFont typeface="Arial"/>
+              <a:buChar char="•"/>
+            </a:pPr>
+            <a:r>
+              <a:rPr lang="en-US" sz="2400" dirty="0" smtClean="0"/>
+              <a:t>Ridge </a:t>
+            </a:r>
+            <a:r>
+              <a:rPr lang="en-US" sz="2400" dirty="0"/>
+              <a:t>Regression</a:t>
+            </a:r>
+            <a:r>
+              <a:rPr lang="en-US" sz="2400" dirty="0" smtClean="0"/>
+              <a:t>- </a:t>
+            </a:r>
+            <a:r>
+              <a:rPr lang="en-US" sz="2400" dirty="0"/>
+              <a:t>a linear model </a:t>
+            </a:r>
+            <a:r>
+              <a:rPr lang="en-US" sz="2400" dirty="0" smtClean="0"/>
+              <a:t>with regularization with the l2 norm and a tuning parameter that was chosen with leave one out cross validation which solves the following problem.</a:t>
+            </a:r>
+          </a:p>
+          <a:p>
+            <a:endParaRPr lang="en-US" sz="3600" dirty="0" smtClean="0"/>
+          </a:p>
+          <a:p>
+            <a:pPr marL="457200" indent="-457200">
+              <a:buFont typeface="Arial"/>
+              <a:buChar char="•"/>
+            </a:pPr>
+            <a:r>
+              <a:rPr lang="en-US" sz="2400" dirty="0" smtClean="0"/>
+              <a:t>The Lasso- </a:t>
+            </a:r>
+            <a:r>
+              <a:rPr lang="en-US" sz="2400" dirty="0"/>
+              <a:t>a linear model with regularization with the </a:t>
+            </a:r>
+            <a:r>
+              <a:rPr lang="en-US" sz="2400" dirty="0" smtClean="0"/>
+              <a:t>l1 </a:t>
+            </a:r>
+            <a:r>
+              <a:rPr lang="en-US" sz="2400" dirty="0"/>
+              <a:t>norm and a tuning parameter that was chosen with leave one out cross validation which solves the following problem.</a:t>
+            </a:r>
+          </a:p>
+          <a:p>
+            <a:endParaRPr lang="en-US" sz="3600" dirty="0" smtClean="0"/>
+          </a:p>
+          <a:p>
+            <a:pPr marL="457200" indent="-457200">
+              <a:buFont typeface="Arial"/>
+              <a:buChar char="•"/>
+            </a:pPr>
+            <a:r>
+              <a:rPr lang="en-US" sz="2400" dirty="0" smtClean="0"/>
+              <a:t>Elastic Net- </a:t>
+            </a:r>
+            <a:r>
+              <a:rPr lang="en-US" sz="2400" dirty="0"/>
+              <a:t>regression model trained with L1 and L2 prior as </a:t>
+            </a:r>
+            <a:r>
+              <a:rPr lang="en-US" sz="2400" dirty="0" err="1" smtClean="0"/>
+              <a:t>regularizer</a:t>
+            </a:r>
+            <a:r>
+              <a:rPr lang="en-US" sz="2400" dirty="0" smtClean="0"/>
+              <a:t>, which minimizes the following problem.</a:t>
+            </a:r>
+            <a:endParaRPr lang="en-US" sz="2400" dirty="0"/>
+          </a:p>
+          <a:p>
+            <a:endParaRPr lang="en-US" sz="3600" dirty="0" smtClean="0"/>
+          </a:p>
+          <a:p>
+            <a:pPr marL="342900" indent="-342900">
+              <a:buFont typeface="Arial"/>
+              <a:buChar char="•"/>
+            </a:pPr>
+            <a:r>
+              <a:rPr lang="en-US" sz="2400" dirty="0" smtClean="0"/>
+              <a:t>Random Forest</a:t>
+            </a:r>
+            <a:r>
+              <a:rPr lang="en-US" sz="2400" dirty="0"/>
+              <a:t>- ensemble learning method that is based from </a:t>
+            </a:r>
+            <a:r>
+              <a:rPr lang="en-US" sz="2400" dirty="0" smtClean="0"/>
+              <a:t>decision </a:t>
+            </a:r>
+            <a:r>
+              <a:rPr lang="en-US" sz="2400" dirty="0"/>
+              <a:t>trees</a:t>
+            </a:r>
+            <a:r>
+              <a:rPr lang="en-US" sz="2400" dirty="0" smtClean="0"/>
+              <a:t>. Each </a:t>
+            </a:r>
+            <a:r>
+              <a:rPr lang="en-US" sz="2400" dirty="0"/>
+              <a:t>tree in the ensemble is built from </a:t>
+            </a:r>
+            <a:r>
+              <a:rPr lang="en-US" sz="2400" dirty="0" smtClean="0"/>
+              <a:t>a </a:t>
+            </a:r>
+            <a:r>
+              <a:rPr lang="en-US" sz="2400" dirty="0"/>
+              <a:t>bootstrap </a:t>
+            </a:r>
+            <a:r>
+              <a:rPr lang="en-US" sz="2400" dirty="0" smtClean="0"/>
+              <a:t>sample </a:t>
+            </a:r>
+            <a:r>
+              <a:rPr lang="en-US" sz="2400" dirty="0"/>
+              <a:t>from the training </a:t>
+            </a:r>
+            <a:r>
+              <a:rPr lang="en-US" sz="2400" dirty="0" smtClean="0"/>
+              <a:t>set. The split </a:t>
+            </a:r>
+            <a:r>
+              <a:rPr lang="en-US" sz="2400" dirty="0"/>
+              <a:t>that is picked is the best split among a random subset of </a:t>
+            </a:r>
+            <a:r>
+              <a:rPr lang="en-US" sz="2400" dirty="0" smtClean="0"/>
+              <a:t>features</a:t>
+            </a:r>
+            <a:r>
+              <a:rPr lang="en-US" sz="2400" dirty="0"/>
+              <a:t>. </a:t>
+            </a:r>
+            <a:endParaRPr lang="en-US" sz="2400" dirty="0" smtClean="0"/>
+          </a:p>
+          <a:p>
+            <a:pPr marL="342900" indent="-342900">
+              <a:buFont typeface="Arial"/>
+              <a:buChar char="•"/>
+            </a:pPr>
+            <a:r>
+              <a:rPr lang="en-US" sz="2400" dirty="0" smtClean="0"/>
+              <a:t>Factorization Machine- </a:t>
+            </a:r>
+            <a:r>
+              <a:rPr lang="en-US" sz="2400" dirty="0"/>
+              <a:t>generic approach that allows to </a:t>
+            </a:r>
+            <a:r>
+              <a:rPr lang="en-US" sz="2400" dirty="0" smtClean="0"/>
+              <a:t>mimic </a:t>
+            </a:r>
+            <a:r>
+              <a:rPr lang="en-US" sz="2400" dirty="0"/>
+              <a:t>factorization models by feature </a:t>
+            </a:r>
+            <a:r>
+              <a:rPr lang="en-US" sz="2400" dirty="0" smtClean="0"/>
+              <a:t>engineering, which </a:t>
+            </a:r>
+            <a:r>
+              <a:rPr lang="en-US" sz="2400" dirty="0"/>
+              <a:t>combine the generality of feature engineering with the superiority of factorization models in estimating interactions between categorical variables of large domain. </a:t>
+            </a:r>
+            <a:endParaRPr lang="en-US" sz="2400" dirty="0" smtClean="0"/>
+          </a:p>
+          <a:p>
+            <a:pPr marL="342900" indent="-342900">
+              <a:buFont typeface="Arial"/>
+              <a:buChar char="•"/>
+            </a:pPr>
+            <a:r>
+              <a:rPr lang="en-US" sz="2400" dirty="0" smtClean="0"/>
+              <a:t>Collaborative Filtering- </a:t>
+            </a:r>
+            <a:r>
+              <a:rPr lang="en-US" sz="2400" dirty="0"/>
+              <a:t>Collaborative filtering is a technique that identifies patterns of user preferences towards certain items and makes </a:t>
+            </a:r>
+            <a:r>
+              <a:rPr lang="en-US" sz="2400" dirty="0" smtClean="0"/>
+              <a:t>recommendations</a:t>
+            </a:r>
+            <a:r>
+              <a:rPr lang="en-US" sz="2400" dirty="0"/>
+              <a:t>. Collaborative filtering uses a sparse matrix holding the rating of users to businesses and calculates a similarity </a:t>
+            </a:r>
+            <a:r>
+              <a:rPr lang="en-US" sz="2400" dirty="0" smtClean="0"/>
+              <a:t>score to estimate the features.</a:t>
+            </a:r>
+            <a:endParaRPr lang="en-US" sz="2400" dirty="0" smtClean="0"/>
+          </a:p>
+          <a:p>
+            <a:pPr marL="457200" indent="-457200">
+              <a:buFont typeface="Arial"/>
+              <a:buChar char="•"/>
+            </a:pPr>
+            <a:endParaRPr lang="en-US" sz="2400" dirty="0"/>
+          </a:p>
+        </p:txBody>
+      </p:sp>
+      <p:sp>
+        <p:nvSpPr>
+          <p:cNvPr id="43" name="TextBox 42"/>
+          <p:cNvSpPr txBox="1"/>
+          <p:nvPr/>
+        </p:nvSpPr>
+        <p:spPr>
+          <a:xfrm>
+            <a:off x="18217507" y="13587019"/>
+            <a:ext cx="2770089" cy="3046988"/>
+          </a:xfrm>
+          <a:prstGeom prst="rect">
+            <a:avLst/>
+          </a:prstGeom>
+          <a:noFill/>
+        </p:spPr>
+        <p:txBody>
+          <a:bodyPr wrap="square" rtlCol="0">
+            <a:spAutoFit/>
+          </a:bodyPr>
+          <a:lstStyle/>
+          <a:p>
+            <a:r>
+              <a:rPr lang="en-US" sz="2400" dirty="0" smtClean="0"/>
+              <a:t>In general, using random values for simple imputation and Elastic Net and Lasso models with segmentation ensemble performed the best. </a:t>
+            </a:r>
+            <a:endParaRPr lang="en-US" sz="2400" dirty="0"/>
+          </a:p>
+        </p:txBody>
+      </p:sp>
     </p:spTree>
     <p:extLst>
       <p:ext uri="{BB962C8B-B14F-4D97-AF65-F5344CB8AC3E}">

--- a/Ting_Ramaswamy_cs229Poster.pptx
+++ b/Ting_Ramaswamy_cs229Poster.pptx
@@ -3122,7 +3122,7 @@
         </p:blipFill>
         <p:spPr>
           <a:xfrm>
-            <a:off x="20688562" y="13349507"/>
+            <a:off x="20847308" y="13349507"/>
             <a:ext cx="6503617" cy="3902170"/>
           </a:xfrm>
           <a:prstGeom prst="rect">
@@ -3182,7 +3182,7 @@
           <a:graphicData uri="http://schemas.openxmlformats.org/presentationml/2006/ole">
             <mc:AlternateContent xmlns:mc="http://schemas.openxmlformats.org/markup-compatibility/2006">
               <mc:Choice xmlns:v="urn:schemas-microsoft-com:vml" Requires="v">
-                <p:oleObj spid="_x0000_s1134" name="Document" r:id="rId5" imgW="5486400" imgH="546100" progId="Word.Document.12">
+                <p:oleObj spid="_x0000_s1150" name="Document" r:id="rId5" imgW="5486400" imgH="546100" progId="Word.Document.12">
                   <p:embed/>
                 </p:oleObj>
               </mc:Choice>
@@ -3253,7 +3253,7 @@
             <a:graphicData uri="http://schemas.openxmlformats.org/presentationml/2006/ole">
               <mc:AlternateContent xmlns:mc="http://schemas.openxmlformats.org/markup-compatibility/2006">
                 <mc:Choice xmlns:v="urn:schemas-microsoft-com:vml" Requires="v">
-                  <p:oleObj spid="_x0000_s1135" name="Document" r:id="rId7" imgW="5486400" imgH="419100" progId="Word.Document.12">
+                  <p:oleObj spid="_x0000_s1151" name="Document" r:id="rId7" imgW="5486400" imgH="419100" progId="Word.Document.12">
                     <p:embed/>
                   </p:oleObj>
                 </mc:Choice>
@@ -3310,7 +3310,7 @@
             <a:graphicData uri="http://schemas.openxmlformats.org/presentationml/2006/ole">
               <mc:AlternateContent xmlns:mc="http://schemas.openxmlformats.org/markup-compatibility/2006">
                 <mc:Choice xmlns:v="urn:schemas-microsoft-com:vml" Requires="v">
-                  <p:oleObj spid="_x0000_s1136" name="Document" r:id="rId9" imgW="5486400" imgH="241300" progId="Word.Document.12">
+                  <p:oleObj spid="_x0000_s1152" name="Document" r:id="rId9" imgW="5486400" imgH="241300" progId="Word.Document.12">
                     <p:embed/>
                   </p:oleObj>
                 </mc:Choice>
@@ -3367,7 +3367,7 @@
             <a:graphicData uri="http://schemas.openxmlformats.org/presentationml/2006/ole">
               <mc:AlternateContent xmlns:mc="http://schemas.openxmlformats.org/markup-compatibility/2006">
                 <mc:Choice xmlns:v="urn:schemas-microsoft-com:vml" Requires="v">
-                  <p:oleObj spid="_x0000_s1137" name="Document" r:id="rId11" imgW="5486400" imgH="254000" progId="Word.Document.12">
+                  <p:oleObj spid="_x0000_s1153" name="Document" r:id="rId11" imgW="5486400" imgH="254000" progId="Word.Document.12">
                     <p:embed/>
                   </p:oleObj>
                 </mc:Choice>
@@ -3424,7 +3424,7 @@
             <a:graphicData uri="http://schemas.openxmlformats.org/presentationml/2006/ole">
               <mc:AlternateContent xmlns:mc="http://schemas.openxmlformats.org/markup-compatibility/2006">
                 <mc:Choice xmlns:v="urn:schemas-microsoft-com:vml" Requires="v">
-                  <p:oleObj spid="_x0000_s1138" name="Document" r:id="rId13" imgW="5486400" imgH="533400" progId="Word.Document.12">
+                  <p:oleObj spid="_x0000_s1154" name="Document" r:id="rId13" imgW="5486400" imgH="533400" progId="Word.Document.12">
                     <p:embed/>
                   </p:oleObj>
                 </mc:Choice>
@@ -4533,15 +4533,7 @@
           <a:p>
             <a:r>
               <a:rPr lang="en-US" sz="2400" dirty="0" smtClean="0"/>
-              <a:t>Using a training set of 229,907 and a test set size of </a:t>
-            </a:r>
-            <a:r>
-              <a:rPr lang="en-US" sz="2400" dirty="0" smtClean="0"/>
-              <a:t>36,404 </a:t>
-            </a:r>
-            <a:r>
-              <a:rPr lang="en-US" sz="2400" dirty="0" smtClean="0"/>
-              <a:t>we get the following result for each approach on the missing data and each model</a:t>
+              <a:t>Using a training set of 229,907 and a test set size of 36,404 we get the following result for each approach on the missing data and each model</a:t>
             </a:r>
             <a:r>
               <a:rPr lang="en-US" sz="2400" dirty="0"/>
@@ -4607,11 +4599,7 @@
             </a:r>
             <a:r>
               <a:rPr lang="en-US" sz="2400" dirty="0" smtClean="0"/>
-              <a:t>usiness </a:t>
-            </a:r>
-            <a:r>
-              <a:rPr lang="en-US" sz="2400" dirty="0" smtClean="0"/>
-              <a:t>open, business </a:t>
+              <a:t>usiness open, business </a:t>
             </a:r>
             <a:r>
               <a:rPr lang="en-US" sz="2400" dirty="0"/>
@@ -4681,7 +4669,6 @@
               <a:rPr lang="en-US" sz="2400" dirty="0"/>
               <a:t>interaction terms</a:t>
             </a:r>
-            <a:endParaRPr lang="en-US" sz="2400" dirty="0"/>
           </a:p>
         </p:txBody>
       </p:sp>
@@ -5004,7 +4991,6 @@
               <a:rPr lang="en-US" sz="2400" dirty="0" smtClean="0"/>
               <a:t>score to estimate the features.</a:t>
             </a:r>
-            <a:endParaRPr lang="en-US" sz="2400" dirty="0" smtClean="0"/>
           </a:p>
           <a:p>
             <a:pPr marL="457200" indent="-457200">
@@ -5023,8 +5009,8 @@
         </p:nvSpPr>
         <p:spPr>
           <a:xfrm>
-            <a:off x="18217507" y="13587019"/>
-            <a:ext cx="2770089" cy="3046988"/>
+            <a:off x="18240185" y="13120790"/>
+            <a:ext cx="2770089" cy="3785652"/>
           </a:xfrm>
           <a:prstGeom prst="rect">
             <a:avLst/>
@@ -5039,7 +5025,27 @@
           <a:p>
             <a:r>
               <a:rPr lang="en-US" sz="2400" dirty="0" smtClean="0"/>
-              <a:t>In general, using random values for simple imputation and Elastic Net and Lasso models with segmentation ensemble performed the best. </a:t>
+              <a:t>Using random </a:t>
+            </a:r>
+            <a:r>
+              <a:rPr lang="en-US" sz="2400" dirty="0" smtClean="0"/>
+              <a:t>values for simple imputation </a:t>
+            </a:r>
+            <a:r>
+              <a:rPr lang="en-US" sz="2400" dirty="0" smtClean="0"/>
+              <a:t>and the </a:t>
+            </a:r>
+            <a:r>
+              <a:rPr lang="en-US" sz="2400" dirty="0" smtClean="0"/>
+              <a:t>Elastic </a:t>
+            </a:r>
+            <a:r>
+              <a:rPr lang="en-US" sz="2400" dirty="0" smtClean="0"/>
+              <a:t>Net model performed the best. </a:t>
+            </a:r>
+            <a:r>
+              <a:rPr lang="en-US" sz="2400" dirty="0" smtClean="0"/>
+              <a:t>Combining those 2 approaches with segmentation ensemble yielded the best result. </a:t>
             </a:r>
             <a:endParaRPr lang="en-US" sz="2400" dirty="0"/>
           </a:p>
